--- a/H-Error/zy8-2.pptx
+++ b/H-Error/zy8-2.pptx
@@ -5,20 +5,17 @@
     <p:sldMasterId id="2147483736" r:id="rId1"/>
   </p:sldMasterIdLst>
   <p:notesMasterIdLst>
-    <p:notesMasterId r:id="rId13"/>
+    <p:notesMasterId r:id="rId10"/>
   </p:notesMasterIdLst>
   <p:sldIdLst>
     <p:sldId id="256" r:id="rId2"/>
-    <p:sldId id="258" r:id="rId3"/>
-    <p:sldId id="257" r:id="rId4"/>
-    <p:sldId id="259" r:id="rId5"/>
-    <p:sldId id="260" r:id="rId6"/>
-    <p:sldId id="261" r:id="rId7"/>
-    <p:sldId id="262" r:id="rId8"/>
-    <p:sldId id="263" r:id="rId9"/>
-    <p:sldId id="264" r:id="rId10"/>
-    <p:sldId id="265" r:id="rId11"/>
-    <p:sldId id="266" r:id="rId12"/>
+    <p:sldId id="266" r:id="rId3"/>
+    <p:sldId id="267" r:id="rId4"/>
+    <p:sldId id="268" r:id="rId5"/>
+    <p:sldId id="271" r:id="rId6"/>
+    <p:sldId id="272" r:id="rId7"/>
+    <p:sldId id="269" r:id="rId8"/>
+    <p:sldId id="270" r:id="rId9"/>
   </p:sldIdLst>
   <p:sldSz cx="12192000" cy="6858000"/>
   <p:notesSz cx="6858000" cy="9144000"/>
@@ -123,2872 +120,6 @@
     </p:ext>
   </p:extLst>
 </p:presentation>
-</file>
-
-<file path=ppt/diagrams/colors1.xml><?xml version="1.0" encoding="utf-8"?>
-<dgm:colorsDef xmlns:dgm="http://schemas.openxmlformats.org/drawingml/2006/diagram" xmlns:a="http://schemas.openxmlformats.org/drawingml/2006/main" uniqueId="urn:microsoft.com/office/officeart/2005/8/colors/colorful1">
-  <dgm:title val=""/>
-  <dgm:desc val=""/>
-  <dgm:catLst>
-    <dgm:cat type="colorful" pri="10100"/>
-  </dgm:catLst>
-  <dgm:styleLbl name="node0">
-    <dgm:fillClrLst meth="repeat">
-      <a:schemeClr val="accent1"/>
-    </dgm:fillClrLst>
-    <dgm:linClrLst meth="repeat">
-      <a:schemeClr val="lt1"/>
-    </dgm:linClrLst>
-    <dgm:effectClrLst/>
-    <dgm:txLinClrLst/>
-    <dgm:txFillClrLst/>
-    <dgm:txEffectClrLst/>
-  </dgm:styleLbl>
-  <dgm:styleLbl name="node1">
-    <dgm:fillClrLst meth="repeat">
-      <a:schemeClr val="accent2"/>
-      <a:schemeClr val="accent3"/>
-      <a:schemeClr val="accent4"/>
-      <a:schemeClr val="accent5"/>
-      <a:schemeClr val="accent6"/>
-    </dgm:fillClrLst>
-    <dgm:linClrLst meth="repeat">
-      <a:schemeClr val="lt1"/>
-    </dgm:linClrLst>
-    <dgm:effectClrLst/>
-    <dgm:txLinClrLst/>
-    <dgm:txFillClrLst/>
-    <dgm:txEffectClrLst/>
-  </dgm:styleLbl>
-  <dgm:styleLbl name="alignNode1">
-    <dgm:fillClrLst meth="repeat">
-      <a:schemeClr val="accent2"/>
-      <a:schemeClr val="accent3"/>
-      <a:schemeClr val="accent4"/>
-      <a:schemeClr val="accent5"/>
-      <a:schemeClr val="accent6"/>
-    </dgm:fillClrLst>
-    <dgm:linClrLst meth="repeat">
-      <a:schemeClr val="accent2"/>
-      <a:schemeClr val="accent3"/>
-      <a:schemeClr val="accent4"/>
-      <a:schemeClr val="accent5"/>
-      <a:schemeClr val="accent6"/>
-    </dgm:linClrLst>
-    <dgm:effectClrLst/>
-    <dgm:txLinClrLst/>
-    <dgm:txFillClrLst/>
-    <dgm:txEffectClrLst/>
-  </dgm:styleLbl>
-  <dgm:styleLbl name="lnNode1">
-    <dgm:fillClrLst meth="repeat">
-      <a:schemeClr val="accent2"/>
-      <a:schemeClr val="accent3"/>
-      <a:schemeClr val="accent4"/>
-      <a:schemeClr val="accent5"/>
-      <a:schemeClr val="accent6"/>
-    </dgm:fillClrLst>
-    <dgm:linClrLst meth="repeat">
-      <a:schemeClr val="lt1"/>
-    </dgm:linClrLst>
-    <dgm:effectClrLst/>
-    <dgm:txLinClrLst/>
-    <dgm:txFillClrLst/>
-    <dgm:txEffectClrLst/>
-  </dgm:styleLbl>
-  <dgm:styleLbl name="vennNode1">
-    <dgm:fillClrLst meth="repeat">
-      <a:schemeClr val="accent2">
-        <a:alpha val="50000"/>
-      </a:schemeClr>
-      <a:schemeClr val="accent3">
-        <a:alpha val="50000"/>
-      </a:schemeClr>
-      <a:schemeClr val="accent4">
-        <a:alpha val="50000"/>
-      </a:schemeClr>
-      <a:schemeClr val="accent5">
-        <a:alpha val="50000"/>
-      </a:schemeClr>
-      <a:schemeClr val="accent6">
-        <a:alpha val="50000"/>
-      </a:schemeClr>
-    </dgm:fillClrLst>
-    <dgm:linClrLst meth="repeat">
-      <a:schemeClr val="lt1"/>
-    </dgm:linClrLst>
-    <dgm:effectClrLst/>
-    <dgm:txLinClrLst/>
-    <dgm:txFillClrLst/>
-    <dgm:txEffectClrLst/>
-  </dgm:styleLbl>
-  <dgm:styleLbl name="node2">
-    <dgm:fillClrLst>
-      <a:schemeClr val="accent2"/>
-    </dgm:fillClrLst>
-    <dgm:linClrLst meth="repeat">
-      <a:schemeClr val="lt1"/>
-    </dgm:linClrLst>
-    <dgm:effectClrLst/>
-    <dgm:txLinClrLst/>
-    <dgm:txFillClrLst/>
-    <dgm:txEffectClrLst/>
-  </dgm:styleLbl>
-  <dgm:styleLbl name="node3">
-    <dgm:fillClrLst>
-      <a:schemeClr val="accent3"/>
-    </dgm:fillClrLst>
-    <dgm:linClrLst meth="repeat">
-      <a:schemeClr val="lt1"/>
-    </dgm:linClrLst>
-    <dgm:effectClrLst/>
-    <dgm:txLinClrLst/>
-    <dgm:txFillClrLst/>
-    <dgm:txEffectClrLst/>
-  </dgm:styleLbl>
-  <dgm:styleLbl name="node4">
-    <dgm:fillClrLst>
-      <a:schemeClr val="accent4"/>
-    </dgm:fillClrLst>
-    <dgm:linClrLst meth="repeat">
-      <a:schemeClr val="lt1"/>
-    </dgm:linClrLst>
-    <dgm:effectClrLst/>
-    <dgm:txLinClrLst/>
-    <dgm:txFillClrLst/>
-    <dgm:txEffectClrLst/>
-  </dgm:styleLbl>
-  <dgm:styleLbl name="fgImgPlace1">
-    <dgm:fillClrLst meth="repeat">
-      <a:schemeClr val="accent2">
-        <a:tint val="50000"/>
-      </a:schemeClr>
-      <a:schemeClr val="accent3">
-        <a:tint val="50000"/>
-      </a:schemeClr>
-      <a:schemeClr val="accent4">
-        <a:tint val="50000"/>
-      </a:schemeClr>
-      <a:schemeClr val="accent5">
-        <a:tint val="50000"/>
-      </a:schemeClr>
-      <a:schemeClr val="accent6">
-        <a:tint val="50000"/>
-      </a:schemeClr>
-    </dgm:fillClrLst>
-    <dgm:linClrLst meth="repeat">
-      <a:schemeClr val="lt1"/>
-    </dgm:linClrLst>
-    <dgm:effectClrLst/>
-    <dgm:txLinClrLst/>
-    <dgm:txFillClrLst meth="repeat">
-      <a:schemeClr val="lt1"/>
-    </dgm:txFillClrLst>
-    <dgm:txEffectClrLst/>
-  </dgm:styleLbl>
-  <dgm:styleLbl name="alignImgPlace1">
-    <dgm:fillClrLst>
-      <a:schemeClr val="accent1">
-        <a:tint val="50000"/>
-      </a:schemeClr>
-      <a:schemeClr val="accent2">
-        <a:tint val="20000"/>
-      </a:schemeClr>
-    </dgm:fillClrLst>
-    <dgm:linClrLst meth="repeat">
-      <a:schemeClr val="lt1"/>
-    </dgm:linClrLst>
-    <dgm:effectClrLst/>
-    <dgm:txLinClrLst/>
-    <dgm:txFillClrLst meth="repeat">
-      <a:schemeClr val="lt1"/>
-    </dgm:txFillClrLst>
-    <dgm:txEffectClrLst/>
-  </dgm:styleLbl>
-  <dgm:styleLbl name="bgImgPlace1">
-    <dgm:fillClrLst>
-      <a:schemeClr val="accent1">
-        <a:tint val="50000"/>
-      </a:schemeClr>
-      <a:schemeClr val="accent2">
-        <a:tint val="20000"/>
-      </a:schemeClr>
-    </dgm:fillClrLst>
-    <dgm:linClrLst meth="repeat">
-      <a:schemeClr val="lt1"/>
-    </dgm:linClrLst>
-    <dgm:effectClrLst/>
-    <dgm:txLinClrLst/>
-    <dgm:txFillClrLst meth="repeat">
-      <a:schemeClr val="lt1"/>
-    </dgm:txFillClrLst>
-    <dgm:txEffectClrLst/>
-  </dgm:styleLbl>
-  <dgm:styleLbl name="sibTrans2D1">
-    <dgm:fillClrLst meth="repeat">
-      <a:schemeClr val="accent2"/>
-      <a:schemeClr val="accent3"/>
-      <a:schemeClr val="accent4"/>
-      <a:schemeClr val="accent5"/>
-      <a:schemeClr val="accent6"/>
-    </dgm:fillClrLst>
-    <dgm:linClrLst meth="cycle">
-      <a:schemeClr val="lt1"/>
-    </dgm:linClrLst>
-    <dgm:effectClrLst/>
-    <dgm:txLinClrLst/>
-    <dgm:txFillClrLst/>
-    <dgm:txEffectClrLst/>
-  </dgm:styleLbl>
-  <dgm:styleLbl name="fgSibTrans2D1">
-    <dgm:fillClrLst meth="repeat">
-      <a:schemeClr val="accent2"/>
-      <a:schemeClr val="accent3"/>
-      <a:schemeClr val="accent4"/>
-      <a:schemeClr val="accent5"/>
-      <a:schemeClr val="accent6"/>
-    </dgm:fillClrLst>
-    <dgm:linClrLst meth="cycle">
-      <a:schemeClr val="lt1"/>
-    </dgm:linClrLst>
-    <dgm:effectClrLst/>
-    <dgm:txLinClrLst/>
-    <dgm:txFillClrLst meth="repeat">
-      <a:schemeClr val="lt1"/>
-    </dgm:txFillClrLst>
-    <dgm:txEffectClrLst/>
-  </dgm:styleLbl>
-  <dgm:styleLbl name="bgSibTrans2D1">
-    <dgm:fillClrLst meth="repeat">
-      <a:schemeClr val="accent2"/>
-      <a:schemeClr val="accent3"/>
-      <a:schemeClr val="accent4"/>
-      <a:schemeClr val="accent5"/>
-      <a:schemeClr val="accent6"/>
-    </dgm:fillClrLst>
-    <dgm:linClrLst meth="cycle">
-      <a:schemeClr val="lt1"/>
-    </dgm:linClrLst>
-    <dgm:effectClrLst/>
-    <dgm:txLinClrLst/>
-    <dgm:txFillClrLst meth="repeat">
-      <a:schemeClr val="lt1"/>
-    </dgm:txFillClrLst>
-    <dgm:txEffectClrLst/>
-  </dgm:styleLbl>
-  <dgm:styleLbl name="sibTrans1D1">
-    <dgm:fillClrLst meth="repeat">
-      <a:schemeClr val="accent2"/>
-      <a:schemeClr val="accent3"/>
-      <a:schemeClr val="accent4"/>
-      <a:schemeClr val="accent5"/>
-      <a:schemeClr val="accent6"/>
-    </dgm:fillClrLst>
-    <dgm:linClrLst meth="repeat">
-      <a:schemeClr val="accent2"/>
-      <a:schemeClr val="accent3"/>
-      <a:schemeClr val="accent4"/>
-      <a:schemeClr val="accent5"/>
-      <a:schemeClr val="accent6"/>
-    </dgm:linClrLst>
-    <dgm:effectClrLst/>
-    <dgm:txLinClrLst/>
-    <dgm:txFillClrLst meth="repeat">
-      <a:schemeClr val="tx1"/>
-    </dgm:txFillClrLst>
-    <dgm:txEffectClrLst/>
-  </dgm:styleLbl>
-  <dgm:styleLbl name="callout">
-    <dgm:fillClrLst meth="repeat">
-      <a:schemeClr val="accent2"/>
-    </dgm:fillClrLst>
-    <dgm:linClrLst meth="repeat">
-      <a:schemeClr val="accent2">
-        <a:tint val="50000"/>
-      </a:schemeClr>
-    </dgm:linClrLst>
-    <dgm:effectClrLst/>
-    <dgm:txLinClrLst/>
-    <dgm:txFillClrLst meth="repeat">
-      <a:schemeClr val="tx1"/>
-    </dgm:txFillClrLst>
-    <dgm:txEffectClrLst/>
-  </dgm:styleLbl>
-  <dgm:styleLbl name="asst0">
-    <dgm:fillClrLst meth="repeat">
-      <a:schemeClr val="accent1"/>
-    </dgm:fillClrLst>
-    <dgm:linClrLst meth="repeat">
-      <a:schemeClr val="lt1"/>
-    </dgm:linClrLst>
-    <dgm:effectClrLst/>
-    <dgm:txLinClrLst/>
-    <dgm:txFillClrLst/>
-    <dgm:txEffectClrLst/>
-  </dgm:styleLbl>
-  <dgm:styleLbl name="asst1">
-    <dgm:fillClrLst meth="repeat">
-      <a:schemeClr val="accent2"/>
-    </dgm:fillClrLst>
-    <dgm:linClrLst meth="repeat">
-      <a:schemeClr val="lt1"/>
-    </dgm:linClrLst>
-    <dgm:effectClrLst/>
-    <dgm:txLinClrLst/>
-    <dgm:txFillClrLst/>
-    <dgm:txEffectClrLst/>
-  </dgm:styleLbl>
-  <dgm:styleLbl name="asst2">
-    <dgm:fillClrLst>
-      <a:schemeClr val="accent3"/>
-    </dgm:fillClrLst>
-    <dgm:linClrLst meth="repeat">
-      <a:schemeClr val="lt1"/>
-    </dgm:linClrLst>
-    <dgm:effectClrLst/>
-    <dgm:txLinClrLst/>
-    <dgm:txFillClrLst/>
-    <dgm:txEffectClrLst/>
-  </dgm:styleLbl>
-  <dgm:styleLbl name="asst3">
-    <dgm:fillClrLst>
-      <a:schemeClr val="accent4"/>
-    </dgm:fillClrLst>
-    <dgm:linClrLst meth="repeat">
-      <a:schemeClr val="lt1"/>
-    </dgm:linClrLst>
-    <dgm:effectClrLst/>
-    <dgm:txLinClrLst/>
-    <dgm:txFillClrLst/>
-    <dgm:txEffectClrLst/>
-  </dgm:styleLbl>
-  <dgm:styleLbl name="asst4">
-    <dgm:fillClrLst>
-      <a:schemeClr val="accent5"/>
-    </dgm:fillClrLst>
-    <dgm:linClrLst meth="repeat">
-      <a:schemeClr val="lt1"/>
-    </dgm:linClrLst>
-    <dgm:effectClrLst/>
-    <dgm:txLinClrLst/>
-    <dgm:txFillClrLst/>
-    <dgm:txEffectClrLst/>
-  </dgm:styleLbl>
-  <dgm:styleLbl name="parChTrans2D1">
-    <dgm:fillClrLst meth="repeat">
-      <a:schemeClr val="accent2"/>
-    </dgm:fillClrLst>
-    <dgm:linClrLst meth="repeat">
-      <a:schemeClr val="lt1"/>
-    </dgm:linClrLst>
-    <dgm:effectClrLst/>
-    <dgm:txLinClrLst/>
-    <dgm:txFillClrLst meth="repeat">
-      <a:schemeClr val="lt1"/>
-    </dgm:txFillClrLst>
-    <dgm:txEffectClrLst/>
-  </dgm:styleLbl>
-  <dgm:styleLbl name="parChTrans2D2">
-    <dgm:fillClrLst meth="repeat">
-      <a:schemeClr val="accent3"/>
-    </dgm:fillClrLst>
-    <dgm:linClrLst meth="repeat">
-      <a:schemeClr val="lt1"/>
-    </dgm:linClrLst>
-    <dgm:effectClrLst/>
-    <dgm:txLinClrLst/>
-    <dgm:txFillClrLst/>
-    <dgm:txEffectClrLst/>
-  </dgm:styleLbl>
-  <dgm:styleLbl name="parChTrans2D3">
-    <dgm:fillClrLst meth="repeat">
-      <a:schemeClr val="accent4"/>
-    </dgm:fillClrLst>
-    <dgm:linClrLst meth="repeat">
-      <a:schemeClr val="lt1"/>
-    </dgm:linClrLst>
-    <dgm:effectClrLst/>
-    <dgm:txLinClrLst/>
-    <dgm:txFillClrLst/>
-    <dgm:txEffectClrLst/>
-  </dgm:styleLbl>
-  <dgm:styleLbl name="parChTrans2D4">
-    <dgm:fillClrLst meth="repeat">
-      <a:schemeClr val="accent5"/>
-    </dgm:fillClrLst>
-    <dgm:linClrLst meth="repeat">
-      <a:schemeClr val="lt1"/>
-    </dgm:linClrLst>
-    <dgm:effectClrLst/>
-    <dgm:txLinClrLst/>
-    <dgm:txFillClrLst meth="repeat">
-      <a:schemeClr val="lt1"/>
-    </dgm:txFillClrLst>
-    <dgm:txEffectClrLst/>
-  </dgm:styleLbl>
-  <dgm:styleLbl name="parChTrans1D1">
-    <dgm:fillClrLst meth="repeat">
-      <a:schemeClr val="accent2"/>
-    </dgm:fillClrLst>
-    <dgm:linClrLst meth="repeat">
-      <a:schemeClr val="accent1"/>
-    </dgm:linClrLst>
-    <dgm:effectClrLst/>
-    <dgm:txLinClrLst/>
-    <dgm:txFillClrLst meth="repeat">
-      <a:schemeClr val="tx1"/>
-    </dgm:txFillClrLst>
-    <dgm:txEffectClrLst/>
-  </dgm:styleLbl>
-  <dgm:styleLbl name="parChTrans1D2">
-    <dgm:fillClrLst meth="repeat">
-      <a:schemeClr val="accent3">
-        <a:tint val="90000"/>
-      </a:schemeClr>
-    </dgm:fillClrLst>
-    <dgm:linClrLst meth="repeat">
-      <a:schemeClr val="accent2"/>
-    </dgm:linClrLst>
-    <dgm:effectClrLst/>
-    <dgm:txLinClrLst/>
-    <dgm:txFillClrLst meth="repeat">
-      <a:schemeClr val="tx1"/>
-    </dgm:txFillClrLst>
-    <dgm:txEffectClrLst/>
-  </dgm:styleLbl>
-  <dgm:styleLbl name="parChTrans1D3">
-    <dgm:fillClrLst meth="repeat">
-      <a:schemeClr val="accent4">
-        <a:tint val="70000"/>
-      </a:schemeClr>
-    </dgm:fillClrLst>
-    <dgm:linClrLst meth="repeat">
-      <a:schemeClr val="accent3"/>
-    </dgm:linClrLst>
-    <dgm:effectClrLst/>
-    <dgm:txLinClrLst/>
-    <dgm:txFillClrLst meth="repeat">
-      <a:schemeClr val="tx1"/>
-    </dgm:txFillClrLst>
-    <dgm:txEffectClrLst/>
-  </dgm:styleLbl>
-  <dgm:styleLbl name="parChTrans1D4">
-    <dgm:fillClrLst meth="repeat">
-      <a:schemeClr val="accent5">
-        <a:tint val="50000"/>
-      </a:schemeClr>
-    </dgm:fillClrLst>
-    <dgm:linClrLst meth="repeat">
-      <a:schemeClr val="accent4"/>
-    </dgm:linClrLst>
-    <dgm:effectClrLst/>
-    <dgm:txLinClrLst/>
-    <dgm:txFillClrLst meth="repeat">
-      <a:schemeClr val="tx1"/>
-    </dgm:txFillClrLst>
-    <dgm:txEffectClrLst/>
-  </dgm:styleLbl>
-  <dgm:styleLbl name="fgAcc1">
-    <dgm:fillClrLst meth="repeat">
-      <a:schemeClr val="lt1">
-        <a:alpha val="90000"/>
-      </a:schemeClr>
-    </dgm:fillClrLst>
-    <dgm:linClrLst meth="repeat">
-      <a:schemeClr val="accent2"/>
-      <a:schemeClr val="accent3"/>
-      <a:schemeClr val="accent4"/>
-      <a:schemeClr val="accent5"/>
-      <a:schemeClr val="accent6"/>
-    </dgm:linClrLst>
-    <dgm:effectClrLst/>
-    <dgm:txLinClrLst/>
-    <dgm:txFillClrLst meth="repeat">
-      <a:schemeClr val="dk1"/>
-    </dgm:txFillClrLst>
-    <dgm:txEffectClrLst/>
-  </dgm:styleLbl>
-  <dgm:styleLbl name="conFgAcc1">
-    <dgm:fillClrLst meth="repeat">
-      <a:schemeClr val="lt1">
-        <a:alpha val="90000"/>
-      </a:schemeClr>
-    </dgm:fillClrLst>
-    <dgm:linClrLst meth="repeat">
-      <a:schemeClr val="accent2"/>
-      <a:schemeClr val="accent3"/>
-      <a:schemeClr val="accent4"/>
-      <a:schemeClr val="accent5"/>
-      <a:schemeClr val="accent6"/>
-    </dgm:linClrLst>
-    <dgm:effectClrLst/>
-    <dgm:txLinClrLst/>
-    <dgm:txFillClrLst meth="repeat">
-      <a:schemeClr val="dk1"/>
-    </dgm:txFillClrLst>
-    <dgm:txEffectClrLst/>
-  </dgm:styleLbl>
-  <dgm:styleLbl name="alignAcc1">
-    <dgm:fillClrLst meth="repeat">
-      <a:schemeClr val="lt1">
-        <a:alpha val="90000"/>
-      </a:schemeClr>
-    </dgm:fillClrLst>
-    <dgm:linClrLst meth="repeat">
-      <a:schemeClr val="accent2"/>
-      <a:schemeClr val="accent3"/>
-      <a:schemeClr val="accent4"/>
-      <a:schemeClr val="accent5"/>
-      <a:schemeClr val="accent6"/>
-    </dgm:linClrLst>
-    <dgm:effectClrLst/>
-    <dgm:txLinClrLst/>
-    <dgm:txFillClrLst meth="repeat">
-      <a:schemeClr val="dk1"/>
-    </dgm:txFillClrLst>
-    <dgm:txEffectClrLst/>
-  </dgm:styleLbl>
-  <dgm:styleLbl name="trAlignAcc1">
-    <dgm:fillClrLst meth="repeat">
-      <a:schemeClr val="lt1">
-        <a:alpha val="40000"/>
-      </a:schemeClr>
-    </dgm:fillClrLst>
-    <dgm:linClrLst meth="repeat">
-      <a:schemeClr val="accent1"/>
-    </dgm:linClrLst>
-    <dgm:effectClrLst/>
-    <dgm:txLinClrLst/>
-    <dgm:txFillClrLst meth="repeat">
-      <a:schemeClr val="dk1"/>
-    </dgm:txFillClrLst>
-    <dgm:txEffectClrLst/>
-  </dgm:styleLbl>
-  <dgm:styleLbl name="bgAcc1">
-    <dgm:fillClrLst meth="repeat">
-      <a:schemeClr val="lt1">
-        <a:alpha val="90000"/>
-      </a:schemeClr>
-    </dgm:fillClrLst>
-    <dgm:linClrLst meth="repeat">
-      <a:schemeClr val="accent2"/>
-      <a:schemeClr val="accent3"/>
-      <a:schemeClr val="accent4"/>
-      <a:schemeClr val="accent5"/>
-      <a:schemeClr val="accent6"/>
-    </dgm:linClrLst>
-    <dgm:effectClrLst/>
-    <dgm:txLinClrLst/>
-    <dgm:txFillClrLst meth="repeat">
-      <a:schemeClr val="dk1"/>
-    </dgm:txFillClrLst>
-    <dgm:txEffectClrLst/>
-  </dgm:styleLbl>
-  <dgm:styleLbl name="solidFgAcc1">
-    <dgm:fillClrLst meth="repeat">
-      <a:schemeClr val="lt1"/>
-    </dgm:fillClrLst>
-    <dgm:linClrLst meth="repeat">
-      <a:schemeClr val="accent2"/>
-      <a:schemeClr val="accent3"/>
-      <a:schemeClr val="accent4"/>
-      <a:schemeClr val="accent5"/>
-      <a:schemeClr val="accent6"/>
-    </dgm:linClrLst>
-    <dgm:effectClrLst/>
-    <dgm:txLinClrLst/>
-    <dgm:txFillClrLst meth="repeat">
-      <a:schemeClr val="dk1"/>
-    </dgm:txFillClrLst>
-    <dgm:txEffectClrLst/>
-  </dgm:styleLbl>
-  <dgm:styleLbl name="solidAlignAcc1">
-    <dgm:fillClrLst meth="repeat">
-      <a:schemeClr val="lt1"/>
-    </dgm:fillClrLst>
-    <dgm:linClrLst meth="repeat">
-      <a:schemeClr val="accent2"/>
-      <a:schemeClr val="accent3"/>
-      <a:schemeClr val="accent4"/>
-      <a:schemeClr val="accent5"/>
-      <a:schemeClr val="accent6"/>
-    </dgm:linClrLst>
-    <dgm:effectClrLst/>
-    <dgm:txLinClrLst/>
-    <dgm:txFillClrLst meth="repeat">
-      <a:schemeClr val="dk1"/>
-    </dgm:txFillClrLst>
-    <dgm:txEffectClrLst/>
-  </dgm:styleLbl>
-  <dgm:styleLbl name="solidBgAcc1">
-    <dgm:fillClrLst meth="repeat">
-      <a:schemeClr val="lt1"/>
-    </dgm:fillClrLst>
-    <dgm:linClrLst meth="repeat">
-      <a:schemeClr val="accent2"/>
-      <a:schemeClr val="accent3"/>
-      <a:schemeClr val="accent4"/>
-      <a:schemeClr val="accent5"/>
-      <a:schemeClr val="accent6"/>
-    </dgm:linClrLst>
-    <dgm:effectClrLst/>
-    <dgm:txLinClrLst/>
-    <dgm:txFillClrLst meth="repeat">
-      <a:schemeClr val="dk1"/>
-    </dgm:txFillClrLst>
-    <dgm:txEffectClrLst/>
-  </dgm:styleLbl>
-  <dgm:styleLbl name="fgAccFollowNode1">
-    <dgm:fillClrLst meth="repeat">
-      <a:schemeClr val="accent2">
-        <a:tint val="40000"/>
-        <a:alpha val="90000"/>
-      </a:schemeClr>
-      <a:schemeClr val="accent3">
-        <a:tint val="40000"/>
-        <a:alpha val="90000"/>
-      </a:schemeClr>
-      <a:schemeClr val="accent4">
-        <a:tint val="40000"/>
-        <a:alpha val="90000"/>
-      </a:schemeClr>
-      <a:schemeClr val="accent5">
-        <a:tint val="40000"/>
-        <a:alpha val="90000"/>
-      </a:schemeClr>
-      <a:schemeClr val="accent6">
-        <a:tint val="40000"/>
-        <a:alpha val="90000"/>
-      </a:schemeClr>
-    </dgm:fillClrLst>
-    <dgm:linClrLst meth="repeat">
-      <a:schemeClr val="accent2">
-        <a:tint val="40000"/>
-        <a:alpha val="90000"/>
-      </a:schemeClr>
-      <a:schemeClr val="accent3">
-        <a:tint val="40000"/>
-        <a:alpha val="90000"/>
-      </a:schemeClr>
-      <a:schemeClr val="accent4">
-        <a:tint val="40000"/>
-        <a:alpha val="90000"/>
-      </a:schemeClr>
-      <a:schemeClr val="accent5">
-        <a:tint val="40000"/>
-        <a:alpha val="90000"/>
-      </a:schemeClr>
-      <a:schemeClr val="accent6">
-        <a:tint val="40000"/>
-        <a:alpha val="90000"/>
-      </a:schemeClr>
-    </dgm:linClrLst>
-    <dgm:effectClrLst/>
-    <dgm:txLinClrLst/>
-    <dgm:txFillClrLst meth="repeat">
-      <a:schemeClr val="dk1"/>
-    </dgm:txFillClrLst>
-    <dgm:txEffectClrLst/>
-  </dgm:styleLbl>
-  <dgm:styleLbl name="alignAccFollowNode1">
-    <dgm:fillClrLst meth="repeat">
-      <a:schemeClr val="accent2">
-        <a:tint val="40000"/>
-        <a:alpha val="90000"/>
-      </a:schemeClr>
-      <a:schemeClr val="accent3">
-        <a:tint val="40000"/>
-        <a:alpha val="90000"/>
-      </a:schemeClr>
-      <a:schemeClr val="accent4">
-        <a:tint val="40000"/>
-        <a:alpha val="90000"/>
-      </a:schemeClr>
-      <a:schemeClr val="accent5">
-        <a:tint val="40000"/>
-        <a:alpha val="90000"/>
-      </a:schemeClr>
-      <a:schemeClr val="accent6">
-        <a:tint val="40000"/>
-        <a:alpha val="90000"/>
-      </a:schemeClr>
-    </dgm:fillClrLst>
-    <dgm:linClrLst meth="repeat">
-      <a:schemeClr val="accent2">
-        <a:tint val="40000"/>
-        <a:alpha val="90000"/>
-      </a:schemeClr>
-      <a:schemeClr val="accent3">
-        <a:tint val="40000"/>
-        <a:alpha val="90000"/>
-      </a:schemeClr>
-      <a:schemeClr val="accent4">
-        <a:tint val="40000"/>
-        <a:alpha val="90000"/>
-      </a:schemeClr>
-      <a:schemeClr val="accent5">
-        <a:tint val="40000"/>
-        <a:alpha val="90000"/>
-      </a:schemeClr>
-      <a:schemeClr val="accent6">
-        <a:tint val="40000"/>
-        <a:alpha val="90000"/>
-      </a:schemeClr>
-    </dgm:linClrLst>
-    <dgm:effectClrLst/>
-    <dgm:txLinClrLst/>
-    <dgm:txFillClrLst meth="repeat">
-      <a:schemeClr val="dk1"/>
-    </dgm:txFillClrLst>
-    <dgm:txEffectClrLst/>
-  </dgm:styleLbl>
-  <dgm:styleLbl name="bgAccFollowNode1">
-    <dgm:fillClrLst meth="repeat">
-      <a:schemeClr val="accent2">
-        <a:tint val="40000"/>
-        <a:alpha val="90000"/>
-      </a:schemeClr>
-      <a:schemeClr val="accent3">
-        <a:tint val="40000"/>
-        <a:alpha val="90000"/>
-      </a:schemeClr>
-      <a:schemeClr val="accent4">
-        <a:tint val="40000"/>
-        <a:alpha val="90000"/>
-      </a:schemeClr>
-      <a:schemeClr val="accent5">
-        <a:tint val="40000"/>
-        <a:alpha val="90000"/>
-      </a:schemeClr>
-      <a:schemeClr val="accent6">
-        <a:tint val="40000"/>
-        <a:alpha val="90000"/>
-      </a:schemeClr>
-    </dgm:fillClrLst>
-    <dgm:linClrLst meth="repeat">
-      <a:schemeClr val="accent2">
-        <a:tint val="40000"/>
-        <a:alpha val="90000"/>
-      </a:schemeClr>
-      <a:schemeClr val="accent3">
-        <a:tint val="40000"/>
-        <a:alpha val="90000"/>
-      </a:schemeClr>
-      <a:schemeClr val="accent4">
-        <a:tint val="40000"/>
-        <a:alpha val="90000"/>
-      </a:schemeClr>
-      <a:schemeClr val="accent5">
-        <a:tint val="40000"/>
-        <a:alpha val="90000"/>
-      </a:schemeClr>
-      <a:schemeClr val="accent6">
-        <a:tint val="40000"/>
-        <a:alpha val="90000"/>
-      </a:schemeClr>
-    </dgm:linClrLst>
-    <dgm:effectClrLst/>
-    <dgm:txLinClrLst/>
-    <dgm:txFillClrLst meth="repeat">
-      <a:schemeClr val="dk1"/>
-    </dgm:txFillClrLst>
-    <dgm:txEffectClrLst/>
-  </dgm:styleLbl>
-  <dgm:styleLbl name="fgAcc0">
-    <dgm:fillClrLst meth="repeat">
-      <a:schemeClr val="lt1">
-        <a:alpha val="90000"/>
-      </a:schemeClr>
-    </dgm:fillClrLst>
-    <dgm:linClrLst>
-      <a:schemeClr val="accent1"/>
-    </dgm:linClrLst>
-    <dgm:effectClrLst/>
-    <dgm:txLinClrLst/>
-    <dgm:txFillClrLst meth="repeat">
-      <a:schemeClr val="dk1"/>
-    </dgm:txFillClrLst>
-    <dgm:txEffectClrLst/>
-  </dgm:styleLbl>
-  <dgm:styleLbl name="fgAcc2">
-    <dgm:fillClrLst meth="repeat">
-      <a:schemeClr val="lt1">
-        <a:alpha val="90000"/>
-      </a:schemeClr>
-    </dgm:fillClrLst>
-    <dgm:linClrLst>
-      <a:schemeClr val="accent2"/>
-    </dgm:linClrLst>
-    <dgm:effectClrLst/>
-    <dgm:txLinClrLst/>
-    <dgm:txFillClrLst meth="repeat">
-      <a:schemeClr val="dk1"/>
-    </dgm:txFillClrLst>
-    <dgm:txEffectClrLst/>
-  </dgm:styleLbl>
-  <dgm:styleLbl name="fgAcc3">
-    <dgm:fillClrLst meth="repeat">
-      <a:schemeClr val="lt1">
-        <a:alpha val="90000"/>
-      </a:schemeClr>
-    </dgm:fillClrLst>
-    <dgm:linClrLst>
-      <a:schemeClr val="accent3"/>
-    </dgm:linClrLst>
-    <dgm:effectClrLst/>
-    <dgm:txLinClrLst/>
-    <dgm:txFillClrLst meth="repeat">
-      <a:schemeClr val="dk1"/>
-    </dgm:txFillClrLst>
-    <dgm:txEffectClrLst/>
-  </dgm:styleLbl>
-  <dgm:styleLbl name="fgAcc4">
-    <dgm:fillClrLst meth="repeat">
-      <a:schemeClr val="lt1">
-        <a:alpha val="90000"/>
-      </a:schemeClr>
-    </dgm:fillClrLst>
-    <dgm:linClrLst>
-      <a:schemeClr val="accent4"/>
-    </dgm:linClrLst>
-    <dgm:effectClrLst/>
-    <dgm:txLinClrLst/>
-    <dgm:txFillClrLst meth="repeat">
-      <a:schemeClr val="dk1"/>
-    </dgm:txFillClrLst>
-    <dgm:txEffectClrLst/>
-  </dgm:styleLbl>
-  <dgm:styleLbl name="bgShp">
-    <dgm:fillClrLst meth="repeat">
-      <a:schemeClr val="accent2">
-        <a:tint val="40000"/>
-      </a:schemeClr>
-    </dgm:fillClrLst>
-    <dgm:linClrLst meth="repeat">
-      <a:schemeClr val="dk1"/>
-    </dgm:linClrLst>
-    <dgm:effectClrLst/>
-    <dgm:txLinClrLst/>
-    <dgm:txFillClrLst meth="repeat">
-      <a:schemeClr val="dk1"/>
-    </dgm:txFillClrLst>
-    <dgm:txEffectClrLst/>
-  </dgm:styleLbl>
-  <dgm:styleLbl name="dkBgShp">
-    <dgm:fillClrLst meth="repeat">
-      <a:schemeClr val="accent2">
-        <a:shade val="90000"/>
-      </a:schemeClr>
-    </dgm:fillClrLst>
-    <dgm:linClrLst meth="repeat">
-      <a:schemeClr val="dk1"/>
-    </dgm:linClrLst>
-    <dgm:effectClrLst/>
-    <dgm:txLinClrLst/>
-    <dgm:txFillClrLst meth="repeat">
-      <a:schemeClr val="lt1"/>
-    </dgm:txFillClrLst>
-    <dgm:txEffectClrLst/>
-  </dgm:styleLbl>
-  <dgm:styleLbl name="trBgShp">
-    <dgm:fillClrLst meth="repeat">
-      <a:schemeClr val="accent1">
-        <a:tint val="50000"/>
-        <a:alpha val="40000"/>
-      </a:schemeClr>
-    </dgm:fillClrLst>
-    <dgm:linClrLst meth="repeat">
-      <a:schemeClr val="accent2"/>
-    </dgm:linClrLst>
-    <dgm:effectClrLst/>
-    <dgm:txLinClrLst/>
-    <dgm:txFillClrLst meth="repeat">
-      <a:schemeClr val="lt1"/>
-    </dgm:txFillClrLst>
-    <dgm:txEffectClrLst/>
-  </dgm:styleLbl>
-  <dgm:styleLbl name="fgShp">
-    <dgm:fillClrLst meth="repeat">
-      <a:schemeClr val="accent2">
-        <a:tint val="40000"/>
-      </a:schemeClr>
-    </dgm:fillClrLst>
-    <dgm:linClrLst meth="repeat">
-      <a:schemeClr val="lt1"/>
-    </dgm:linClrLst>
-    <dgm:effectClrLst/>
-    <dgm:txLinClrLst/>
-    <dgm:txFillClrLst meth="repeat">
-      <a:schemeClr val="dk1"/>
-    </dgm:txFillClrLst>
-    <dgm:txEffectClrLst/>
-  </dgm:styleLbl>
-  <dgm:styleLbl name="revTx">
-    <dgm:fillClrLst meth="repeat">
-      <a:schemeClr val="lt1">
-        <a:alpha val="0"/>
-      </a:schemeClr>
-    </dgm:fillClrLst>
-    <dgm:linClrLst meth="repeat">
-      <a:schemeClr val="dk1">
-        <a:alpha val="0"/>
-      </a:schemeClr>
-    </dgm:linClrLst>
-    <dgm:effectClrLst/>
-    <dgm:txLinClrLst/>
-    <dgm:txFillClrLst meth="repeat">
-      <a:schemeClr val="tx1"/>
-    </dgm:txFillClrLst>
-    <dgm:txEffectClrLst/>
-  </dgm:styleLbl>
-</dgm:colorsDef>
-</file>
-
-<file path=ppt/diagrams/data1.xml><?xml version="1.0" encoding="utf-8"?>
-<dgm:dataModel xmlns:dgm="http://schemas.openxmlformats.org/drawingml/2006/diagram" xmlns:a="http://schemas.openxmlformats.org/drawingml/2006/main">
-  <dgm:ptLst>
-    <dgm:pt modelId="{CE2DB73C-D204-48EB-B06B-0C84B5D72B1B}" type="doc">
-      <dgm:prSet loTypeId="urn:microsoft.com/office/officeart/2016/7/layout/VerticalSolidActionList" loCatId="List" qsTypeId="urn:microsoft.com/office/officeart/2005/8/quickstyle/simple1" qsCatId="simple" csTypeId="urn:microsoft.com/office/officeart/2005/8/colors/colorful1" csCatId="colorful"/>
-      <dgm:spPr/>
-      <dgm:t>
-        <a:bodyPr/>
-        <a:lstStyle/>
-        <a:p>
-          <a:endParaRPr lang="en-US"/>
-        </a:p>
-      </dgm:t>
-    </dgm:pt>
-    <dgm:pt modelId="{51CC4D2A-878F-4F37-A0E9-F9DFD3380484}">
-      <dgm:prSet/>
-      <dgm:spPr/>
-      <dgm:t>
-        <a:bodyPr/>
-        <a:lstStyle/>
-        <a:p>
-          <a:r>
-            <a:rPr lang="en-US"/>
-            <a:t>Decrease</a:t>
-          </a:r>
-        </a:p>
-      </dgm:t>
-    </dgm:pt>
-    <dgm:pt modelId="{873127CE-FA5F-4830-B4CB-3833B73C85EA}" type="parTrans" cxnId="{77AFBE9B-D2C5-4415-8AD9-E6B027F56362}">
-      <dgm:prSet/>
-      <dgm:spPr/>
-      <dgm:t>
-        <a:bodyPr/>
-        <a:lstStyle/>
-        <a:p>
-          <a:endParaRPr lang="en-US"/>
-        </a:p>
-      </dgm:t>
-    </dgm:pt>
-    <dgm:pt modelId="{17A8D57F-6EF9-4077-ABC3-5F05F8892742}" type="sibTrans" cxnId="{77AFBE9B-D2C5-4415-8AD9-E6B027F56362}">
-      <dgm:prSet/>
-      <dgm:spPr/>
-      <dgm:t>
-        <a:bodyPr/>
-        <a:lstStyle/>
-        <a:p>
-          <a:endParaRPr lang="en-US"/>
-        </a:p>
-      </dgm:t>
-    </dgm:pt>
-    <dgm:pt modelId="{68F656EB-32CD-41C4-BD1E-49B84C6D47FB}">
-      <dgm:prSet/>
-      <dgm:spPr/>
-      <dgm:t>
-        <a:bodyPr/>
-        <a:lstStyle/>
-        <a:p>
-          <a:r>
-            <a:rPr lang="en-US"/>
-            <a:t>Decrease the bias by choosing a more complex model</a:t>
-          </a:r>
-        </a:p>
-      </dgm:t>
-    </dgm:pt>
-    <dgm:pt modelId="{7C79F217-9ADA-4545-B520-B3551CB51478}" type="parTrans" cxnId="{3AEEA925-D8EB-4440-BF43-9179AF46A6A7}">
-      <dgm:prSet/>
-      <dgm:spPr/>
-      <dgm:t>
-        <a:bodyPr/>
-        <a:lstStyle/>
-        <a:p>
-          <a:endParaRPr lang="en-US"/>
-        </a:p>
-      </dgm:t>
-    </dgm:pt>
-    <dgm:pt modelId="{6BB030D2-10E0-4AD7-BD05-9B3EFE949F42}" type="sibTrans" cxnId="{3AEEA925-D8EB-4440-BF43-9179AF46A6A7}">
-      <dgm:prSet/>
-      <dgm:spPr/>
-      <dgm:t>
-        <a:bodyPr/>
-        <a:lstStyle/>
-        <a:p>
-          <a:endParaRPr lang="en-US"/>
-        </a:p>
-      </dgm:t>
-    </dgm:pt>
-    <dgm:pt modelId="{32266EA7-D973-4E09-AACC-2876886C24D2}">
-      <dgm:prSet/>
-      <dgm:spPr/>
-      <dgm:t>
-        <a:bodyPr/>
-        <a:lstStyle/>
-        <a:p>
-          <a:r>
-            <a:rPr lang="en-US"/>
-            <a:t>Model’s predictions are closer to observed values—but more spread out</a:t>
-          </a:r>
-        </a:p>
-      </dgm:t>
-    </dgm:pt>
-    <dgm:pt modelId="{E365BA51-E38B-47A1-B3CF-FED88141C0D4}" type="parTrans" cxnId="{DC244455-0820-4304-93EF-C5BC4EF5C107}">
-      <dgm:prSet/>
-      <dgm:spPr/>
-      <dgm:t>
-        <a:bodyPr/>
-        <a:lstStyle/>
-        <a:p>
-          <a:endParaRPr lang="en-US"/>
-        </a:p>
-      </dgm:t>
-    </dgm:pt>
-    <dgm:pt modelId="{6796D4EE-C7BB-4FD6-9E32-BF4519538C78}" type="sibTrans" cxnId="{DC244455-0820-4304-93EF-C5BC4EF5C107}">
-      <dgm:prSet/>
-      <dgm:spPr/>
-      <dgm:t>
-        <a:bodyPr/>
-        <a:lstStyle/>
-        <a:p>
-          <a:endParaRPr lang="en-US"/>
-        </a:p>
-      </dgm:t>
-    </dgm:pt>
-    <dgm:pt modelId="{2B31E084-81BF-4FBD-9130-F4975F58B998}">
-      <dgm:prSet/>
-      <dgm:spPr/>
-      <dgm:t>
-        <a:bodyPr/>
-        <a:lstStyle/>
-        <a:p>
-          <a:r>
-            <a:rPr lang="en-US"/>
-            <a:t>Decrease</a:t>
-          </a:r>
-        </a:p>
-      </dgm:t>
-    </dgm:pt>
-    <dgm:pt modelId="{CBAFAB89-BA21-49C2-BE0D-ADDE13433D64}" type="parTrans" cxnId="{3709F76F-44EF-4067-A6C4-0031222FC4CE}">
-      <dgm:prSet/>
-      <dgm:spPr/>
-      <dgm:t>
-        <a:bodyPr/>
-        <a:lstStyle/>
-        <a:p>
-          <a:endParaRPr lang="en-US"/>
-        </a:p>
-      </dgm:t>
-    </dgm:pt>
-    <dgm:pt modelId="{E46C07F3-3D41-4D2F-BE17-9DB1D7DB3C7B}" type="sibTrans" cxnId="{3709F76F-44EF-4067-A6C4-0031222FC4CE}">
-      <dgm:prSet/>
-      <dgm:spPr/>
-      <dgm:t>
-        <a:bodyPr/>
-        <a:lstStyle/>
-        <a:p>
-          <a:endParaRPr lang="en-US"/>
-        </a:p>
-      </dgm:t>
-    </dgm:pt>
-    <dgm:pt modelId="{2CE95B05-A41A-4270-BD7B-A874D600B328}">
-      <dgm:prSet/>
-      <dgm:spPr/>
-      <dgm:t>
-        <a:bodyPr/>
-        <a:lstStyle/>
-        <a:p>
-          <a:r>
-            <a:rPr lang="en-US"/>
-            <a:t>Decrease the variance by choosing a less complex model</a:t>
-          </a:r>
-        </a:p>
-      </dgm:t>
-    </dgm:pt>
-    <dgm:pt modelId="{C50FD132-4903-4CDA-91D1-1945825245D8}" type="parTrans" cxnId="{D40B1B8A-B201-4E21-8269-49C45AA02DA6}">
-      <dgm:prSet/>
-      <dgm:spPr/>
-      <dgm:t>
-        <a:bodyPr/>
-        <a:lstStyle/>
-        <a:p>
-          <a:endParaRPr lang="en-US"/>
-        </a:p>
-      </dgm:t>
-    </dgm:pt>
-    <dgm:pt modelId="{82D8EB94-335E-4884-89FD-C1511D549023}" type="sibTrans" cxnId="{D40B1B8A-B201-4E21-8269-49C45AA02DA6}">
-      <dgm:prSet/>
-      <dgm:spPr/>
-      <dgm:t>
-        <a:bodyPr/>
-        <a:lstStyle/>
-        <a:p>
-          <a:endParaRPr lang="en-US"/>
-        </a:p>
-      </dgm:t>
-    </dgm:pt>
-    <dgm:pt modelId="{2D288727-7E70-45C2-86F6-5170D00B96A0}">
-      <dgm:prSet/>
-      <dgm:spPr/>
-      <dgm:t>
-        <a:bodyPr/>
-        <a:lstStyle/>
-        <a:p>
-          <a:r>
-            <a:rPr lang="en-US"/>
-            <a:t>Model’s predictions are less spread out—but farther from observed values</a:t>
-          </a:r>
-        </a:p>
-      </dgm:t>
-    </dgm:pt>
-    <dgm:pt modelId="{78CF1ED7-3CA1-4CB7-8DFD-80DF62AED270}" type="parTrans" cxnId="{9374D38F-08A1-44BA-8D44-1FE0D0628EE2}">
-      <dgm:prSet/>
-      <dgm:spPr/>
-      <dgm:t>
-        <a:bodyPr/>
-        <a:lstStyle/>
-        <a:p>
-          <a:endParaRPr lang="en-US"/>
-        </a:p>
-      </dgm:t>
-    </dgm:pt>
-    <dgm:pt modelId="{56B3CBC2-3993-4A4A-930A-68173C2F7017}" type="sibTrans" cxnId="{9374D38F-08A1-44BA-8D44-1FE0D0628EE2}">
-      <dgm:prSet/>
-      <dgm:spPr/>
-      <dgm:t>
-        <a:bodyPr/>
-        <a:lstStyle/>
-        <a:p>
-          <a:endParaRPr lang="en-US"/>
-        </a:p>
-      </dgm:t>
-    </dgm:pt>
-    <dgm:pt modelId="{ECC7AEF0-8CF2-2C49-B2EB-1D2872F9BE56}" type="pres">
-      <dgm:prSet presAssocID="{CE2DB73C-D204-48EB-B06B-0C84B5D72B1B}" presName="Name0" presStyleCnt="0">
-        <dgm:presLayoutVars>
-          <dgm:dir/>
-          <dgm:animLvl val="lvl"/>
-          <dgm:resizeHandles val="exact"/>
-        </dgm:presLayoutVars>
-      </dgm:prSet>
-      <dgm:spPr/>
-    </dgm:pt>
-    <dgm:pt modelId="{9BE3E69F-D09A-A54D-A3D6-E2AD337D1AE8}" type="pres">
-      <dgm:prSet presAssocID="{51CC4D2A-878F-4F37-A0E9-F9DFD3380484}" presName="linNode" presStyleCnt="0"/>
-      <dgm:spPr/>
-    </dgm:pt>
-    <dgm:pt modelId="{E6CEFA99-9427-1B4D-BC19-6AB0E63DC017}" type="pres">
-      <dgm:prSet presAssocID="{51CC4D2A-878F-4F37-A0E9-F9DFD3380484}" presName="parentText" presStyleLbl="alignNode1" presStyleIdx="0" presStyleCnt="2">
-        <dgm:presLayoutVars>
-          <dgm:chMax val="1"/>
-          <dgm:bulletEnabled/>
-        </dgm:presLayoutVars>
-      </dgm:prSet>
-      <dgm:spPr/>
-    </dgm:pt>
-    <dgm:pt modelId="{C09D07DA-92F5-0E4E-8E69-F54F147507ED}" type="pres">
-      <dgm:prSet presAssocID="{51CC4D2A-878F-4F37-A0E9-F9DFD3380484}" presName="descendantText" presStyleLbl="alignAccFollowNode1" presStyleIdx="0" presStyleCnt="2">
-        <dgm:presLayoutVars>
-          <dgm:bulletEnabled/>
-        </dgm:presLayoutVars>
-      </dgm:prSet>
-      <dgm:spPr/>
-    </dgm:pt>
-    <dgm:pt modelId="{71284238-D557-434C-A624-F1A0305DA983}" type="pres">
-      <dgm:prSet presAssocID="{17A8D57F-6EF9-4077-ABC3-5F05F8892742}" presName="sp" presStyleCnt="0"/>
-      <dgm:spPr/>
-    </dgm:pt>
-    <dgm:pt modelId="{107AE0E9-2BB2-024C-B174-F1AD22E5D5BB}" type="pres">
-      <dgm:prSet presAssocID="{2B31E084-81BF-4FBD-9130-F4975F58B998}" presName="linNode" presStyleCnt="0"/>
-      <dgm:spPr/>
-    </dgm:pt>
-    <dgm:pt modelId="{8AEA57D0-6E9E-3743-97E8-5DDA231E6AEB}" type="pres">
-      <dgm:prSet presAssocID="{2B31E084-81BF-4FBD-9130-F4975F58B998}" presName="parentText" presStyleLbl="alignNode1" presStyleIdx="1" presStyleCnt="2">
-        <dgm:presLayoutVars>
-          <dgm:chMax val="1"/>
-          <dgm:bulletEnabled/>
-        </dgm:presLayoutVars>
-      </dgm:prSet>
-      <dgm:spPr/>
-    </dgm:pt>
-    <dgm:pt modelId="{19FC938B-6514-5A44-BB41-7BB4AB739B0B}" type="pres">
-      <dgm:prSet presAssocID="{2B31E084-81BF-4FBD-9130-F4975F58B998}" presName="descendantText" presStyleLbl="alignAccFollowNode1" presStyleIdx="1" presStyleCnt="2">
-        <dgm:presLayoutVars>
-          <dgm:bulletEnabled/>
-        </dgm:presLayoutVars>
-      </dgm:prSet>
-      <dgm:spPr/>
-    </dgm:pt>
-  </dgm:ptLst>
-  <dgm:cxnLst>
-    <dgm:cxn modelId="{6B9F1100-E2F4-844C-9425-99D837B93B02}" type="presOf" srcId="{68F656EB-32CD-41C4-BD1E-49B84C6D47FB}" destId="{C09D07DA-92F5-0E4E-8E69-F54F147507ED}" srcOrd="0" destOrd="0" presId="urn:microsoft.com/office/officeart/2016/7/layout/VerticalSolidActionList"/>
-    <dgm:cxn modelId="{3AEEA925-D8EB-4440-BF43-9179AF46A6A7}" srcId="{51CC4D2A-878F-4F37-A0E9-F9DFD3380484}" destId="{68F656EB-32CD-41C4-BD1E-49B84C6D47FB}" srcOrd="0" destOrd="0" parTransId="{7C79F217-9ADA-4545-B520-B3551CB51478}" sibTransId="{6BB030D2-10E0-4AD7-BD05-9B3EFE949F42}"/>
-    <dgm:cxn modelId="{DC244455-0820-4304-93EF-C5BC4EF5C107}" srcId="{68F656EB-32CD-41C4-BD1E-49B84C6D47FB}" destId="{32266EA7-D973-4E09-AACC-2876886C24D2}" srcOrd="0" destOrd="0" parTransId="{E365BA51-E38B-47A1-B3CF-FED88141C0D4}" sibTransId="{6796D4EE-C7BB-4FD6-9E32-BF4519538C78}"/>
-    <dgm:cxn modelId="{B72D2668-2227-D744-8EB9-7A24F14E9EFC}" type="presOf" srcId="{51CC4D2A-878F-4F37-A0E9-F9DFD3380484}" destId="{E6CEFA99-9427-1B4D-BC19-6AB0E63DC017}" srcOrd="0" destOrd="0" presId="urn:microsoft.com/office/officeart/2016/7/layout/VerticalSolidActionList"/>
-    <dgm:cxn modelId="{EDE28B68-5A11-CB41-9ADE-6EADCA9E7E3A}" type="presOf" srcId="{2CE95B05-A41A-4270-BD7B-A874D600B328}" destId="{19FC938B-6514-5A44-BB41-7BB4AB739B0B}" srcOrd="0" destOrd="0" presId="urn:microsoft.com/office/officeart/2016/7/layout/VerticalSolidActionList"/>
-    <dgm:cxn modelId="{3709F76F-44EF-4067-A6C4-0031222FC4CE}" srcId="{CE2DB73C-D204-48EB-B06B-0C84B5D72B1B}" destId="{2B31E084-81BF-4FBD-9130-F4975F58B998}" srcOrd="1" destOrd="0" parTransId="{CBAFAB89-BA21-49C2-BE0D-ADDE13433D64}" sibTransId="{E46C07F3-3D41-4D2F-BE17-9DB1D7DB3C7B}"/>
-    <dgm:cxn modelId="{D40B1B8A-B201-4E21-8269-49C45AA02DA6}" srcId="{2B31E084-81BF-4FBD-9130-F4975F58B998}" destId="{2CE95B05-A41A-4270-BD7B-A874D600B328}" srcOrd="0" destOrd="0" parTransId="{C50FD132-4903-4CDA-91D1-1945825245D8}" sibTransId="{82D8EB94-335E-4884-89FD-C1511D549023}"/>
-    <dgm:cxn modelId="{9374D38F-08A1-44BA-8D44-1FE0D0628EE2}" srcId="{2CE95B05-A41A-4270-BD7B-A874D600B328}" destId="{2D288727-7E70-45C2-86F6-5170D00B96A0}" srcOrd="0" destOrd="0" parTransId="{78CF1ED7-3CA1-4CB7-8DFD-80DF62AED270}" sibTransId="{56B3CBC2-3993-4A4A-930A-68173C2F7017}"/>
-    <dgm:cxn modelId="{77AFBE9B-D2C5-4415-8AD9-E6B027F56362}" srcId="{CE2DB73C-D204-48EB-B06B-0C84B5D72B1B}" destId="{51CC4D2A-878F-4F37-A0E9-F9DFD3380484}" srcOrd="0" destOrd="0" parTransId="{873127CE-FA5F-4830-B4CB-3833B73C85EA}" sibTransId="{17A8D57F-6EF9-4077-ABC3-5F05F8892742}"/>
-    <dgm:cxn modelId="{16D2859C-AAD2-AA48-BE96-3C0E13125BD1}" type="presOf" srcId="{CE2DB73C-D204-48EB-B06B-0C84B5D72B1B}" destId="{ECC7AEF0-8CF2-2C49-B2EB-1D2872F9BE56}" srcOrd="0" destOrd="0" presId="urn:microsoft.com/office/officeart/2016/7/layout/VerticalSolidActionList"/>
-    <dgm:cxn modelId="{104B0FA0-0E3A-D240-9EC4-7CE351250FAD}" type="presOf" srcId="{2B31E084-81BF-4FBD-9130-F4975F58B998}" destId="{8AEA57D0-6E9E-3743-97E8-5DDA231E6AEB}" srcOrd="0" destOrd="0" presId="urn:microsoft.com/office/officeart/2016/7/layout/VerticalSolidActionList"/>
-    <dgm:cxn modelId="{E1C54FBF-C797-C049-8FC7-CB624E8A041A}" type="presOf" srcId="{32266EA7-D973-4E09-AACC-2876886C24D2}" destId="{C09D07DA-92F5-0E4E-8E69-F54F147507ED}" srcOrd="0" destOrd="1" presId="urn:microsoft.com/office/officeart/2016/7/layout/VerticalSolidActionList"/>
-    <dgm:cxn modelId="{28EBDEE3-82FB-EB4D-A1E2-F8C5A3BDFD38}" type="presOf" srcId="{2D288727-7E70-45C2-86F6-5170D00B96A0}" destId="{19FC938B-6514-5A44-BB41-7BB4AB739B0B}" srcOrd="0" destOrd="1" presId="urn:microsoft.com/office/officeart/2016/7/layout/VerticalSolidActionList"/>
-    <dgm:cxn modelId="{4D2E3E63-26A5-6048-BDF4-310D6AC9FCE4}" type="presParOf" srcId="{ECC7AEF0-8CF2-2C49-B2EB-1D2872F9BE56}" destId="{9BE3E69F-D09A-A54D-A3D6-E2AD337D1AE8}" srcOrd="0" destOrd="0" presId="urn:microsoft.com/office/officeart/2016/7/layout/VerticalSolidActionList"/>
-    <dgm:cxn modelId="{F83A33B1-10AE-C74A-91F8-65E654F42215}" type="presParOf" srcId="{9BE3E69F-D09A-A54D-A3D6-E2AD337D1AE8}" destId="{E6CEFA99-9427-1B4D-BC19-6AB0E63DC017}" srcOrd="0" destOrd="0" presId="urn:microsoft.com/office/officeart/2016/7/layout/VerticalSolidActionList"/>
-    <dgm:cxn modelId="{E53B9E11-2CE6-2742-99AF-A9787D40F094}" type="presParOf" srcId="{9BE3E69F-D09A-A54D-A3D6-E2AD337D1AE8}" destId="{C09D07DA-92F5-0E4E-8E69-F54F147507ED}" srcOrd="1" destOrd="0" presId="urn:microsoft.com/office/officeart/2016/7/layout/VerticalSolidActionList"/>
-    <dgm:cxn modelId="{67424A41-FA61-B44E-B595-A6F3A71089CE}" type="presParOf" srcId="{ECC7AEF0-8CF2-2C49-B2EB-1D2872F9BE56}" destId="{71284238-D557-434C-A624-F1A0305DA983}" srcOrd="1" destOrd="0" presId="urn:microsoft.com/office/officeart/2016/7/layout/VerticalSolidActionList"/>
-    <dgm:cxn modelId="{4013210F-C5B0-034F-9DA2-CD36A40E3483}" type="presParOf" srcId="{ECC7AEF0-8CF2-2C49-B2EB-1D2872F9BE56}" destId="{107AE0E9-2BB2-024C-B174-F1AD22E5D5BB}" srcOrd="2" destOrd="0" presId="urn:microsoft.com/office/officeart/2016/7/layout/VerticalSolidActionList"/>
-    <dgm:cxn modelId="{2AEEE68C-B8B8-B448-AD95-F5E72E283DE6}" type="presParOf" srcId="{107AE0E9-2BB2-024C-B174-F1AD22E5D5BB}" destId="{8AEA57D0-6E9E-3743-97E8-5DDA231E6AEB}" srcOrd="0" destOrd="0" presId="urn:microsoft.com/office/officeart/2016/7/layout/VerticalSolidActionList"/>
-    <dgm:cxn modelId="{89CAD522-7EED-7847-98B8-714A4512B0F1}" type="presParOf" srcId="{107AE0E9-2BB2-024C-B174-F1AD22E5D5BB}" destId="{19FC938B-6514-5A44-BB41-7BB4AB739B0B}" srcOrd="1" destOrd="0" presId="urn:microsoft.com/office/officeart/2016/7/layout/VerticalSolidActionList"/>
-  </dgm:cxnLst>
-  <dgm:bg/>
-  <dgm:whole/>
-  <dgm:extLst>
-    <a:ext uri="http://schemas.microsoft.com/office/drawing/2008/diagram">
-      <dsp:dataModelExt xmlns:dsp="http://schemas.microsoft.com/office/drawing/2008/diagram" relId="rId9" minVer="http://schemas.openxmlformats.org/drawingml/2006/diagram"/>
-    </a:ext>
-  </dgm:extLst>
-</dgm:dataModel>
-</file>
-
-<file path=ppt/diagrams/drawing1.xml><?xml version="1.0" encoding="utf-8"?>
-<dsp:drawing xmlns:dgm="http://schemas.openxmlformats.org/drawingml/2006/diagram" xmlns:dsp="http://schemas.microsoft.com/office/drawing/2008/diagram" xmlns:a="http://schemas.openxmlformats.org/drawingml/2006/main">
-  <dsp:spTree>
-    <dsp:nvGrpSpPr>
-      <dsp:cNvPr id="0" name=""/>
-      <dsp:cNvGrpSpPr/>
-    </dsp:nvGrpSpPr>
-    <dsp:grpSpPr/>
-    <dsp:sp modelId="{C09D07DA-92F5-0E4E-8E69-F54F147507ED}">
-      <dsp:nvSpPr>
-        <dsp:cNvPr id="0" name=""/>
-        <dsp:cNvSpPr/>
-      </dsp:nvSpPr>
-      <dsp:spPr>
-        <a:xfrm>
-          <a:off x="1886690" y="277"/>
-          <a:ext cx="7546762" cy="1534031"/>
-        </a:xfrm>
-        <a:prstGeom prst="rect">
-          <a:avLst/>
-        </a:prstGeom>
-        <a:solidFill>
-          <a:schemeClr val="accent2">
-            <a:tint val="40000"/>
-            <a:alpha val="90000"/>
-            <a:hueOff val="0"/>
-            <a:satOff val="0"/>
-            <a:lumOff val="0"/>
-            <a:alphaOff val="0"/>
-          </a:schemeClr>
-        </a:solidFill>
-        <a:ln w="12700" cap="flat" cmpd="sng" algn="ctr">
-          <a:solidFill>
-            <a:schemeClr val="accent2">
-              <a:tint val="40000"/>
-              <a:alpha val="90000"/>
-              <a:hueOff val="0"/>
-              <a:satOff val="0"/>
-              <a:lumOff val="0"/>
-              <a:alphaOff val="0"/>
-            </a:schemeClr>
-          </a:solidFill>
-          <a:prstDash val="solid"/>
-        </a:ln>
-        <a:effectLst/>
-      </dsp:spPr>
-      <dsp:style>
-        <a:lnRef idx="2">
-          <a:scrgbClr r="0" g="0" b="0"/>
-        </a:lnRef>
-        <a:fillRef idx="1">
-          <a:scrgbClr r="0" g="0" b="0"/>
-        </a:fillRef>
-        <a:effectRef idx="0">
-          <a:scrgbClr r="0" g="0" b="0"/>
-        </a:effectRef>
-        <a:fontRef idx="minor"/>
-      </dsp:style>
-      <dsp:txBody>
-        <a:bodyPr spcFirstLastPara="0" vert="horz" wrap="square" lIns="146428" tIns="389644" rIns="146428" bIns="389644" numCol="1" spcCol="1270" anchor="t" anchorCtr="0">
-          <a:noAutofit/>
-        </a:bodyPr>
-        <a:lstStyle/>
-        <a:p>
-          <a:pPr marL="0" lvl="0" indent="0" algn="l" defTabSz="933450">
-            <a:lnSpc>
-              <a:spcPct val="90000"/>
-            </a:lnSpc>
-            <a:spcBef>
-              <a:spcPct val="0"/>
-            </a:spcBef>
-            <a:spcAft>
-              <a:spcPct val="35000"/>
-            </a:spcAft>
-            <a:buNone/>
-          </a:pPr>
-          <a:r>
-            <a:rPr lang="en-US" sz="2100" kern="1200"/>
-            <a:t>Decrease the bias by choosing a more complex model</a:t>
-          </a:r>
-        </a:p>
-        <a:p>
-          <a:pPr marL="171450" lvl="1" indent="-171450" algn="l" defTabSz="711200">
-            <a:lnSpc>
-              <a:spcPct val="90000"/>
-            </a:lnSpc>
-            <a:spcBef>
-              <a:spcPct val="0"/>
-            </a:spcBef>
-            <a:spcAft>
-              <a:spcPct val="15000"/>
-            </a:spcAft>
-            <a:buChar char="•"/>
-          </a:pPr>
-          <a:r>
-            <a:rPr lang="en-US" sz="1600" kern="1200"/>
-            <a:t>Model’s predictions are closer to observed values—but more spread out</a:t>
-          </a:r>
-        </a:p>
-      </dsp:txBody>
-      <dsp:txXfrm>
-        <a:off x="1886690" y="277"/>
-        <a:ext cx="7546762" cy="1534031"/>
-      </dsp:txXfrm>
-    </dsp:sp>
-    <dsp:sp modelId="{E6CEFA99-9427-1B4D-BC19-6AB0E63DC017}">
-      <dsp:nvSpPr>
-        <dsp:cNvPr id="0" name=""/>
-        <dsp:cNvSpPr/>
-      </dsp:nvSpPr>
-      <dsp:spPr>
-        <a:xfrm>
-          <a:off x="0" y="277"/>
-          <a:ext cx="1886690" cy="1534031"/>
-        </a:xfrm>
-        <a:prstGeom prst="rect">
-          <a:avLst/>
-        </a:prstGeom>
-        <a:solidFill>
-          <a:schemeClr val="accent2">
-            <a:hueOff val="0"/>
-            <a:satOff val="0"/>
-            <a:lumOff val="0"/>
-            <a:alphaOff val="0"/>
-          </a:schemeClr>
-        </a:solidFill>
-        <a:ln w="12700" cap="flat" cmpd="sng" algn="ctr">
-          <a:solidFill>
-            <a:schemeClr val="accent2">
-              <a:hueOff val="0"/>
-              <a:satOff val="0"/>
-              <a:lumOff val="0"/>
-              <a:alphaOff val="0"/>
-            </a:schemeClr>
-          </a:solidFill>
-          <a:prstDash val="solid"/>
-        </a:ln>
-        <a:effectLst/>
-      </dsp:spPr>
-      <dsp:style>
-        <a:lnRef idx="2">
-          <a:scrgbClr r="0" g="0" b="0"/>
-        </a:lnRef>
-        <a:fillRef idx="1">
-          <a:scrgbClr r="0" g="0" b="0"/>
-        </a:fillRef>
-        <a:effectRef idx="0">
-          <a:scrgbClr r="0" g="0" b="0"/>
-        </a:effectRef>
-        <a:fontRef idx="minor">
-          <a:schemeClr val="lt1"/>
-        </a:fontRef>
-      </dsp:style>
-      <dsp:txBody>
-        <a:bodyPr spcFirstLastPara="0" vert="horz" wrap="square" lIns="99837" tIns="151528" rIns="99837" bIns="151528" numCol="1" spcCol="1270" anchor="ctr" anchorCtr="0">
-          <a:noAutofit/>
-        </a:bodyPr>
-        <a:lstStyle/>
-        <a:p>
-          <a:pPr marL="0" lvl="0" indent="0" algn="ctr" defTabSz="1155700">
-            <a:lnSpc>
-              <a:spcPct val="90000"/>
-            </a:lnSpc>
-            <a:spcBef>
-              <a:spcPct val="0"/>
-            </a:spcBef>
-            <a:spcAft>
-              <a:spcPct val="35000"/>
-            </a:spcAft>
-            <a:buNone/>
-          </a:pPr>
-          <a:r>
-            <a:rPr lang="en-US" sz="2600" kern="1200"/>
-            <a:t>Decrease</a:t>
-          </a:r>
-        </a:p>
-      </dsp:txBody>
-      <dsp:txXfrm>
-        <a:off x="0" y="277"/>
-        <a:ext cx="1886690" cy="1534031"/>
-      </dsp:txXfrm>
-    </dsp:sp>
-    <dsp:sp modelId="{19FC938B-6514-5A44-BB41-7BB4AB739B0B}">
-      <dsp:nvSpPr>
-        <dsp:cNvPr id="0" name=""/>
-        <dsp:cNvSpPr/>
-      </dsp:nvSpPr>
-      <dsp:spPr>
-        <a:xfrm>
-          <a:off x="1886690" y="1626351"/>
-          <a:ext cx="7546762" cy="1534031"/>
-        </a:xfrm>
-        <a:prstGeom prst="rect">
-          <a:avLst/>
-        </a:prstGeom>
-        <a:solidFill>
-          <a:schemeClr val="accent3">
-            <a:tint val="40000"/>
-            <a:alpha val="90000"/>
-            <a:hueOff val="0"/>
-            <a:satOff val="0"/>
-            <a:lumOff val="0"/>
-            <a:alphaOff val="0"/>
-          </a:schemeClr>
-        </a:solidFill>
-        <a:ln w="12700" cap="flat" cmpd="sng" algn="ctr">
-          <a:solidFill>
-            <a:schemeClr val="accent3">
-              <a:tint val="40000"/>
-              <a:alpha val="90000"/>
-              <a:hueOff val="0"/>
-              <a:satOff val="0"/>
-              <a:lumOff val="0"/>
-              <a:alphaOff val="0"/>
-            </a:schemeClr>
-          </a:solidFill>
-          <a:prstDash val="solid"/>
-        </a:ln>
-        <a:effectLst/>
-      </dsp:spPr>
-      <dsp:style>
-        <a:lnRef idx="2">
-          <a:scrgbClr r="0" g="0" b="0"/>
-        </a:lnRef>
-        <a:fillRef idx="1">
-          <a:scrgbClr r="0" g="0" b="0"/>
-        </a:fillRef>
-        <a:effectRef idx="0">
-          <a:scrgbClr r="0" g="0" b="0"/>
-        </a:effectRef>
-        <a:fontRef idx="minor"/>
-      </dsp:style>
-      <dsp:txBody>
-        <a:bodyPr spcFirstLastPara="0" vert="horz" wrap="square" lIns="146428" tIns="389644" rIns="146428" bIns="389644" numCol="1" spcCol="1270" anchor="t" anchorCtr="0">
-          <a:noAutofit/>
-        </a:bodyPr>
-        <a:lstStyle/>
-        <a:p>
-          <a:pPr marL="0" lvl="0" indent="0" algn="l" defTabSz="933450">
-            <a:lnSpc>
-              <a:spcPct val="90000"/>
-            </a:lnSpc>
-            <a:spcBef>
-              <a:spcPct val="0"/>
-            </a:spcBef>
-            <a:spcAft>
-              <a:spcPct val="35000"/>
-            </a:spcAft>
-            <a:buNone/>
-          </a:pPr>
-          <a:r>
-            <a:rPr lang="en-US" sz="2100" kern="1200"/>
-            <a:t>Decrease the variance by choosing a less complex model</a:t>
-          </a:r>
-        </a:p>
-        <a:p>
-          <a:pPr marL="171450" lvl="1" indent="-171450" algn="l" defTabSz="711200">
-            <a:lnSpc>
-              <a:spcPct val="90000"/>
-            </a:lnSpc>
-            <a:spcBef>
-              <a:spcPct val="0"/>
-            </a:spcBef>
-            <a:spcAft>
-              <a:spcPct val="15000"/>
-            </a:spcAft>
-            <a:buChar char="•"/>
-          </a:pPr>
-          <a:r>
-            <a:rPr lang="en-US" sz="1600" kern="1200"/>
-            <a:t>Model’s predictions are less spread out—but farther from observed values</a:t>
-          </a:r>
-        </a:p>
-      </dsp:txBody>
-      <dsp:txXfrm>
-        <a:off x="1886690" y="1626351"/>
-        <a:ext cx="7546762" cy="1534031"/>
-      </dsp:txXfrm>
-    </dsp:sp>
-    <dsp:sp modelId="{8AEA57D0-6E9E-3743-97E8-5DDA231E6AEB}">
-      <dsp:nvSpPr>
-        <dsp:cNvPr id="0" name=""/>
-        <dsp:cNvSpPr/>
-      </dsp:nvSpPr>
-      <dsp:spPr>
-        <a:xfrm>
-          <a:off x="0" y="1626351"/>
-          <a:ext cx="1886690" cy="1534031"/>
-        </a:xfrm>
-        <a:prstGeom prst="rect">
-          <a:avLst/>
-        </a:prstGeom>
-        <a:solidFill>
-          <a:schemeClr val="accent3">
-            <a:hueOff val="0"/>
-            <a:satOff val="0"/>
-            <a:lumOff val="0"/>
-            <a:alphaOff val="0"/>
-          </a:schemeClr>
-        </a:solidFill>
-        <a:ln w="12700" cap="flat" cmpd="sng" algn="ctr">
-          <a:solidFill>
-            <a:schemeClr val="accent3">
-              <a:hueOff val="0"/>
-              <a:satOff val="0"/>
-              <a:lumOff val="0"/>
-              <a:alphaOff val="0"/>
-            </a:schemeClr>
-          </a:solidFill>
-          <a:prstDash val="solid"/>
-        </a:ln>
-        <a:effectLst/>
-      </dsp:spPr>
-      <dsp:style>
-        <a:lnRef idx="2">
-          <a:scrgbClr r="0" g="0" b="0"/>
-        </a:lnRef>
-        <a:fillRef idx="1">
-          <a:scrgbClr r="0" g="0" b="0"/>
-        </a:fillRef>
-        <a:effectRef idx="0">
-          <a:scrgbClr r="0" g="0" b="0"/>
-        </a:effectRef>
-        <a:fontRef idx="minor">
-          <a:schemeClr val="lt1"/>
-        </a:fontRef>
-      </dsp:style>
-      <dsp:txBody>
-        <a:bodyPr spcFirstLastPara="0" vert="horz" wrap="square" lIns="99837" tIns="151528" rIns="99837" bIns="151528" numCol="1" spcCol="1270" anchor="ctr" anchorCtr="0">
-          <a:noAutofit/>
-        </a:bodyPr>
-        <a:lstStyle/>
-        <a:p>
-          <a:pPr marL="0" lvl="0" indent="0" algn="ctr" defTabSz="1155700">
-            <a:lnSpc>
-              <a:spcPct val="90000"/>
-            </a:lnSpc>
-            <a:spcBef>
-              <a:spcPct val="0"/>
-            </a:spcBef>
-            <a:spcAft>
-              <a:spcPct val="35000"/>
-            </a:spcAft>
-            <a:buNone/>
-          </a:pPr>
-          <a:r>
-            <a:rPr lang="en-US" sz="2600" kern="1200"/>
-            <a:t>Decrease</a:t>
-          </a:r>
-        </a:p>
-      </dsp:txBody>
-      <dsp:txXfrm>
-        <a:off x="0" y="1626351"/>
-        <a:ext cx="1886690" cy="1534031"/>
-      </dsp:txXfrm>
-    </dsp:sp>
-  </dsp:spTree>
-</dsp:drawing>
-</file>
-
-<file path=ppt/diagrams/layout1.xml><?xml version="1.0" encoding="utf-8"?>
-<dgm:layoutDef xmlns:dgm="http://schemas.openxmlformats.org/drawingml/2006/diagram" xmlns:a="http://schemas.openxmlformats.org/drawingml/2006/main" uniqueId="urn:microsoft.com/office/officeart/2016/7/layout/VerticalSolidActionList">
-  <dgm:title val="Vertical Solid Action List"/>
-  <dgm:desc val="Use to show non-sequential or grouped lists of information. Works well with large amounts of text. All text has the same level of emphasis, and direction is not implied."/>
-  <dgm:catLst>
-    <dgm:cat type="list" pri="500"/>
-  </dgm:catLst>
-  <dgm:sampData>
-    <dgm:dataModel>
-      <dgm:ptLst>
-        <dgm:pt modelId="0" type="doc"/>
-        <dgm:pt modelId="1">
-          <dgm:prSet phldr="1"/>
-        </dgm:pt>
-        <dgm:pt modelId="11">
-          <dgm:prSet phldr="1"/>
-        </dgm:pt>
-        <dgm:pt modelId="2">
-          <dgm:prSet phldr="1"/>
-        </dgm:pt>
-        <dgm:pt modelId="21">
-          <dgm:prSet phldr="1"/>
-        </dgm:pt>
-        <dgm:pt modelId="3">
-          <dgm:prSet phldr="1"/>
-        </dgm:pt>
-        <dgm:pt modelId="31">
-          <dgm:prSet phldr="1"/>
-        </dgm:pt>
-        <dgm:pt modelId="4">
-          <dgm:prSet phldr="1"/>
-        </dgm:pt>
-        <dgm:pt modelId="41">
-          <dgm:prSet phldr="1"/>
-        </dgm:pt>
-        <dgm:pt modelId="5">
-          <dgm:prSet phldr="1"/>
-        </dgm:pt>
-        <dgm:pt modelId="51">
-          <dgm:prSet phldr="1"/>
-        </dgm:pt>
-      </dgm:ptLst>
-      <dgm:cxnLst>
-        <dgm:cxn modelId="4" srcId="0" destId="1" srcOrd="0" destOrd="0"/>
-        <dgm:cxn modelId="5" srcId="0" destId="2" srcOrd="1" destOrd="0"/>
-        <dgm:cxn modelId="6" srcId="0" destId="3" srcOrd="2" destOrd="0"/>
-        <dgm:cxn modelId="7" srcId="0" destId="4" srcOrd="3" destOrd="0"/>
-        <dgm:cxn modelId="8" srcId="0" destId="5" srcOrd="4" destOrd="0"/>
-        <dgm:cxn modelId="13" srcId="1" destId="11" srcOrd="0" destOrd="0"/>
-        <dgm:cxn modelId="23" srcId="2" destId="21" srcOrd="0" destOrd="0"/>
-        <dgm:cxn modelId="33" srcId="3" destId="31" srcOrd="0" destOrd="0"/>
-        <dgm:cxn modelId="43" srcId="4" destId="41" srcOrd="0" destOrd="0"/>
-        <dgm:cxn modelId="53" srcId="5" destId="51" srcOrd="0" destOrd="0"/>
-      </dgm:cxnLst>
-      <dgm:bg/>
-      <dgm:whole/>
-    </dgm:dataModel>
-  </dgm:sampData>
-  <dgm:styleData>
-    <dgm:dataModel>
-      <dgm:ptLst>
-        <dgm:pt modelId="0" type="doc"/>
-        <dgm:pt modelId="1"/>
-        <dgm:pt modelId="11"/>
-        <dgm:pt modelId="2"/>
-        <dgm:pt modelId="21"/>
-      </dgm:ptLst>
-      <dgm:cxnLst>
-        <dgm:cxn modelId="4" srcId="0" destId="1" srcOrd="0" destOrd="0"/>
-        <dgm:cxn modelId="5" srcId="0" destId="2" srcOrd="1" destOrd="0"/>
-        <dgm:cxn modelId="13" srcId="1" destId="11" srcOrd="0" destOrd="0"/>
-        <dgm:cxn modelId="23" srcId="2" destId="21" srcOrd="0" destOrd="0"/>
-      </dgm:cxnLst>
-      <dgm:bg/>
-      <dgm:whole/>
-    </dgm:dataModel>
-  </dgm:styleData>
-  <dgm:clrData>
-    <dgm:dataModel>
-      <dgm:ptLst>
-        <dgm:pt modelId="0" type="doc"/>
-        <dgm:pt modelId="1"/>
-        <dgm:pt modelId="11"/>
-        <dgm:pt modelId="2"/>
-        <dgm:pt modelId="21"/>
-        <dgm:pt modelId="3"/>
-        <dgm:pt modelId="31"/>
-        <dgm:pt modelId="4"/>
-        <dgm:pt modelId="41"/>
-      </dgm:ptLst>
-      <dgm:cxnLst>
-        <dgm:cxn modelId="5" srcId="0" destId="1" srcOrd="0" destOrd="0"/>
-        <dgm:cxn modelId="6" srcId="0" destId="2" srcOrd="1" destOrd="0"/>
-        <dgm:cxn modelId="7" srcId="0" destId="3" srcOrd="2" destOrd="0"/>
-        <dgm:cxn modelId="8" srcId="0" destId="4" srcOrd="3" destOrd="0"/>
-        <dgm:cxn modelId="13" srcId="1" destId="11" srcOrd="0" destOrd="0"/>
-        <dgm:cxn modelId="23" srcId="2" destId="21" srcOrd="0" destOrd="0"/>
-        <dgm:cxn modelId="33" srcId="3" destId="31" srcOrd="0" destOrd="0"/>
-        <dgm:cxn modelId="43" srcId="4" destId="41" srcOrd="0" destOrd="0"/>
-      </dgm:cxnLst>
-      <dgm:bg/>
-      <dgm:whole/>
-    </dgm:dataModel>
-  </dgm:clrData>
-  <dgm:layoutNode name="Name0">
-    <dgm:varLst>
-      <dgm:dir/>
-      <dgm:animLvl val="lvl"/>
-      <dgm:resizeHandles val="exact"/>
-    </dgm:varLst>
-    <dgm:choose name="Name1">
-      <dgm:if name="Name2" func="var" arg="dir" op="equ" val="norm">
-        <dgm:alg type="lin">
-          <dgm:param type="linDir" val="fromT"/>
-          <dgm:param type="nodeHorzAlign" val="l"/>
-        </dgm:alg>
-      </dgm:if>
-      <dgm:else name="Name3">
-        <dgm:alg type="lin">
-          <dgm:param type="linDir" val="fromT"/>
-          <dgm:param type="nodeHorzAlign" val="r"/>
-        </dgm:alg>
-      </dgm:else>
-    </dgm:choose>
-    <dgm:shape xmlns:r="http://schemas.openxmlformats.org/officeDocument/2006/relationships" r:blip="">
-      <dgm:adjLst/>
-    </dgm:shape>
-    <dgm:presOf/>
-    <dgm:constrLst>
-      <dgm:constr type="h" for="ch" forName="linNode" refType="h"/>
-      <dgm:constr type="w" for="ch" forName="linNode" refType="w"/>
-      <dgm:constr type="h" for="ch" forName="sp" refType="h" fact="0.06"/>
-      <dgm:constr type="primFontSz" for="des" forName="parentText" op="equ" val="28"/>
-      <dgm:constr type="primFontSz" for="des" forName="descendantText" refType="primFontSz" refFor="des" refForName="parentText" op="lte" fact="0.82"/>
-      <dgm:constr type="primFontSz" for="des" forName="parentText" refType="primFontSz" refFor="des" refForName="descendantText" op="lte" fact="1.25"/>
-    </dgm:constrLst>
-    <dgm:ruleLst/>
-    <dgm:forEach name="Name4" axis="ch" ptType="node">
-      <dgm:layoutNode name="linNode">
-        <dgm:choose name="Name5">
-          <dgm:if name="Name6" func="var" arg="dir" op="equ" val="norm">
-            <dgm:alg type="lin">
-              <dgm:param type="linDir" val="fromL"/>
-            </dgm:alg>
-          </dgm:if>
-          <dgm:else name="Name7">
-            <dgm:alg type="lin">
-              <dgm:param type="linDir" val="fromR"/>
-            </dgm:alg>
-          </dgm:else>
-        </dgm:choose>
-        <dgm:shape xmlns:r="http://schemas.openxmlformats.org/officeDocument/2006/relationships" r:blip="">
-          <dgm:adjLst/>
-        </dgm:shape>
-        <dgm:presOf/>
-        <dgm:constrLst>
-          <dgm:constr type="w" for="ch" forName="parentText" refType="w" fact="0.2"/>
-          <dgm:constr type="w" for="ch" forName="descendantText" refType="w" fact="0.8"/>
-          <dgm:constr type="h" for="ch" forName="parentText" refType="h"/>
-          <dgm:constr type="h" for="ch" forName="descendantText" refType="h" refFor="ch" refForName="parentText"/>
-        </dgm:constrLst>
-        <dgm:ruleLst/>
-        <dgm:layoutNode name="parentText" styleLbl="alignNode1">
-          <dgm:varLst>
-            <dgm:chMax val="1"/>
-            <dgm:bulletEnabled/>
-          </dgm:varLst>
-          <dgm:alg type="tx"/>
-          <dgm:shape xmlns:r="http://schemas.openxmlformats.org/officeDocument/2006/relationships" type="rect" r:blip="" zOrderOff="3">
-            <dgm:adjLst/>
-          </dgm:shape>
-          <dgm:presOf axis="self" ptType="node"/>
-          <dgm:constrLst>
-            <dgm:constr type="tMarg" refType="h" fact="0.28"/>
-            <dgm:constr type="bMarg" refType="h" fact="0.28"/>
-            <dgm:constr type="lMarg" refType="w" fact="0.15"/>
-            <dgm:constr type="rMarg" refType="w" fact="0.15"/>
-          </dgm:constrLst>
-          <dgm:ruleLst>
-            <dgm:rule type="primFontSz" val="15" fact="NaN" max="NaN"/>
-          </dgm:ruleLst>
-        </dgm:layoutNode>
-        <dgm:layoutNode name="descendantText" styleLbl="alignAccFollowNode1">
-          <dgm:varLst>
-            <dgm:bulletEnabled/>
-          </dgm:varLst>
-          <dgm:alg type="tx">
-            <dgm:param type="stBulletLvl" val="0"/>
-            <dgm:param type="parTxLTRAlign" val="l"/>
-            <dgm:param type="shpTxLTRAlignCh" val="l"/>
-            <dgm:param type="parTxRTLAlign" val="r"/>
-            <dgm:param type="shpTxRTLAlignCh" val="r"/>
-          </dgm:alg>
-          <dgm:choose name="Name10">
-            <dgm:if name="Name11" func="var" arg="dir" op="equ" val="norm">
-              <dgm:shape xmlns:r="http://schemas.openxmlformats.org/officeDocument/2006/relationships" type="rect" r:blip="">
-                <dgm:adjLst/>
-              </dgm:shape>
-            </dgm:if>
-            <dgm:else name="Name12">
-              <dgm:shape xmlns:r="http://schemas.openxmlformats.org/officeDocument/2006/relationships" type="rect" r:blip="">
-                <dgm:adjLst/>
-              </dgm:shape>
-            </dgm:else>
-          </dgm:choose>
-          <dgm:presOf axis="des" ptType="node"/>
-          <dgm:constrLst>
-            <dgm:constr type="primFontSz" val="24"/>
-            <dgm:constr type="lMarg" refType="w" fact="0.055"/>
-            <dgm:constr type="rMarg" refType="w" fact="0.055"/>
-            <dgm:constr type="tMarg" refType="h" fact="0.72"/>
-            <dgm:constr type="bMarg" refType="h" fact="0.72"/>
-          </dgm:constrLst>
-          <dgm:ruleLst>
-            <dgm:rule type="primFontSz" val="11" fact="NaN" max="NaN"/>
-          </dgm:ruleLst>
-        </dgm:layoutNode>
-      </dgm:layoutNode>
-      <dgm:forEach name="Name14" axis="followSib" ptType="sibTrans" cnt="1">
-        <dgm:layoutNode name="sp">
-          <dgm:alg type="sp"/>
-          <dgm:shape xmlns:r="http://schemas.openxmlformats.org/officeDocument/2006/relationships" r:blip="">
-            <dgm:adjLst/>
-          </dgm:shape>
-          <dgm:presOf/>
-          <dgm:constrLst/>
-          <dgm:ruleLst/>
-        </dgm:layoutNode>
-      </dgm:forEach>
-    </dgm:forEach>
-  </dgm:layoutNode>
-</dgm:layoutDef>
-</file>
-
-<file path=ppt/diagrams/quickStyle1.xml><?xml version="1.0" encoding="utf-8"?>
-<dgm:styleDef xmlns:dgm="http://schemas.openxmlformats.org/drawingml/2006/diagram" xmlns:a="http://schemas.openxmlformats.org/drawingml/2006/main" uniqueId="urn:microsoft.com/office/officeart/2005/8/quickstyle/simple1">
-  <dgm:title val=""/>
-  <dgm:desc val=""/>
-  <dgm:catLst>
-    <dgm:cat type="simple" pri="10100"/>
-  </dgm:catLst>
-  <dgm:scene3d>
-    <a:camera prst="orthographicFront"/>
-    <a:lightRig rig="threePt" dir="t"/>
-  </dgm:scene3d>
-  <dgm:styleLbl name="node0">
-    <dgm:scene3d>
-      <a:camera prst="orthographicFront"/>
-      <a:lightRig rig="threePt" dir="t"/>
-    </dgm:scene3d>
-    <dgm:sp3d/>
-    <dgm:txPr/>
-    <dgm:style>
-      <a:lnRef idx="2">
-        <a:scrgbClr r="0" g="0" b="0"/>
-      </a:lnRef>
-      <a:fillRef idx="1">
-        <a:scrgbClr r="0" g="0" b="0"/>
-      </a:fillRef>
-      <a:effectRef idx="0">
-        <a:scrgbClr r="0" g="0" b="0"/>
-      </a:effectRef>
-      <a:fontRef idx="minor">
-        <a:schemeClr val="lt1"/>
-      </a:fontRef>
-    </dgm:style>
-  </dgm:styleLbl>
-  <dgm:styleLbl name="lnNode1">
-    <dgm:scene3d>
-      <a:camera prst="orthographicFront"/>
-      <a:lightRig rig="threePt" dir="t"/>
-    </dgm:scene3d>
-    <dgm:sp3d/>
-    <dgm:txPr/>
-    <dgm:style>
-      <a:lnRef idx="2">
-        <a:scrgbClr r="0" g="0" b="0"/>
-      </a:lnRef>
-      <a:fillRef idx="1">
-        <a:scrgbClr r="0" g="0" b="0"/>
-      </a:fillRef>
-      <a:effectRef idx="0">
-        <a:scrgbClr r="0" g="0" b="0"/>
-      </a:effectRef>
-      <a:fontRef idx="minor">
-        <a:schemeClr val="lt1"/>
-      </a:fontRef>
-    </dgm:style>
-  </dgm:styleLbl>
-  <dgm:styleLbl name="vennNode1">
-    <dgm:scene3d>
-      <a:camera prst="orthographicFront"/>
-      <a:lightRig rig="threePt" dir="t"/>
-    </dgm:scene3d>
-    <dgm:sp3d/>
-    <dgm:txPr/>
-    <dgm:style>
-      <a:lnRef idx="2">
-        <a:scrgbClr r="0" g="0" b="0"/>
-      </a:lnRef>
-      <a:fillRef idx="1">
-        <a:scrgbClr r="0" g="0" b="0"/>
-      </a:fillRef>
-      <a:effectRef idx="0">
-        <a:scrgbClr r="0" g="0" b="0"/>
-      </a:effectRef>
-      <a:fontRef idx="minor">
-        <a:schemeClr val="tx1"/>
-      </a:fontRef>
-    </dgm:style>
-  </dgm:styleLbl>
-  <dgm:styleLbl name="alignNode1">
-    <dgm:scene3d>
-      <a:camera prst="orthographicFront"/>
-      <a:lightRig rig="threePt" dir="t"/>
-    </dgm:scene3d>
-    <dgm:sp3d/>
-    <dgm:txPr/>
-    <dgm:style>
-      <a:lnRef idx="2">
-        <a:scrgbClr r="0" g="0" b="0"/>
-      </a:lnRef>
-      <a:fillRef idx="1">
-        <a:scrgbClr r="0" g="0" b="0"/>
-      </a:fillRef>
-      <a:effectRef idx="0">
-        <a:scrgbClr r="0" g="0" b="0"/>
-      </a:effectRef>
-      <a:fontRef idx="minor">
-        <a:schemeClr val="lt1"/>
-      </a:fontRef>
-    </dgm:style>
-  </dgm:styleLbl>
-  <dgm:styleLbl name="node1">
-    <dgm:scene3d>
-      <a:camera prst="orthographicFront"/>
-      <a:lightRig rig="threePt" dir="t"/>
-    </dgm:scene3d>
-    <dgm:sp3d/>
-    <dgm:txPr/>
-    <dgm:style>
-      <a:lnRef idx="2">
-        <a:scrgbClr r="0" g="0" b="0"/>
-      </a:lnRef>
-      <a:fillRef idx="1">
-        <a:scrgbClr r="0" g="0" b="0"/>
-      </a:fillRef>
-      <a:effectRef idx="0">
-        <a:scrgbClr r="0" g="0" b="0"/>
-      </a:effectRef>
-      <a:fontRef idx="minor">
-        <a:schemeClr val="lt1"/>
-      </a:fontRef>
-    </dgm:style>
-  </dgm:styleLbl>
-  <dgm:styleLbl name="node2">
-    <dgm:scene3d>
-      <a:camera prst="orthographicFront"/>
-      <a:lightRig rig="threePt" dir="t"/>
-    </dgm:scene3d>
-    <dgm:sp3d/>
-    <dgm:txPr/>
-    <dgm:style>
-      <a:lnRef idx="2">
-        <a:scrgbClr r="0" g="0" b="0"/>
-      </a:lnRef>
-      <a:fillRef idx="1">
-        <a:scrgbClr r="0" g="0" b="0"/>
-      </a:fillRef>
-      <a:effectRef idx="0">
-        <a:scrgbClr r="0" g="0" b="0"/>
-      </a:effectRef>
-      <a:fontRef idx="minor">
-        <a:schemeClr val="lt1"/>
-      </a:fontRef>
-    </dgm:style>
-  </dgm:styleLbl>
-  <dgm:styleLbl name="node3">
-    <dgm:scene3d>
-      <a:camera prst="orthographicFront"/>
-      <a:lightRig rig="threePt" dir="t"/>
-    </dgm:scene3d>
-    <dgm:sp3d/>
-    <dgm:txPr/>
-    <dgm:style>
-      <a:lnRef idx="2">
-        <a:scrgbClr r="0" g="0" b="0"/>
-      </a:lnRef>
-      <a:fillRef idx="1">
-        <a:scrgbClr r="0" g="0" b="0"/>
-      </a:fillRef>
-      <a:effectRef idx="0">
-        <a:scrgbClr r="0" g="0" b="0"/>
-      </a:effectRef>
-      <a:fontRef idx="minor">
-        <a:schemeClr val="lt1"/>
-      </a:fontRef>
-    </dgm:style>
-  </dgm:styleLbl>
-  <dgm:styleLbl name="node4">
-    <dgm:scene3d>
-      <a:camera prst="orthographicFront"/>
-      <a:lightRig rig="threePt" dir="t"/>
-    </dgm:scene3d>
-    <dgm:sp3d/>
-    <dgm:txPr/>
-    <dgm:style>
-      <a:lnRef idx="2">
-        <a:scrgbClr r="0" g="0" b="0"/>
-      </a:lnRef>
-      <a:fillRef idx="1">
-        <a:scrgbClr r="0" g="0" b="0"/>
-      </a:fillRef>
-      <a:effectRef idx="0">
-        <a:scrgbClr r="0" g="0" b="0"/>
-      </a:effectRef>
-      <a:fontRef idx="minor">
-        <a:schemeClr val="lt1"/>
-      </a:fontRef>
-    </dgm:style>
-  </dgm:styleLbl>
-  <dgm:styleLbl name="fgImgPlace1">
-    <dgm:scene3d>
-      <a:camera prst="orthographicFront"/>
-      <a:lightRig rig="threePt" dir="t"/>
-    </dgm:scene3d>
-    <dgm:sp3d/>
-    <dgm:txPr/>
-    <dgm:style>
-      <a:lnRef idx="2">
-        <a:scrgbClr r="0" g="0" b="0"/>
-      </a:lnRef>
-      <a:fillRef idx="1">
-        <a:scrgbClr r="0" g="0" b="0"/>
-      </a:fillRef>
-      <a:effectRef idx="0">
-        <a:scrgbClr r="0" g="0" b="0"/>
-      </a:effectRef>
-      <a:fontRef idx="minor"/>
-    </dgm:style>
-  </dgm:styleLbl>
-  <dgm:styleLbl name="alignImgPlace1">
-    <dgm:scene3d>
-      <a:camera prst="orthographicFront"/>
-      <a:lightRig rig="threePt" dir="t"/>
-    </dgm:scene3d>
-    <dgm:sp3d/>
-    <dgm:txPr/>
-    <dgm:style>
-      <a:lnRef idx="2">
-        <a:scrgbClr r="0" g="0" b="0"/>
-      </a:lnRef>
-      <a:fillRef idx="1">
-        <a:scrgbClr r="0" g="0" b="0"/>
-      </a:fillRef>
-      <a:effectRef idx="0">
-        <a:scrgbClr r="0" g="0" b="0"/>
-      </a:effectRef>
-      <a:fontRef idx="minor"/>
-    </dgm:style>
-  </dgm:styleLbl>
-  <dgm:styleLbl name="bgImgPlace1">
-    <dgm:scene3d>
-      <a:camera prst="orthographicFront"/>
-      <a:lightRig rig="threePt" dir="t"/>
-    </dgm:scene3d>
-    <dgm:sp3d/>
-    <dgm:txPr/>
-    <dgm:style>
-      <a:lnRef idx="2">
-        <a:scrgbClr r="0" g="0" b="0"/>
-      </a:lnRef>
-      <a:fillRef idx="1">
-        <a:scrgbClr r="0" g="0" b="0"/>
-      </a:fillRef>
-      <a:effectRef idx="0">
-        <a:scrgbClr r="0" g="0" b="0"/>
-      </a:effectRef>
-      <a:fontRef idx="minor"/>
-    </dgm:style>
-  </dgm:styleLbl>
-  <dgm:styleLbl name="sibTrans2D1">
-    <dgm:scene3d>
-      <a:camera prst="orthographicFront"/>
-      <a:lightRig rig="threePt" dir="t"/>
-    </dgm:scene3d>
-    <dgm:sp3d/>
-    <dgm:txPr/>
-    <dgm:style>
-      <a:lnRef idx="0">
-        <a:scrgbClr r="0" g="0" b="0"/>
-      </a:lnRef>
-      <a:fillRef idx="1">
-        <a:scrgbClr r="0" g="0" b="0"/>
-      </a:fillRef>
-      <a:effectRef idx="0">
-        <a:scrgbClr r="0" g="0" b="0"/>
-      </a:effectRef>
-      <a:fontRef idx="minor">
-        <a:schemeClr val="lt1"/>
-      </a:fontRef>
-    </dgm:style>
-  </dgm:styleLbl>
-  <dgm:styleLbl name="fgSibTrans2D1">
-    <dgm:scene3d>
-      <a:camera prst="orthographicFront"/>
-      <a:lightRig rig="threePt" dir="t"/>
-    </dgm:scene3d>
-    <dgm:sp3d/>
-    <dgm:txPr/>
-    <dgm:style>
-      <a:lnRef idx="0">
-        <a:scrgbClr r="0" g="0" b="0"/>
-      </a:lnRef>
-      <a:fillRef idx="1">
-        <a:scrgbClr r="0" g="0" b="0"/>
-      </a:fillRef>
-      <a:effectRef idx="0">
-        <a:scrgbClr r="0" g="0" b="0"/>
-      </a:effectRef>
-      <a:fontRef idx="minor">
-        <a:schemeClr val="lt1"/>
-      </a:fontRef>
-    </dgm:style>
-  </dgm:styleLbl>
-  <dgm:styleLbl name="bgSibTrans2D1">
-    <dgm:scene3d>
-      <a:camera prst="orthographicFront"/>
-      <a:lightRig rig="threePt" dir="t"/>
-    </dgm:scene3d>
-    <dgm:sp3d/>
-    <dgm:txPr/>
-    <dgm:style>
-      <a:lnRef idx="0">
-        <a:scrgbClr r="0" g="0" b="0"/>
-      </a:lnRef>
-      <a:fillRef idx="1">
-        <a:scrgbClr r="0" g="0" b="0"/>
-      </a:fillRef>
-      <a:effectRef idx="0">
-        <a:scrgbClr r="0" g="0" b="0"/>
-      </a:effectRef>
-      <a:fontRef idx="minor">
-        <a:schemeClr val="lt1"/>
-      </a:fontRef>
-    </dgm:style>
-  </dgm:styleLbl>
-  <dgm:styleLbl name="sibTrans1D1">
-    <dgm:scene3d>
-      <a:camera prst="orthographicFront"/>
-      <a:lightRig rig="threePt" dir="t"/>
-    </dgm:scene3d>
-    <dgm:sp3d/>
-    <dgm:txPr/>
-    <dgm:style>
-      <a:lnRef idx="1">
-        <a:scrgbClr r="0" g="0" b="0"/>
-      </a:lnRef>
-      <a:fillRef idx="0">
-        <a:scrgbClr r="0" g="0" b="0"/>
-      </a:fillRef>
-      <a:effectRef idx="0">
-        <a:scrgbClr r="0" g="0" b="0"/>
-      </a:effectRef>
-      <a:fontRef idx="minor"/>
-    </dgm:style>
-  </dgm:styleLbl>
-  <dgm:styleLbl name="callout">
-    <dgm:scene3d>
-      <a:camera prst="orthographicFront"/>
-      <a:lightRig rig="threePt" dir="t"/>
-    </dgm:scene3d>
-    <dgm:sp3d/>
-    <dgm:txPr/>
-    <dgm:style>
-      <a:lnRef idx="2">
-        <a:scrgbClr r="0" g="0" b="0"/>
-      </a:lnRef>
-      <a:fillRef idx="1">
-        <a:scrgbClr r="0" g="0" b="0"/>
-      </a:fillRef>
-      <a:effectRef idx="0">
-        <a:scrgbClr r="0" g="0" b="0"/>
-      </a:effectRef>
-      <a:fontRef idx="minor"/>
-    </dgm:style>
-  </dgm:styleLbl>
-  <dgm:styleLbl name="asst0">
-    <dgm:scene3d>
-      <a:camera prst="orthographicFront"/>
-      <a:lightRig rig="threePt" dir="t"/>
-    </dgm:scene3d>
-    <dgm:sp3d/>
-    <dgm:txPr/>
-    <dgm:style>
-      <a:lnRef idx="2">
-        <a:scrgbClr r="0" g="0" b="0"/>
-      </a:lnRef>
-      <a:fillRef idx="1">
-        <a:scrgbClr r="0" g="0" b="0"/>
-      </a:fillRef>
-      <a:effectRef idx="0">
-        <a:scrgbClr r="0" g="0" b="0"/>
-      </a:effectRef>
-      <a:fontRef idx="minor">
-        <a:schemeClr val="lt1"/>
-      </a:fontRef>
-    </dgm:style>
-  </dgm:styleLbl>
-  <dgm:styleLbl name="asst1">
-    <dgm:scene3d>
-      <a:camera prst="orthographicFront"/>
-      <a:lightRig rig="threePt" dir="t"/>
-    </dgm:scene3d>
-    <dgm:sp3d/>
-    <dgm:txPr/>
-    <dgm:style>
-      <a:lnRef idx="2">
-        <a:scrgbClr r="0" g="0" b="0"/>
-      </a:lnRef>
-      <a:fillRef idx="1">
-        <a:scrgbClr r="0" g="0" b="0"/>
-      </a:fillRef>
-      <a:effectRef idx="0">
-        <a:scrgbClr r="0" g="0" b="0"/>
-      </a:effectRef>
-      <a:fontRef idx="minor">
-        <a:schemeClr val="lt1"/>
-      </a:fontRef>
-    </dgm:style>
-  </dgm:styleLbl>
-  <dgm:styleLbl name="asst2">
-    <dgm:scene3d>
-      <a:camera prst="orthographicFront"/>
-      <a:lightRig rig="threePt" dir="t"/>
-    </dgm:scene3d>
-    <dgm:sp3d/>
-    <dgm:txPr/>
-    <dgm:style>
-      <a:lnRef idx="2">
-        <a:scrgbClr r="0" g="0" b="0"/>
-      </a:lnRef>
-      <a:fillRef idx="1">
-        <a:scrgbClr r="0" g="0" b="0"/>
-      </a:fillRef>
-      <a:effectRef idx="0">
-        <a:scrgbClr r="0" g="0" b="0"/>
-      </a:effectRef>
-      <a:fontRef idx="minor">
-        <a:schemeClr val="lt1"/>
-      </a:fontRef>
-    </dgm:style>
-  </dgm:styleLbl>
-  <dgm:styleLbl name="asst3">
-    <dgm:scene3d>
-      <a:camera prst="orthographicFront"/>
-      <a:lightRig rig="threePt" dir="t"/>
-    </dgm:scene3d>
-    <dgm:sp3d/>
-    <dgm:txPr/>
-    <dgm:style>
-      <a:lnRef idx="2">
-        <a:scrgbClr r="0" g="0" b="0"/>
-      </a:lnRef>
-      <a:fillRef idx="1">
-        <a:scrgbClr r="0" g="0" b="0"/>
-      </a:fillRef>
-      <a:effectRef idx="0">
-        <a:scrgbClr r="0" g="0" b="0"/>
-      </a:effectRef>
-      <a:fontRef idx="minor">
-        <a:schemeClr val="lt1"/>
-      </a:fontRef>
-    </dgm:style>
-  </dgm:styleLbl>
-  <dgm:styleLbl name="asst4">
-    <dgm:scene3d>
-      <a:camera prst="orthographicFront"/>
-      <a:lightRig rig="threePt" dir="t"/>
-    </dgm:scene3d>
-    <dgm:sp3d/>
-    <dgm:txPr/>
-    <dgm:style>
-      <a:lnRef idx="2">
-        <a:scrgbClr r="0" g="0" b="0"/>
-      </a:lnRef>
-      <a:fillRef idx="1">
-        <a:scrgbClr r="0" g="0" b="0"/>
-      </a:fillRef>
-      <a:effectRef idx="0">
-        <a:scrgbClr r="0" g="0" b="0"/>
-      </a:effectRef>
-      <a:fontRef idx="minor">
-        <a:schemeClr val="lt1"/>
-      </a:fontRef>
-    </dgm:style>
-  </dgm:styleLbl>
-  <dgm:styleLbl name="parChTrans2D1">
-    <dgm:scene3d>
-      <a:camera prst="orthographicFront"/>
-      <a:lightRig rig="threePt" dir="t"/>
-    </dgm:scene3d>
-    <dgm:sp3d/>
-    <dgm:txPr/>
-    <dgm:style>
-      <a:lnRef idx="2">
-        <a:scrgbClr r="0" g="0" b="0"/>
-      </a:lnRef>
-      <a:fillRef idx="1">
-        <a:scrgbClr r="0" g="0" b="0"/>
-      </a:fillRef>
-      <a:effectRef idx="0">
-        <a:scrgbClr r="0" g="0" b="0"/>
-      </a:effectRef>
-      <a:fontRef idx="minor">
-        <a:schemeClr val="lt1"/>
-      </a:fontRef>
-    </dgm:style>
-  </dgm:styleLbl>
-  <dgm:styleLbl name="parChTrans2D2">
-    <dgm:scene3d>
-      <a:camera prst="orthographicFront"/>
-      <a:lightRig rig="threePt" dir="t"/>
-    </dgm:scene3d>
-    <dgm:sp3d/>
-    <dgm:txPr/>
-    <dgm:style>
-      <a:lnRef idx="2">
-        <a:scrgbClr r="0" g="0" b="0"/>
-      </a:lnRef>
-      <a:fillRef idx="1">
-        <a:scrgbClr r="0" g="0" b="0"/>
-      </a:fillRef>
-      <a:effectRef idx="0">
-        <a:scrgbClr r="0" g="0" b="0"/>
-      </a:effectRef>
-      <a:fontRef idx="minor">
-        <a:schemeClr val="lt1"/>
-      </a:fontRef>
-    </dgm:style>
-  </dgm:styleLbl>
-  <dgm:styleLbl name="parChTrans2D3">
-    <dgm:scene3d>
-      <a:camera prst="orthographicFront"/>
-      <a:lightRig rig="threePt" dir="t"/>
-    </dgm:scene3d>
-    <dgm:sp3d/>
-    <dgm:txPr/>
-    <dgm:style>
-      <a:lnRef idx="2">
-        <a:scrgbClr r="0" g="0" b="0"/>
-      </a:lnRef>
-      <a:fillRef idx="1">
-        <a:scrgbClr r="0" g="0" b="0"/>
-      </a:fillRef>
-      <a:effectRef idx="0">
-        <a:scrgbClr r="0" g="0" b="0"/>
-      </a:effectRef>
-      <a:fontRef idx="minor">
-        <a:schemeClr val="lt1"/>
-      </a:fontRef>
-    </dgm:style>
-  </dgm:styleLbl>
-  <dgm:styleLbl name="parChTrans2D4">
-    <dgm:scene3d>
-      <a:camera prst="orthographicFront"/>
-      <a:lightRig rig="threePt" dir="t"/>
-    </dgm:scene3d>
-    <dgm:sp3d/>
-    <dgm:txPr/>
-    <dgm:style>
-      <a:lnRef idx="2">
-        <a:scrgbClr r="0" g="0" b="0"/>
-      </a:lnRef>
-      <a:fillRef idx="1">
-        <a:scrgbClr r="0" g="0" b="0"/>
-      </a:fillRef>
-      <a:effectRef idx="0">
-        <a:scrgbClr r="0" g="0" b="0"/>
-      </a:effectRef>
-      <a:fontRef idx="minor">
-        <a:schemeClr val="lt1"/>
-      </a:fontRef>
-    </dgm:style>
-  </dgm:styleLbl>
-  <dgm:styleLbl name="parChTrans1D1">
-    <dgm:scene3d>
-      <a:camera prst="orthographicFront"/>
-      <a:lightRig rig="threePt" dir="t"/>
-    </dgm:scene3d>
-    <dgm:sp3d/>
-    <dgm:txPr/>
-    <dgm:style>
-      <a:lnRef idx="2">
-        <a:scrgbClr r="0" g="0" b="0"/>
-      </a:lnRef>
-      <a:fillRef idx="0">
-        <a:scrgbClr r="0" g="0" b="0"/>
-      </a:fillRef>
-      <a:effectRef idx="0">
-        <a:scrgbClr r="0" g="0" b="0"/>
-      </a:effectRef>
-      <a:fontRef idx="minor"/>
-    </dgm:style>
-  </dgm:styleLbl>
-  <dgm:styleLbl name="parChTrans1D2">
-    <dgm:scene3d>
-      <a:camera prst="orthographicFront"/>
-      <a:lightRig rig="threePt" dir="t"/>
-    </dgm:scene3d>
-    <dgm:sp3d/>
-    <dgm:txPr/>
-    <dgm:style>
-      <a:lnRef idx="2">
-        <a:scrgbClr r="0" g="0" b="0"/>
-      </a:lnRef>
-      <a:fillRef idx="0">
-        <a:scrgbClr r="0" g="0" b="0"/>
-      </a:fillRef>
-      <a:effectRef idx="0">
-        <a:scrgbClr r="0" g="0" b="0"/>
-      </a:effectRef>
-      <a:fontRef idx="minor"/>
-    </dgm:style>
-  </dgm:styleLbl>
-  <dgm:styleLbl name="parChTrans1D3">
-    <dgm:scene3d>
-      <a:camera prst="orthographicFront"/>
-      <a:lightRig rig="threePt" dir="t"/>
-    </dgm:scene3d>
-    <dgm:sp3d/>
-    <dgm:txPr/>
-    <dgm:style>
-      <a:lnRef idx="2">
-        <a:scrgbClr r="0" g="0" b="0"/>
-      </a:lnRef>
-      <a:fillRef idx="0">
-        <a:scrgbClr r="0" g="0" b="0"/>
-      </a:fillRef>
-      <a:effectRef idx="0">
-        <a:scrgbClr r="0" g="0" b="0"/>
-      </a:effectRef>
-      <a:fontRef idx="minor"/>
-    </dgm:style>
-  </dgm:styleLbl>
-  <dgm:styleLbl name="parChTrans1D4">
-    <dgm:scene3d>
-      <a:camera prst="orthographicFront"/>
-      <a:lightRig rig="threePt" dir="t"/>
-    </dgm:scene3d>
-    <dgm:sp3d/>
-    <dgm:txPr/>
-    <dgm:style>
-      <a:lnRef idx="2">
-        <a:scrgbClr r="0" g="0" b="0"/>
-      </a:lnRef>
-      <a:fillRef idx="0">
-        <a:scrgbClr r="0" g="0" b="0"/>
-      </a:fillRef>
-      <a:effectRef idx="0">
-        <a:scrgbClr r="0" g="0" b="0"/>
-      </a:effectRef>
-      <a:fontRef idx="minor"/>
-    </dgm:style>
-  </dgm:styleLbl>
-  <dgm:styleLbl name="fgAcc1">
-    <dgm:scene3d>
-      <a:camera prst="orthographicFront"/>
-      <a:lightRig rig="threePt" dir="t"/>
-    </dgm:scene3d>
-    <dgm:sp3d/>
-    <dgm:txPr/>
-    <dgm:style>
-      <a:lnRef idx="2">
-        <a:scrgbClr r="0" g="0" b="0"/>
-      </a:lnRef>
-      <a:fillRef idx="1">
-        <a:scrgbClr r="0" g="0" b="0"/>
-      </a:fillRef>
-      <a:effectRef idx="0">
-        <a:scrgbClr r="0" g="0" b="0"/>
-      </a:effectRef>
-      <a:fontRef idx="minor"/>
-    </dgm:style>
-  </dgm:styleLbl>
-  <dgm:styleLbl name="conFgAcc1">
-    <dgm:scene3d>
-      <a:camera prst="orthographicFront"/>
-      <a:lightRig rig="threePt" dir="t"/>
-    </dgm:scene3d>
-    <dgm:sp3d/>
-    <dgm:txPr/>
-    <dgm:style>
-      <a:lnRef idx="2">
-        <a:scrgbClr r="0" g="0" b="0"/>
-      </a:lnRef>
-      <a:fillRef idx="1">
-        <a:scrgbClr r="0" g="0" b="0"/>
-      </a:fillRef>
-      <a:effectRef idx="0">
-        <a:scrgbClr r="0" g="0" b="0"/>
-      </a:effectRef>
-      <a:fontRef idx="minor"/>
-    </dgm:style>
-  </dgm:styleLbl>
-  <dgm:styleLbl name="alignAcc1">
-    <dgm:scene3d>
-      <a:camera prst="orthographicFront"/>
-      <a:lightRig rig="threePt" dir="t"/>
-    </dgm:scene3d>
-    <dgm:sp3d/>
-    <dgm:txPr/>
-    <dgm:style>
-      <a:lnRef idx="2">
-        <a:scrgbClr r="0" g="0" b="0"/>
-      </a:lnRef>
-      <a:fillRef idx="1">
-        <a:scrgbClr r="0" g="0" b="0"/>
-      </a:fillRef>
-      <a:effectRef idx="0">
-        <a:scrgbClr r="0" g="0" b="0"/>
-      </a:effectRef>
-      <a:fontRef idx="minor"/>
-    </dgm:style>
-  </dgm:styleLbl>
-  <dgm:styleLbl name="trAlignAcc1">
-    <dgm:scene3d>
-      <a:camera prst="orthographicFront"/>
-      <a:lightRig rig="threePt" dir="t"/>
-    </dgm:scene3d>
-    <dgm:sp3d/>
-    <dgm:txPr/>
-    <dgm:style>
-      <a:lnRef idx="1">
-        <a:scrgbClr r="0" g="0" b="0"/>
-      </a:lnRef>
-      <a:fillRef idx="1">
-        <a:scrgbClr r="0" g="0" b="0"/>
-      </a:fillRef>
-      <a:effectRef idx="0">
-        <a:scrgbClr r="0" g="0" b="0"/>
-      </a:effectRef>
-      <a:fontRef idx="minor"/>
-    </dgm:style>
-  </dgm:styleLbl>
-  <dgm:styleLbl name="bgAcc1">
-    <dgm:scene3d>
-      <a:camera prst="orthographicFront"/>
-      <a:lightRig rig="threePt" dir="t"/>
-    </dgm:scene3d>
-    <dgm:sp3d/>
-    <dgm:txPr/>
-    <dgm:style>
-      <a:lnRef idx="2">
-        <a:scrgbClr r="0" g="0" b="0"/>
-      </a:lnRef>
-      <a:fillRef idx="1">
-        <a:scrgbClr r="0" g="0" b="0"/>
-      </a:fillRef>
-      <a:effectRef idx="0">
-        <a:scrgbClr r="0" g="0" b="0"/>
-      </a:effectRef>
-      <a:fontRef idx="minor"/>
-    </dgm:style>
-  </dgm:styleLbl>
-  <dgm:styleLbl name="solidFgAcc1">
-    <dgm:scene3d>
-      <a:camera prst="orthographicFront"/>
-      <a:lightRig rig="threePt" dir="t"/>
-    </dgm:scene3d>
-    <dgm:sp3d/>
-    <dgm:txPr/>
-    <dgm:style>
-      <a:lnRef idx="2">
-        <a:scrgbClr r="0" g="0" b="0"/>
-      </a:lnRef>
-      <a:fillRef idx="1">
-        <a:scrgbClr r="0" g="0" b="0"/>
-      </a:fillRef>
-      <a:effectRef idx="0">
-        <a:scrgbClr r="0" g="0" b="0"/>
-      </a:effectRef>
-      <a:fontRef idx="minor"/>
-    </dgm:style>
-  </dgm:styleLbl>
-  <dgm:styleLbl name="solidAlignAcc1">
-    <dgm:scene3d>
-      <a:camera prst="orthographicFront"/>
-      <a:lightRig rig="threePt" dir="t"/>
-    </dgm:scene3d>
-    <dgm:sp3d/>
-    <dgm:txPr/>
-    <dgm:style>
-      <a:lnRef idx="2">
-        <a:scrgbClr r="0" g="0" b="0"/>
-      </a:lnRef>
-      <a:fillRef idx="1">
-        <a:scrgbClr r="0" g="0" b="0"/>
-      </a:fillRef>
-      <a:effectRef idx="0">
-        <a:scrgbClr r="0" g="0" b="0"/>
-      </a:effectRef>
-      <a:fontRef idx="minor"/>
-    </dgm:style>
-  </dgm:styleLbl>
-  <dgm:styleLbl name="solidBgAcc1">
-    <dgm:scene3d>
-      <a:camera prst="orthographicFront"/>
-      <a:lightRig rig="threePt" dir="t"/>
-    </dgm:scene3d>
-    <dgm:sp3d/>
-    <dgm:txPr/>
-    <dgm:style>
-      <a:lnRef idx="2">
-        <a:scrgbClr r="0" g="0" b="0"/>
-      </a:lnRef>
-      <a:fillRef idx="1">
-        <a:scrgbClr r="0" g="0" b="0"/>
-      </a:fillRef>
-      <a:effectRef idx="0">
-        <a:scrgbClr r="0" g="0" b="0"/>
-      </a:effectRef>
-      <a:fontRef idx="minor"/>
-    </dgm:style>
-  </dgm:styleLbl>
-  <dgm:styleLbl name="fgAccFollowNode1">
-    <dgm:scene3d>
-      <a:camera prst="orthographicFront"/>
-      <a:lightRig rig="threePt" dir="t"/>
-    </dgm:scene3d>
-    <dgm:sp3d/>
-    <dgm:txPr/>
-    <dgm:style>
-      <a:lnRef idx="2">
-        <a:scrgbClr r="0" g="0" b="0"/>
-      </a:lnRef>
-      <a:fillRef idx="1">
-        <a:scrgbClr r="0" g="0" b="0"/>
-      </a:fillRef>
-      <a:effectRef idx="0">
-        <a:scrgbClr r="0" g="0" b="0"/>
-      </a:effectRef>
-      <a:fontRef idx="minor"/>
-    </dgm:style>
-  </dgm:styleLbl>
-  <dgm:styleLbl name="alignAccFollowNode1">
-    <dgm:scene3d>
-      <a:camera prst="orthographicFront"/>
-      <a:lightRig rig="threePt" dir="t"/>
-    </dgm:scene3d>
-    <dgm:sp3d/>
-    <dgm:txPr/>
-    <dgm:style>
-      <a:lnRef idx="2">
-        <a:scrgbClr r="0" g="0" b="0"/>
-      </a:lnRef>
-      <a:fillRef idx="1">
-        <a:scrgbClr r="0" g="0" b="0"/>
-      </a:fillRef>
-      <a:effectRef idx="0">
-        <a:scrgbClr r="0" g="0" b="0"/>
-      </a:effectRef>
-      <a:fontRef idx="minor"/>
-    </dgm:style>
-  </dgm:styleLbl>
-  <dgm:styleLbl name="bgAccFollowNode1">
-    <dgm:scene3d>
-      <a:camera prst="orthographicFront"/>
-      <a:lightRig rig="threePt" dir="t"/>
-    </dgm:scene3d>
-    <dgm:sp3d/>
-    <dgm:txPr/>
-    <dgm:style>
-      <a:lnRef idx="2">
-        <a:scrgbClr r="0" g="0" b="0"/>
-      </a:lnRef>
-      <a:fillRef idx="1">
-        <a:scrgbClr r="0" g="0" b="0"/>
-      </a:fillRef>
-      <a:effectRef idx="0">
-        <a:scrgbClr r="0" g="0" b="0"/>
-      </a:effectRef>
-      <a:fontRef idx="minor"/>
-    </dgm:style>
-  </dgm:styleLbl>
-  <dgm:styleLbl name="fgAcc0">
-    <dgm:scene3d>
-      <a:camera prst="orthographicFront"/>
-      <a:lightRig rig="threePt" dir="t"/>
-    </dgm:scene3d>
-    <dgm:sp3d/>
-    <dgm:txPr/>
-    <dgm:style>
-      <a:lnRef idx="2">
-        <a:scrgbClr r="0" g="0" b="0"/>
-      </a:lnRef>
-      <a:fillRef idx="1">
-        <a:scrgbClr r="0" g="0" b="0"/>
-      </a:fillRef>
-      <a:effectRef idx="0">
-        <a:scrgbClr r="0" g="0" b="0"/>
-      </a:effectRef>
-      <a:fontRef idx="minor"/>
-    </dgm:style>
-  </dgm:styleLbl>
-  <dgm:styleLbl name="fgAcc2">
-    <dgm:scene3d>
-      <a:camera prst="orthographicFront"/>
-      <a:lightRig rig="threePt" dir="t"/>
-    </dgm:scene3d>
-    <dgm:sp3d/>
-    <dgm:txPr/>
-    <dgm:style>
-      <a:lnRef idx="2">
-        <a:scrgbClr r="0" g="0" b="0"/>
-      </a:lnRef>
-      <a:fillRef idx="1">
-        <a:scrgbClr r="0" g="0" b="0"/>
-      </a:fillRef>
-      <a:effectRef idx="0">
-        <a:scrgbClr r="0" g="0" b="0"/>
-      </a:effectRef>
-      <a:fontRef idx="minor"/>
-    </dgm:style>
-  </dgm:styleLbl>
-  <dgm:styleLbl name="fgAcc3">
-    <dgm:scene3d>
-      <a:camera prst="orthographicFront"/>
-      <a:lightRig rig="threePt" dir="t"/>
-    </dgm:scene3d>
-    <dgm:sp3d/>
-    <dgm:txPr/>
-    <dgm:style>
-      <a:lnRef idx="2">
-        <a:scrgbClr r="0" g="0" b="0"/>
-      </a:lnRef>
-      <a:fillRef idx="1">
-        <a:scrgbClr r="0" g="0" b="0"/>
-      </a:fillRef>
-      <a:effectRef idx="0">
-        <a:scrgbClr r="0" g="0" b="0"/>
-      </a:effectRef>
-      <a:fontRef idx="minor"/>
-    </dgm:style>
-  </dgm:styleLbl>
-  <dgm:styleLbl name="fgAcc4">
-    <dgm:scene3d>
-      <a:camera prst="orthographicFront"/>
-      <a:lightRig rig="threePt" dir="t"/>
-    </dgm:scene3d>
-    <dgm:sp3d/>
-    <dgm:txPr/>
-    <dgm:style>
-      <a:lnRef idx="2">
-        <a:scrgbClr r="0" g="0" b="0"/>
-      </a:lnRef>
-      <a:fillRef idx="1">
-        <a:scrgbClr r="0" g="0" b="0"/>
-      </a:fillRef>
-      <a:effectRef idx="0">
-        <a:scrgbClr r="0" g="0" b="0"/>
-      </a:effectRef>
-      <a:fontRef idx="minor"/>
-    </dgm:style>
-  </dgm:styleLbl>
-  <dgm:styleLbl name="bgShp">
-    <dgm:scene3d>
-      <a:camera prst="orthographicFront"/>
-      <a:lightRig rig="threePt" dir="t"/>
-    </dgm:scene3d>
-    <dgm:sp3d/>
-    <dgm:txPr/>
-    <dgm:style>
-      <a:lnRef idx="0">
-        <a:scrgbClr r="0" g="0" b="0"/>
-      </a:lnRef>
-      <a:fillRef idx="1">
-        <a:scrgbClr r="0" g="0" b="0"/>
-      </a:fillRef>
-      <a:effectRef idx="0">
-        <a:scrgbClr r="0" g="0" b="0"/>
-      </a:effectRef>
-      <a:fontRef idx="minor"/>
-    </dgm:style>
-  </dgm:styleLbl>
-  <dgm:styleLbl name="dkBgShp">
-    <dgm:scene3d>
-      <a:camera prst="orthographicFront"/>
-      <a:lightRig rig="threePt" dir="t"/>
-    </dgm:scene3d>
-    <dgm:sp3d/>
-    <dgm:txPr/>
-    <dgm:style>
-      <a:lnRef idx="0">
-        <a:scrgbClr r="0" g="0" b="0"/>
-      </a:lnRef>
-      <a:fillRef idx="1">
-        <a:scrgbClr r="0" g="0" b="0"/>
-      </a:fillRef>
-      <a:effectRef idx="0">
-        <a:scrgbClr r="0" g="0" b="0"/>
-      </a:effectRef>
-      <a:fontRef idx="minor"/>
-    </dgm:style>
-  </dgm:styleLbl>
-  <dgm:styleLbl name="trBgShp">
-    <dgm:scene3d>
-      <a:camera prst="orthographicFront"/>
-      <a:lightRig rig="threePt" dir="t"/>
-    </dgm:scene3d>
-    <dgm:sp3d/>
-    <dgm:txPr/>
-    <dgm:style>
-      <a:lnRef idx="0">
-        <a:scrgbClr r="0" g="0" b="0"/>
-      </a:lnRef>
-      <a:fillRef idx="1">
-        <a:scrgbClr r="0" g="0" b="0"/>
-      </a:fillRef>
-      <a:effectRef idx="0">
-        <a:scrgbClr r="0" g="0" b="0"/>
-      </a:effectRef>
-      <a:fontRef idx="minor"/>
-    </dgm:style>
-  </dgm:styleLbl>
-  <dgm:styleLbl name="fgShp">
-    <dgm:scene3d>
-      <a:camera prst="orthographicFront"/>
-      <a:lightRig rig="threePt" dir="t"/>
-    </dgm:scene3d>
-    <dgm:sp3d/>
-    <dgm:txPr/>
-    <dgm:style>
-      <a:lnRef idx="2">
-        <a:scrgbClr r="0" g="0" b="0"/>
-      </a:lnRef>
-      <a:fillRef idx="1">
-        <a:scrgbClr r="0" g="0" b="0"/>
-      </a:fillRef>
-      <a:effectRef idx="0">
-        <a:scrgbClr r="0" g="0" b="0"/>
-      </a:effectRef>
-      <a:fontRef idx="minor"/>
-    </dgm:style>
-  </dgm:styleLbl>
-  <dgm:styleLbl name="revTx">
-    <dgm:scene3d>
-      <a:camera prst="orthographicFront"/>
-      <a:lightRig rig="threePt" dir="t"/>
-    </dgm:scene3d>
-    <dgm:sp3d/>
-    <dgm:txPr/>
-    <dgm:style>
-      <a:lnRef idx="0">
-        <a:scrgbClr r="0" g="0" b="0"/>
-      </a:lnRef>
-      <a:fillRef idx="0">
-        <a:scrgbClr r="0" g="0" b="0"/>
-      </a:fillRef>
-      <a:effectRef idx="0">
-        <a:scrgbClr r="0" g="0" b="0"/>
-      </a:effectRef>
-      <a:fontRef idx="minor"/>
-    </dgm:style>
-  </dgm:styleLbl>
-</dgm:styleDef>
 </file>
 
 <file path=ppt/notesMasters/notesMaster1.xml><?xml version="1.0" encoding="utf-8"?>
@@ -3405,7 +536,7 @@
           <a:p>
             <a:fld id="{334E16A8-A616-D240-B69A-4ED9E096E4A4}" type="slidenum">
               <a:rPr lang="en-US" smtClean="0"/>
-              <a:t>3</a:t>
+              <a:t>7</a:t>
             </a:fld>
             <a:endParaRPr lang="en-US"/>
           </a:p>
@@ -3414,7 +545,7 @@
     </p:spTree>
     <p:extLst>
       <p:ext uri="{BB962C8B-B14F-4D97-AF65-F5344CB8AC3E}">
-        <p14:creationId xmlns:p14="http://schemas.microsoft.com/office/powerpoint/2010/main" val="1660106216"/>
+        <p14:creationId xmlns:p14="http://schemas.microsoft.com/office/powerpoint/2010/main" val="4204264164"/>
       </p:ext>
     </p:extLst>
   </p:cSld>
@@ -11325,8 +8456,8 @@
           <a:lstStyle/>
           <a:p>
             <a:r>
-              <a:rPr lang="en-US" sz="4800"/>
-              <a:t>Model Error</a:t>
+              <a:rPr lang="en-US" sz="4800" dirty="0"/>
+              <a:t>Training/Validating/Testing</a:t>
             </a:r>
           </a:p>
         </p:txBody>
@@ -11360,8 +8491,12 @@
           <a:lstStyle/>
           <a:p>
             <a:r>
-              <a:rPr lang="en-US" sz="1800"/>
-              <a:t>Zybooks 8-1</a:t>
+              <a:rPr lang="en-US" sz="1800" dirty="0" err="1"/>
+              <a:t>Zybooks</a:t>
+            </a:r>
+            <a:r>
+              <a:rPr lang="en-US" sz="1800" dirty="0"/>
+              <a:t> 8-2</a:t>
             </a:r>
           </a:p>
         </p:txBody>
@@ -11712,236 +8847,6 @@
 </p:sld>
 </file>
 
-<file path=ppt/slides/slide10.xml><?xml version="1.0" encoding="utf-8"?>
-<p:sld xmlns:a="http://schemas.openxmlformats.org/drawingml/2006/main" xmlns:r="http://schemas.openxmlformats.org/officeDocument/2006/relationships" xmlns:p="http://schemas.openxmlformats.org/presentationml/2006/main">
-  <p:cSld>
-    <p:spTree>
-      <p:nvGrpSpPr>
-        <p:cNvPr id="1" name=""/>
-        <p:cNvGrpSpPr/>
-        <p:nvPr/>
-      </p:nvGrpSpPr>
-      <p:grpSpPr>
-        <a:xfrm>
-          <a:off x="0" y="0"/>
-          <a:ext cx="0" cy="0"/>
-          <a:chOff x="0" y="0"/>
-          <a:chExt cx="0" cy="0"/>
-        </a:xfrm>
-      </p:grpSpPr>
-      <p:sp>
-        <p:nvSpPr>
-          <p:cNvPr id="2" name="Title 1">
-            <a:extLst>
-              <a:ext uri="{FF2B5EF4-FFF2-40B4-BE49-F238E27FC236}">
-                <a16:creationId xmlns:a16="http://schemas.microsoft.com/office/drawing/2014/main" id="{2800738D-C381-020E-EA67-EB34FDF82DDE}"/>
-              </a:ext>
-            </a:extLst>
-          </p:cNvPr>
-          <p:cNvSpPr>
-            <a:spLocks noGrp="1"/>
-          </p:cNvSpPr>
-          <p:nvPr>
-            <p:ph type="title"/>
-          </p:nvPr>
-        </p:nvSpPr>
-        <p:spPr/>
-        <p:txBody>
-          <a:bodyPr/>
-          <a:lstStyle/>
-          <a:p>
-            <a:r>
-              <a:rPr lang="en-US" dirty="0"/>
-              <a:t>Machine Learning</a:t>
-            </a:r>
-          </a:p>
-        </p:txBody>
-      </p:sp>
-      <p:sp>
-        <p:nvSpPr>
-          <p:cNvPr id="3" name="Content Placeholder 2">
-            <a:extLst>
-              <a:ext uri="{FF2B5EF4-FFF2-40B4-BE49-F238E27FC236}">
-                <a16:creationId xmlns:a16="http://schemas.microsoft.com/office/drawing/2014/main" id="{408CA8AC-3AEC-6B8A-6511-5013D0AC8A14}"/>
-              </a:ext>
-            </a:extLst>
-          </p:cNvPr>
-          <p:cNvSpPr>
-            <a:spLocks noGrp="1"/>
-          </p:cNvSpPr>
-          <p:nvPr>
-            <p:ph idx="1"/>
-          </p:nvPr>
-        </p:nvSpPr>
-        <p:spPr/>
-        <p:txBody>
-          <a:bodyPr/>
-          <a:lstStyle/>
-          <a:p>
-            <a:r>
-              <a:rPr lang="en-US" dirty="0"/>
-              <a:t>Algorithms that use data to build models in order to make predictions</a:t>
-            </a:r>
-          </a:p>
-          <a:p>
-            <a:r>
-              <a:rPr lang="en-US" dirty="0"/>
-              <a:t>Pieces</a:t>
-            </a:r>
-          </a:p>
-          <a:p>
-            <a:pPr lvl="1"/>
-            <a:r>
-              <a:rPr lang="en-US" dirty="0"/>
-              <a:t>Algorithm itself</a:t>
-            </a:r>
-          </a:p>
-          <a:p>
-            <a:pPr lvl="1"/>
-            <a:r>
-              <a:rPr lang="en-US" dirty="0"/>
-              <a:t>Training data: used to the build the ML object</a:t>
-            </a:r>
-          </a:p>
-          <a:p>
-            <a:pPr lvl="1"/>
-            <a:r>
-              <a:rPr lang="en-US" dirty="0"/>
-              <a:t>Validation data: used to fine-tune the ML object</a:t>
-            </a:r>
-          </a:p>
-          <a:p>
-            <a:pPr lvl="1"/>
-            <a:r>
-              <a:rPr lang="en-US" dirty="0"/>
-              <a:t>Test data: used to test the accuracy of the ML object.  Must be isolated from both the training data and the </a:t>
-            </a:r>
-            <a:r>
-              <a:rPr lang="en-US"/>
-              <a:t>validation data</a:t>
-            </a:r>
-            <a:endParaRPr lang="en-US" dirty="0"/>
-          </a:p>
-          <a:p>
-            <a:pPr lvl="1"/>
-            <a:r>
-              <a:rPr lang="en-US" dirty="0"/>
-              <a:t>Prediction: output of the ML object</a:t>
-            </a:r>
-          </a:p>
-          <a:p>
-            <a:pPr marL="0" indent="0">
-              <a:buNone/>
-            </a:pPr>
-            <a:endParaRPr lang="en-US" dirty="0"/>
-          </a:p>
-          <a:p>
-            <a:pPr marL="0" indent="0">
-              <a:buNone/>
-            </a:pPr>
-            <a:endParaRPr lang="en-US" dirty="0"/>
-          </a:p>
-          <a:p>
-            <a:pPr marL="0" indent="0">
-              <a:buNone/>
-            </a:pPr>
-            <a:endParaRPr lang="en-US" dirty="0"/>
-          </a:p>
-        </p:txBody>
-      </p:sp>
-    </p:spTree>
-    <p:extLst>
-      <p:ext uri="{BB962C8B-B14F-4D97-AF65-F5344CB8AC3E}">
-        <p14:creationId xmlns:p14="http://schemas.microsoft.com/office/powerpoint/2010/main" val="2705019633"/>
-      </p:ext>
-    </p:extLst>
-  </p:cSld>
-  <p:clrMapOvr>
-    <a:masterClrMapping/>
-  </p:clrMapOvr>
-</p:sld>
-</file>
-
-<file path=ppt/slides/slide11.xml><?xml version="1.0" encoding="utf-8"?>
-<p:sld xmlns:a="http://schemas.openxmlformats.org/drawingml/2006/main" xmlns:r="http://schemas.openxmlformats.org/officeDocument/2006/relationships" xmlns:p="http://schemas.openxmlformats.org/presentationml/2006/main">
-  <p:cSld>
-    <p:spTree>
-      <p:nvGrpSpPr>
-        <p:cNvPr id="1" name=""/>
-        <p:cNvGrpSpPr/>
-        <p:nvPr/>
-      </p:nvGrpSpPr>
-      <p:grpSpPr>
-        <a:xfrm>
-          <a:off x="0" y="0"/>
-          <a:ext cx="0" cy="0"/>
-          <a:chOff x="0" y="0"/>
-          <a:chExt cx="0" cy="0"/>
-        </a:xfrm>
-      </p:grpSpPr>
-      <p:sp>
-        <p:nvSpPr>
-          <p:cNvPr id="2" name="Title 1">
-            <a:extLst>
-              <a:ext uri="{FF2B5EF4-FFF2-40B4-BE49-F238E27FC236}">
-                <a16:creationId xmlns:a16="http://schemas.microsoft.com/office/drawing/2014/main" id="{BECE0F58-F3EC-22C6-E6ED-198EA9A236EE}"/>
-              </a:ext>
-            </a:extLst>
-          </p:cNvPr>
-          <p:cNvSpPr>
-            <a:spLocks noGrp="1"/>
-          </p:cNvSpPr>
-          <p:nvPr>
-            <p:ph type="title"/>
-          </p:nvPr>
-        </p:nvSpPr>
-        <p:spPr/>
-        <p:txBody>
-          <a:bodyPr/>
-          <a:lstStyle/>
-          <a:p>
-            <a:endParaRPr lang="en-US"/>
-          </a:p>
-        </p:txBody>
-      </p:sp>
-      <p:sp>
-        <p:nvSpPr>
-          <p:cNvPr id="3" name="Content Placeholder 2">
-            <a:extLst>
-              <a:ext uri="{FF2B5EF4-FFF2-40B4-BE49-F238E27FC236}">
-                <a16:creationId xmlns:a16="http://schemas.microsoft.com/office/drawing/2014/main" id="{6892E690-D475-D40B-8703-37F06B207121}"/>
-              </a:ext>
-            </a:extLst>
-          </p:cNvPr>
-          <p:cNvSpPr>
-            <a:spLocks noGrp="1"/>
-          </p:cNvSpPr>
-          <p:nvPr>
-            <p:ph idx="1"/>
-          </p:nvPr>
-        </p:nvSpPr>
-        <p:spPr/>
-        <p:txBody>
-          <a:bodyPr/>
-          <a:lstStyle/>
-          <a:p>
-            <a:endParaRPr lang="en-US"/>
-          </a:p>
-        </p:txBody>
-      </p:sp>
-    </p:spTree>
-    <p:extLst>
-      <p:ext uri="{BB962C8B-B14F-4D97-AF65-F5344CB8AC3E}">
-        <p14:creationId xmlns:p14="http://schemas.microsoft.com/office/powerpoint/2010/main" val="1628688410"/>
-      </p:ext>
-    </p:extLst>
-  </p:cSld>
-  <p:clrMapOvr>
-    <a:masterClrMapping/>
-  </p:clrMapOvr>
-</p:sld>
-</file>
-
 <file path=ppt/slides/slide2.xml><?xml version="1.0" encoding="utf-8"?>
 <p:sld xmlns:a="http://schemas.openxmlformats.org/drawingml/2006/main" xmlns:r="http://schemas.openxmlformats.org/officeDocument/2006/relationships" xmlns:p="http://schemas.openxmlformats.org/presentationml/2006/main">
   <p:cSld>
@@ -11964,7 +8869,7 @@
           <p:cNvPr id="2" name="Title 1">
             <a:extLst>
               <a:ext uri="{FF2B5EF4-FFF2-40B4-BE49-F238E27FC236}">
-                <a16:creationId xmlns:a16="http://schemas.microsoft.com/office/drawing/2014/main" id="{ECF6289C-2E52-39F2-6C54-1595A2F10CB1}"/>
+                <a16:creationId xmlns:a16="http://schemas.microsoft.com/office/drawing/2014/main" id="{BECE0F58-F3EC-22C6-E6ED-198EA9A236EE}"/>
               </a:ext>
             </a:extLst>
           </p:cNvPr>
@@ -11982,573 +8887,77 @@
           <a:p>
             <a:r>
               <a:rPr lang="en-US" dirty="0"/>
-              <a:t>A Model is a Function</a:t>
-            </a:r>
-          </a:p>
-        </p:txBody>
-      </p:sp>
-      <mc:AlternateContent xmlns:mc="http://schemas.openxmlformats.org/markup-compatibility/2006" xmlns:a14="http://schemas.microsoft.com/office/drawing/2010/main">
-        <mc:Choice Requires="a14">
-          <p:sp>
-            <p:nvSpPr>
-              <p:cNvPr id="3" name="Content Placeholder 2">
-                <a:extLst>
-                  <a:ext uri="{FF2B5EF4-FFF2-40B4-BE49-F238E27FC236}">
-                    <a16:creationId xmlns:a16="http://schemas.microsoft.com/office/drawing/2014/main" id="{616D35F1-DF54-E8C4-4CB8-573FD3205775}"/>
-                  </a:ext>
-                </a:extLst>
-              </p:cNvPr>
-              <p:cNvSpPr>
-                <a:spLocks noGrp="1"/>
-              </p:cNvSpPr>
-              <p:nvPr>
-                <p:ph idx="1"/>
-              </p:nvPr>
-            </p:nvSpPr>
-            <p:spPr/>
-            <p:txBody>
-              <a:bodyPr>
-                <a:normAutofit/>
-              </a:bodyPr>
-              <a:lstStyle/>
-              <a:p>
-                <a:r>
-                  <a:rPr lang="en-US" dirty="0"/>
-                  <a:t>y=</a:t>
-                </a:r>
-                <a:r>
-                  <a:rPr lang="el-GR" dirty="0"/>
-                  <a:t>β</a:t>
-                </a:r>
-                <a:r>
-                  <a:rPr lang="el-GR" baseline="-25000" dirty="0"/>
-                  <a:t>0</a:t>
-                </a:r>
-                <a:r>
-                  <a:rPr lang="el-GR" dirty="0"/>
-                  <a:t>​+β</a:t>
-                </a:r>
-                <a:r>
-                  <a:rPr lang="el-GR" baseline="-25000" dirty="0"/>
-                  <a:t>1</a:t>
-                </a:r>
-                <a:r>
-                  <a:rPr lang="el-GR" dirty="0"/>
-                  <a:t>​</a:t>
-                </a:r>
-                <a:r>
-                  <a:rPr lang="en-US" dirty="0"/>
-                  <a:t>x</a:t>
-                </a:r>
-              </a:p>
-              <a:p>
-                <a:r>
-                  <a:rPr lang="en-US" dirty="0"/>
-                  <a:t>y=</a:t>
-                </a:r>
-                <a:r>
-                  <a:rPr lang="el-GR" dirty="0"/>
-                  <a:t>β</a:t>
-                </a:r>
-                <a:r>
-                  <a:rPr lang="el-GR" baseline="-25000" dirty="0"/>
-                  <a:t>0</a:t>
-                </a:r>
-                <a:r>
-                  <a:rPr lang="el-GR" dirty="0"/>
-                  <a:t>​+β</a:t>
-                </a:r>
-                <a:r>
-                  <a:rPr lang="el-GR" baseline="-25000" dirty="0"/>
-                  <a:t>1</a:t>
-                </a:r>
-                <a:r>
-                  <a:rPr lang="el-GR" dirty="0"/>
-                  <a:t>​</a:t>
-                </a:r>
-                <a:r>
-                  <a:rPr lang="en-US" dirty="0"/>
-                  <a:t>x</a:t>
-                </a:r>
-                <a:r>
-                  <a:rPr lang="en-US" baseline="-25000" dirty="0"/>
-                  <a:t>1</a:t>
-                </a:r>
-                <a:r>
-                  <a:rPr lang="en-US" dirty="0"/>
-                  <a:t>​+</a:t>
-                </a:r>
-                <a:r>
-                  <a:rPr lang="el-GR" dirty="0"/>
-                  <a:t>β</a:t>
-                </a:r>
-                <a:r>
-                  <a:rPr lang="el-GR" baseline="-25000" dirty="0"/>
-                  <a:t>2</a:t>
-                </a:r>
-                <a:r>
-                  <a:rPr lang="el-GR" dirty="0"/>
-                  <a:t>​</a:t>
-                </a:r>
-                <a:r>
-                  <a:rPr lang="en-US" dirty="0"/>
-                  <a:t>x</a:t>
-                </a:r>
-                <a:r>
-                  <a:rPr lang="en-US" baseline="-25000" dirty="0"/>
-                  <a:t>2</a:t>
-                </a:r>
-                <a:r>
-                  <a:rPr lang="en-US" dirty="0"/>
-                  <a:t>​+⋯+</a:t>
-                </a:r>
-                <a:r>
-                  <a:rPr lang="el-GR" dirty="0"/>
-                  <a:t>β</a:t>
-                </a:r>
-                <a:r>
-                  <a:rPr lang="en-US" baseline="-25000" dirty="0"/>
-                  <a:t>p</a:t>
-                </a:r>
-                <a:r>
-                  <a:rPr lang="en-US" dirty="0"/>
-                  <a:t>​</a:t>
-                </a:r>
-                <a:r>
-                  <a:rPr lang="en-US" dirty="0" err="1"/>
-                  <a:t>x</a:t>
-                </a:r>
-                <a:r>
-                  <a:rPr lang="en-US" baseline="-25000" dirty="0" err="1"/>
-                  <a:t>p</a:t>
-                </a:r>
-                <a:r>
-                  <a:rPr lang="en-US" dirty="0"/>
-                  <a:t>​</a:t>
-                </a:r>
-              </a:p>
-              <a:p>
-                <a:r>
-                  <a:rPr lang="en-US" dirty="0"/>
-                  <a:t>y=</a:t>
-                </a:r>
-                <a:r>
-                  <a:rPr lang="el-GR" dirty="0"/>
-                  <a:t>β</a:t>
-                </a:r>
-                <a:r>
-                  <a:rPr lang="el-GR" baseline="-25000" dirty="0"/>
-                  <a:t>0</a:t>
-                </a:r>
-                <a:r>
-                  <a:rPr lang="el-GR" dirty="0"/>
-                  <a:t>​+β</a:t>
-                </a:r>
-                <a:r>
-                  <a:rPr lang="el-GR" baseline="-25000" dirty="0"/>
-                  <a:t>1</a:t>
-                </a:r>
-                <a:r>
-                  <a:rPr lang="el-GR" dirty="0"/>
-                  <a:t>​</a:t>
-                </a:r>
-                <a:r>
-                  <a:rPr lang="en-US" dirty="0"/>
-                  <a:t>x+</a:t>
-                </a:r>
-                <a:r>
-                  <a:rPr lang="el-GR" dirty="0"/>
-                  <a:t>β</a:t>
-                </a:r>
-                <a:r>
-                  <a:rPr lang="el-GR" baseline="-25000" dirty="0"/>
-                  <a:t>2</a:t>
-                </a:r>
-                <a:r>
-                  <a:rPr lang="el-GR" dirty="0"/>
-                  <a:t>​</a:t>
-                </a:r>
-                <a:r>
-                  <a:rPr lang="en-US" dirty="0"/>
-                  <a:t>x</a:t>
-                </a:r>
-                <a:r>
-                  <a:rPr lang="en-US" baseline="30000" dirty="0"/>
-                  <a:t>2</a:t>
-                </a:r>
-              </a:p>
-              <a:p>
-                <a:r>
-                  <a:rPr lang="en-US" dirty="0"/>
-                  <a:t>y=</a:t>
-                </a:r>
-                <a:r>
-                  <a:rPr lang="el-GR" dirty="0"/>
-                  <a:t>β</a:t>
-                </a:r>
-                <a:r>
-                  <a:rPr lang="el-GR" baseline="-25000" dirty="0"/>
-                  <a:t>0</a:t>
-                </a:r>
-                <a:r>
-                  <a:rPr lang="el-GR" dirty="0"/>
-                  <a:t>​+β</a:t>
-                </a:r>
-                <a:r>
-                  <a:rPr lang="el-GR" baseline="-25000" dirty="0"/>
-                  <a:t>1</a:t>
-                </a:r>
-                <a:r>
-                  <a:rPr lang="el-GR" dirty="0"/>
-                  <a:t>​</a:t>
-                </a:r>
-                <a:r>
-                  <a:rPr lang="en-US" dirty="0"/>
-                  <a:t>x+</a:t>
-                </a:r>
-                <a:r>
-                  <a:rPr lang="el-GR" dirty="0"/>
-                  <a:t>β</a:t>
-                </a:r>
-                <a:r>
-                  <a:rPr lang="el-GR" baseline="-25000" dirty="0"/>
-                  <a:t>2</a:t>
-                </a:r>
-                <a:r>
-                  <a:rPr lang="el-GR" dirty="0"/>
-                  <a:t>​</a:t>
-                </a:r>
-                <a:r>
-                  <a:rPr lang="en-US" dirty="0"/>
-                  <a:t>x</a:t>
-                </a:r>
-                <a:r>
-                  <a:rPr lang="en-US" baseline="30000" dirty="0"/>
-                  <a:t>2</a:t>
-                </a:r>
-                <a:r>
-                  <a:rPr lang="en-US" dirty="0"/>
-                  <a:t>+</a:t>
-                </a:r>
-                <a:r>
-                  <a:rPr lang="el-GR" dirty="0"/>
-                  <a:t>β</a:t>
-                </a:r>
-                <a:r>
-                  <a:rPr lang="el-GR" baseline="-25000" dirty="0"/>
-                  <a:t>3</a:t>
-                </a:r>
-                <a:r>
-                  <a:rPr lang="el-GR" dirty="0"/>
-                  <a:t>​</a:t>
-                </a:r>
-                <a:r>
-                  <a:rPr lang="en-US" dirty="0"/>
-                  <a:t>x</a:t>
-                </a:r>
-                <a:r>
-                  <a:rPr lang="en-US" baseline="30000" dirty="0"/>
-                  <a:t>3</a:t>
-                </a:r>
-                <a:r>
-                  <a:rPr lang="en-US" dirty="0"/>
-                  <a:t>+⋯+</a:t>
-                </a:r>
-                <a:r>
-                  <a:rPr lang="el-GR" dirty="0"/>
-                  <a:t>β</a:t>
-                </a:r>
-                <a:r>
-                  <a:rPr lang="en-US" baseline="-25000" dirty="0"/>
-                  <a:t>k</a:t>
-                </a:r>
-                <a:r>
-                  <a:rPr lang="en-US" dirty="0"/>
-                  <a:t>​</a:t>
-                </a:r>
-                <a:r>
-                  <a:rPr lang="en-US" dirty="0" err="1"/>
-                  <a:t>x</a:t>
-                </a:r>
-                <a:r>
-                  <a:rPr lang="en-US" baseline="30000" dirty="0" err="1"/>
-                  <a:t>k</a:t>
-                </a:r>
-                <a:r>
-                  <a:rPr lang="en-US" dirty="0"/>
-                  <a:t> </a:t>
-                </a:r>
-              </a:p>
-              <a:p>
-                <a14:m>
-                  <m:oMath xmlns:m="http://schemas.openxmlformats.org/officeDocument/2006/math">
-                    <m:r>
-                      <a:rPr lang="en-US" i="1" smtClean="0">
-                        <a:latin typeface="Cambria Math" panose="02040503050406030204" pitchFamily="18" charset="0"/>
-                      </a:rPr>
-                      <m:t>𝑝</m:t>
-                    </m:r>
-                    <m:d>
-                      <m:dPr>
-                        <m:ctrlPr>
-                          <a:rPr lang="en-US" i="1">
-                            <a:latin typeface="Cambria Math" panose="02040503050406030204" pitchFamily="18" charset="0"/>
-                          </a:rPr>
-                        </m:ctrlPr>
-                      </m:dPr>
-                      <m:e>
-                        <m:r>
-                          <a:rPr lang="en-US" i="1">
-                            <a:latin typeface="Cambria Math" panose="02040503050406030204" pitchFamily="18" charset="0"/>
-                          </a:rPr>
-                          <m:t>𝑥</m:t>
-                        </m:r>
-                      </m:e>
-                    </m:d>
-                    <m:r>
-                      <a:rPr lang="en-US" i="1">
-                        <a:latin typeface="Cambria Math" panose="02040503050406030204" pitchFamily="18" charset="0"/>
-                      </a:rPr>
-                      <m:t>=</m:t>
-                    </m:r>
-                    <m:f>
-                      <m:fPr>
-                        <m:ctrlPr>
-                          <a:rPr lang="en-US" i="1">
-                            <a:latin typeface="Cambria Math" panose="02040503050406030204" pitchFamily="18" charset="0"/>
-                          </a:rPr>
-                        </m:ctrlPr>
-                      </m:fPr>
-                      <m:num>
-                        <m:sSup>
-                          <m:sSupPr>
-                            <m:ctrlPr>
-                              <a:rPr lang="en-US" i="1">
-                                <a:latin typeface="Cambria Math" panose="02040503050406030204" pitchFamily="18" charset="0"/>
-                              </a:rPr>
-                            </m:ctrlPr>
-                          </m:sSupPr>
-                          <m:e>
-                            <m:r>
-                              <a:rPr lang="en-US" i="1">
-                                <a:latin typeface="Cambria Math" panose="02040503050406030204" pitchFamily="18" charset="0"/>
-                              </a:rPr>
-                              <m:t>𝑒</m:t>
-                            </m:r>
-                          </m:e>
-                          <m:sup>
-                            <m:sSub>
-                              <m:sSubPr>
-                                <m:ctrlPr>
-                                  <a:rPr lang="en-US" i="1">
-                                    <a:latin typeface="Cambria Math" panose="02040503050406030204" pitchFamily="18" charset="0"/>
-                                  </a:rPr>
-                                </m:ctrlPr>
-                              </m:sSubPr>
-                              <m:e>
-                                <m:r>
-                                  <a:rPr lang="en-US" i="1">
-                                    <a:latin typeface="Cambria Math" panose="02040503050406030204" pitchFamily="18" charset="0"/>
-                                  </a:rPr>
-                                  <m:t>𝛽</m:t>
-                                </m:r>
-                              </m:e>
-                              <m:sub>
-                                <m:r>
-                                  <a:rPr lang="en-US" i="1">
-                                    <a:latin typeface="Cambria Math" panose="02040503050406030204" pitchFamily="18" charset="0"/>
-                                  </a:rPr>
-                                  <m:t>0</m:t>
-                                </m:r>
-                              </m:sub>
-                            </m:sSub>
-                            <m:r>
-                              <a:rPr lang="en-US" i="1">
-                                <a:latin typeface="Cambria Math" panose="02040503050406030204" pitchFamily="18" charset="0"/>
-                              </a:rPr>
-                              <m:t>+</m:t>
-                            </m:r>
-                            <m:sSub>
-                              <m:sSubPr>
-                                <m:ctrlPr>
-                                  <a:rPr lang="en-US" i="1">
-                                    <a:latin typeface="Cambria Math" panose="02040503050406030204" pitchFamily="18" charset="0"/>
-                                  </a:rPr>
-                                </m:ctrlPr>
-                              </m:sSubPr>
-                              <m:e>
-                                <m:r>
-                                  <a:rPr lang="en-US" i="1">
-                                    <a:latin typeface="Cambria Math" panose="02040503050406030204" pitchFamily="18" charset="0"/>
-                                  </a:rPr>
-                                  <m:t>𝛽</m:t>
-                                </m:r>
-                              </m:e>
-                              <m:sub>
-                                <m:r>
-                                  <a:rPr lang="en-US" i="1">
-                                    <a:latin typeface="Cambria Math" panose="02040503050406030204" pitchFamily="18" charset="0"/>
-                                  </a:rPr>
-                                  <m:t>1</m:t>
-                                </m:r>
-                              </m:sub>
-                            </m:sSub>
-                            <m:r>
-                              <a:rPr lang="en-US" i="1">
-                                <a:latin typeface="Cambria Math" panose="02040503050406030204" pitchFamily="18" charset="0"/>
-                              </a:rPr>
-                              <m:t>𝑥</m:t>
-                            </m:r>
-                          </m:sup>
-                        </m:sSup>
-                      </m:num>
-                      <m:den>
-                        <m:r>
-                          <a:rPr lang="en-US" i="1">
-                            <a:latin typeface="Cambria Math" panose="02040503050406030204" pitchFamily="18" charset="0"/>
-                          </a:rPr>
-                          <m:t>1+</m:t>
-                        </m:r>
-                        <m:sSup>
-                          <m:sSupPr>
-                            <m:ctrlPr>
-                              <a:rPr lang="en-US" i="1">
-                                <a:latin typeface="Cambria Math" panose="02040503050406030204" pitchFamily="18" charset="0"/>
-                              </a:rPr>
-                            </m:ctrlPr>
-                          </m:sSupPr>
-                          <m:e>
-                            <m:r>
-                              <a:rPr lang="en-US" i="1">
-                                <a:latin typeface="Cambria Math" panose="02040503050406030204" pitchFamily="18" charset="0"/>
-                              </a:rPr>
-                              <m:t>𝑒</m:t>
-                            </m:r>
-                          </m:e>
-                          <m:sup>
-                            <m:sSub>
-                              <m:sSubPr>
-                                <m:ctrlPr>
-                                  <a:rPr lang="en-US" i="1">
-                                    <a:latin typeface="Cambria Math" panose="02040503050406030204" pitchFamily="18" charset="0"/>
-                                  </a:rPr>
-                                </m:ctrlPr>
-                              </m:sSubPr>
-                              <m:e>
-                                <m:r>
-                                  <a:rPr lang="en-US" i="1">
-                                    <a:latin typeface="Cambria Math" panose="02040503050406030204" pitchFamily="18" charset="0"/>
-                                  </a:rPr>
-                                  <m:t>𝛽</m:t>
-                                </m:r>
-                              </m:e>
-                              <m:sub>
-                                <m:r>
-                                  <a:rPr lang="en-US" i="1">
-                                    <a:latin typeface="Cambria Math" panose="02040503050406030204" pitchFamily="18" charset="0"/>
-                                  </a:rPr>
-                                  <m:t>0</m:t>
-                                </m:r>
-                              </m:sub>
-                            </m:sSub>
-                            <m:r>
-                              <a:rPr lang="en-US" i="1">
-                                <a:latin typeface="Cambria Math" panose="02040503050406030204" pitchFamily="18" charset="0"/>
-                              </a:rPr>
-                              <m:t>+</m:t>
-                            </m:r>
-                            <m:sSub>
-                              <m:sSubPr>
-                                <m:ctrlPr>
-                                  <a:rPr lang="en-US" i="1">
-                                    <a:latin typeface="Cambria Math" panose="02040503050406030204" pitchFamily="18" charset="0"/>
-                                  </a:rPr>
-                                </m:ctrlPr>
-                              </m:sSubPr>
-                              <m:e>
-                                <m:r>
-                                  <a:rPr lang="en-US" i="1">
-                                    <a:latin typeface="Cambria Math" panose="02040503050406030204" pitchFamily="18" charset="0"/>
-                                  </a:rPr>
-                                  <m:t>𝛽</m:t>
-                                </m:r>
-                              </m:e>
-                              <m:sub>
-                                <m:r>
-                                  <a:rPr lang="en-US" i="1">
-                                    <a:latin typeface="Cambria Math" panose="02040503050406030204" pitchFamily="18" charset="0"/>
-                                  </a:rPr>
-                                  <m:t>1</m:t>
-                                </m:r>
-                              </m:sub>
-                            </m:sSub>
-                            <m:r>
-                              <a:rPr lang="en-US" i="1">
-                                <a:latin typeface="Cambria Math" panose="02040503050406030204" pitchFamily="18" charset="0"/>
-                              </a:rPr>
-                              <m:t>𝑥</m:t>
-                            </m:r>
-                          </m:sup>
-                        </m:sSup>
-                      </m:den>
-                    </m:f>
-                  </m:oMath>
-                </a14:m>
-                <a:endParaRPr lang="en-US" dirty="0"/>
-              </a:p>
-              <a:p>
-                <a:r>
-                  <a:rPr lang="en-US" dirty="0"/>
-                  <a:t>So far …</a:t>
-                </a:r>
-              </a:p>
-            </p:txBody>
-          </p:sp>
-        </mc:Choice>
-        <mc:Fallback xmlns="">
-          <p:sp>
-            <p:nvSpPr>
-              <p:cNvPr id="3" name="Content Placeholder 2">
-                <a:extLst>
-                  <a:ext uri="{FF2B5EF4-FFF2-40B4-BE49-F238E27FC236}">
-                    <a16:creationId xmlns:a16="http://schemas.microsoft.com/office/drawing/2014/main" id="{616D35F1-DF54-E8C4-4CB8-573FD3205775}"/>
-                  </a:ext>
-                </a:extLst>
-              </p:cNvPr>
-              <p:cNvSpPr>
-                <a:spLocks noGrp="1" noRot="1" noChangeAspect="1" noMove="1" noResize="1" noEditPoints="1" noAdjustHandles="1" noChangeArrowheads="1" noChangeShapeType="1" noTextEdit="1"/>
-              </p:cNvSpPr>
-              <p:nvPr>
-                <p:ph idx="1"/>
-              </p:nvPr>
-            </p:nvSpPr>
-            <p:spPr>
-              <a:blipFill>
-                <a:blip r:embed="rId2"/>
-                <a:stretch>
-                  <a:fillRect l="-792" t="-2105"/>
-                </a:stretch>
-              </a:blipFill>
-            </p:spPr>
-            <p:txBody>
-              <a:bodyPr/>
-              <a:lstStyle/>
-              <a:p>
-                <a:r>
-                  <a:rPr lang="en-US">
-                    <a:noFill/>
-                  </a:rPr>
-                  <a:t> </a:t>
-                </a:r>
-              </a:p>
-            </p:txBody>
-          </p:sp>
-        </mc:Fallback>
-      </mc:AlternateContent>
+              <a:t>Types of Machine Learning Algorithms</a:t>
+            </a:r>
+          </a:p>
+        </p:txBody>
+      </p:sp>
+      <p:sp>
+        <p:nvSpPr>
+          <p:cNvPr id="3" name="Content Placeholder 2">
+            <a:extLst>
+              <a:ext uri="{FF2B5EF4-FFF2-40B4-BE49-F238E27FC236}">
+                <a16:creationId xmlns:a16="http://schemas.microsoft.com/office/drawing/2014/main" id="{6892E690-D475-D40B-8703-37F06B207121}"/>
+              </a:ext>
+            </a:extLst>
+          </p:cNvPr>
+          <p:cNvSpPr>
+            <a:spLocks noGrp="1"/>
+          </p:cNvSpPr>
+          <p:nvPr>
+            <p:ph idx="1"/>
+          </p:nvPr>
+        </p:nvSpPr>
+        <p:spPr/>
+        <p:txBody>
+          <a:bodyPr/>
+          <a:lstStyle/>
+          <a:p>
+            <a:r>
+              <a:rPr lang="en-US" dirty="0"/>
+              <a:t>Supervised: Trained on Labeled Data</a:t>
+            </a:r>
+          </a:p>
+          <a:p>
+            <a:pPr lvl="1"/>
+            <a:r>
+              <a:rPr lang="en-US" dirty="0"/>
+              <a:t>Example: Regression</a:t>
+            </a:r>
+          </a:p>
+          <a:p>
+            <a:r>
+              <a:rPr lang="en-US" dirty="0"/>
+              <a:t>Unsupervised: Trained on Unlabeled Data</a:t>
+            </a:r>
+          </a:p>
+          <a:p>
+            <a:pPr lvl="1"/>
+            <a:r>
+              <a:rPr lang="en-US" dirty="0"/>
+              <a:t>Example: K-Means</a:t>
+            </a:r>
+          </a:p>
+          <a:p>
+            <a:pPr lvl="2"/>
+            <a:r>
+              <a:rPr lang="en-US" dirty="0"/>
+              <a:t>Given data but no labels, K-Means can discover clusters</a:t>
+            </a:r>
+          </a:p>
+          <a:p>
+            <a:pPr lvl="3"/>
+            <a:r>
+              <a:rPr lang="en-US" dirty="0"/>
+              <a:t>Budget-Conscious Shoppers vs. High-Spending Occasional Buyers</a:t>
+            </a:r>
+          </a:p>
+        </p:txBody>
+      </p:sp>
     </p:spTree>
     <p:extLst>
       <p:ext uri="{BB962C8B-B14F-4D97-AF65-F5344CB8AC3E}">
-        <p14:creationId xmlns:p14="http://schemas.microsoft.com/office/powerpoint/2010/main" val="2248524106"/>
+        <p14:creationId xmlns:p14="http://schemas.microsoft.com/office/powerpoint/2010/main" val="1628688410"/>
       </p:ext>
     </p:extLst>
   </p:cSld>
@@ -12580,7 +8989,7 @@
           <p:cNvPr id="2" name="Title 1">
             <a:extLst>
               <a:ext uri="{FF2B5EF4-FFF2-40B4-BE49-F238E27FC236}">
-                <a16:creationId xmlns:a16="http://schemas.microsoft.com/office/drawing/2014/main" id="{A847450D-C4B3-4F03-82AE-6D4C46209FB9}"/>
+                <a16:creationId xmlns:a16="http://schemas.microsoft.com/office/drawing/2014/main" id="{F2CC8B2D-DE34-19FD-0293-C87EF762F23D}"/>
               </a:ext>
             </a:extLst>
           </p:cNvPr>
@@ -12591,19 +9000,14 @@
             <p:ph type="title"/>
           </p:nvPr>
         </p:nvSpPr>
-        <p:spPr>
-          <a:xfrm>
-            <a:off x="445371" y="914477"/>
-            <a:ext cx="9613861" cy="1080938"/>
-          </a:xfrm>
-        </p:spPr>
+        <p:spPr/>
         <p:txBody>
           <a:bodyPr/>
           <a:lstStyle/>
           <a:p>
             <a:r>
               <a:rPr lang="en-US" dirty="0"/>
-              <a:t>Which Model is Best?</a:t>
+              <a:t>Two Types of Supervised ML Algorithms</a:t>
             </a:r>
           </a:p>
         </p:txBody>
@@ -12613,7 +9017,7 @@
           <p:cNvPr id="3" name="Content Placeholder 2">
             <a:extLst>
               <a:ext uri="{FF2B5EF4-FFF2-40B4-BE49-F238E27FC236}">
-                <a16:creationId xmlns:a16="http://schemas.microsoft.com/office/drawing/2014/main" id="{6A3FB4F6-E5BD-6308-7E64-529D56DF41B9}"/>
+                <a16:creationId xmlns:a16="http://schemas.microsoft.com/office/drawing/2014/main" id="{C96A0EB4-E0EC-6DAB-6650-AD480335A8E6}"/>
               </a:ext>
             </a:extLst>
           </p:cNvPr>
@@ -12624,39 +9028,20 @@
             <p:ph idx="1"/>
           </p:nvPr>
         </p:nvSpPr>
-        <p:spPr>
-          <a:xfrm>
-            <a:off x="331071" y="2203523"/>
-            <a:ext cx="9613861" cy="3599316"/>
-          </a:xfrm>
-        </p:spPr>
+        <p:spPr/>
         <p:txBody>
           <a:bodyPr/>
           <a:lstStyle/>
           <a:p>
             <a:r>
               <a:rPr lang="en-US" dirty="0"/>
-              <a:t>Underfit: Model is too simple.  Misses complexity</a:t>
+              <a:t>Regression: used with numerical data</a:t>
             </a:r>
           </a:p>
           <a:p>
             <a:r>
               <a:rPr lang="en-US" dirty="0"/>
-              <a:t>Overfit: </a:t>
-            </a:r>
-          </a:p>
-          <a:p>
-            <a:pPr lvl="1"/>
-            <a:r>
-              <a:rPr lang="en-US" dirty="0"/>
-              <a:t>Model is too complex, fits the data too closely</a:t>
-            </a:r>
-          </a:p>
-          <a:p>
-            <a:pPr lvl="1"/>
-            <a:r>
-              <a:rPr lang="en-US" dirty="0"/>
-              <a:t>Misses general trends</a:t>
+              <a:t>Classification: used with categorical values</a:t>
             </a:r>
           </a:p>
         </p:txBody>
@@ -12664,7 +9049,7 @@
     </p:spTree>
     <p:extLst>
       <p:ext uri="{BB962C8B-B14F-4D97-AF65-F5344CB8AC3E}">
-        <p14:creationId xmlns:p14="http://schemas.microsoft.com/office/powerpoint/2010/main" val="2541482"/>
+        <p14:creationId xmlns:p14="http://schemas.microsoft.com/office/powerpoint/2010/main" val="3873823099"/>
       </p:ext>
     </p:extLst>
   </p:cSld>
@@ -12696,7 +9081,7 @@
           <p:cNvPr id="2" name="Title 1">
             <a:extLst>
               <a:ext uri="{FF2B5EF4-FFF2-40B4-BE49-F238E27FC236}">
-                <a16:creationId xmlns:a16="http://schemas.microsoft.com/office/drawing/2014/main" id="{95C6BB50-F6C6-5810-6DBC-2E10B614A68F}"/>
+                <a16:creationId xmlns:a16="http://schemas.microsoft.com/office/drawing/2014/main" id="{14035E46-3AF9-1EDC-B8C7-BCF7D8FC743C}"/>
               </a:ext>
             </a:extLst>
           </p:cNvPr>
@@ -12714,44 +9099,56 @@
           <a:p>
             <a:r>
               <a:rPr lang="en-US" dirty="0"/>
-              <a:t>Too Simple: Underfit</a:t>
-            </a:r>
-          </a:p>
-        </p:txBody>
-      </p:sp>
-      <p:pic>
-        <p:nvPicPr>
-          <p:cNvPr id="5" name="Content Placeholder 4" descr="A blue line with black dots&#10;&#10;AI-generated content may be incorrect.">
+              <a:t>Training</a:t>
+            </a:r>
+          </a:p>
+        </p:txBody>
+      </p:sp>
+      <p:sp>
+        <p:nvSpPr>
+          <p:cNvPr id="3" name="Content Placeholder 2">
             <a:extLst>
               <a:ext uri="{FF2B5EF4-FFF2-40B4-BE49-F238E27FC236}">
-                <a16:creationId xmlns:a16="http://schemas.microsoft.com/office/drawing/2014/main" id="{9BF5F642-E9B5-E369-CC5B-3FEFFF71B7F4}"/>
+                <a16:creationId xmlns:a16="http://schemas.microsoft.com/office/drawing/2014/main" id="{E8457C1A-58F9-18EB-A957-D07E1740E2C0}"/>
               </a:ext>
             </a:extLst>
           </p:cNvPr>
-          <p:cNvPicPr>
-            <a:picLocks noGrp="1" noChangeAspect="1"/>
-          </p:cNvPicPr>
+          <p:cNvSpPr>
+            <a:spLocks noGrp="1"/>
+          </p:cNvSpPr>
           <p:nvPr>
             <p:ph idx="1"/>
           </p:nvPr>
-        </p:nvPicPr>
-        <p:blipFill>
-          <a:blip r:embed="rId2"/>
-          <a:stretch>
-            <a:fillRect/>
-          </a:stretch>
-        </p:blipFill>
-        <p:spPr>
-          <a:xfrm>
-            <a:off x="2414588" y="2002631"/>
-            <a:ext cx="4902200" cy="3429000"/>
-          </a:xfrm>
-        </p:spPr>
-      </p:pic>
+        </p:nvSpPr>
+        <p:spPr/>
+        <p:txBody>
+          <a:bodyPr/>
+          <a:lstStyle/>
+          <a:p>
+            <a:r>
+              <a:rPr lang="en-US" dirty="0"/>
+              <a:t>Process of estimating model parameters to make a prediction</a:t>
+            </a:r>
+          </a:p>
+          <a:p>
+            <a:pPr lvl="1"/>
+            <a:r>
+              <a:rPr lang="en-US" dirty="0"/>
+              <a:t>We did this with slope and intercept parameters in linear regression</a:t>
+            </a:r>
+          </a:p>
+          <a:p>
+            <a:pPr marL="457200" lvl="1" indent="0">
+              <a:buNone/>
+            </a:pPr>
+            <a:endParaRPr lang="en-US" dirty="0"/>
+          </a:p>
+        </p:txBody>
+      </p:sp>
     </p:spTree>
     <p:extLst>
       <p:ext uri="{BB962C8B-B14F-4D97-AF65-F5344CB8AC3E}">
-        <p14:creationId xmlns:p14="http://schemas.microsoft.com/office/powerpoint/2010/main" val="2544486858"/>
+        <p14:creationId xmlns:p14="http://schemas.microsoft.com/office/powerpoint/2010/main" val="2394625923"/>
       </p:ext>
     </p:extLst>
   </p:cSld>
@@ -12783,7 +9180,7 @@
           <p:cNvPr id="2" name="Title 1">
             <a:extLst>
               <a:ext uri="{FF2B5EF4-FFF2-40B4-BE49-F238E27FC236}">
-                <a16:creationId xmlns:a16="http://schemas.microsoft.com/office/drawing/2014/main" id="{395F0EC2-178C-3E10-7285-32483C02836F}"/>
+                <a16:creationId xmlns:a16="http://schemas.microsoft.com/office/drawing/2014/main" id="{8D26F409-463D-2D07-1260-EE10BF2294C5}"/>
               </a:ext>
             </a:extLst>
           </p:cNvPr>
@@ -12801,44 +9198,133 @@
           <a:p>
             <a:r>
               <a:rPr lang="en-US" dirty="0"/>
-              <a:t>Too Complex: Overfit</a:t>
-            </a:r>
-          </a:p>
-        </p:txBody>
-      </p:sp>
-      <p:pic>
-        <p:nvPicPr>
-          <p:cNvPr id="5" name="Content Placeholder 4" descr="A graph with a line and dots&#10;&#10;AI-generated content may be incorrect.">
+              <a:t>Validating</a:t>
+            </a:r>
+          </a:p>
+        </p:txBody>
+      </p:sp>
+      <p:sp>
+        <p:nvSpPr>
+          <p:cNvPr id="3" name="Content Placeholder 2">
             <a:extLst>
               <a:ext uri="{FF2B5EF4-FFF2-40B4-BE49-F238E27FC236}">
-                <a16:creationId xmlns:a16="http://schemas.microsoft.com/office/drawing/2014/main" id="{6D0C9EE7-DADD-C817-6B7F-D1406C22E452}"/>
+                <a16:creationId xmlns:a16="http://schemas.microsoft.com/office/drawing/2014/main" id="{440C220E-0F5B-FC14-85AC-84150ADE6B95}"/>
               </a:ext>
             </a:extLst>
           </p:cNvPr>
-          <p:cNvPicPr>
-            <a:picLocks noGrp="1" noChangeAspect="1"/>
-          </p:cNvPicPr>
+          <p:cNvSpPr>
+            <a:spLocks noGrp="1"/>
+          </p:cNvSpPr>
           <p:nvPr>
             <p:ph idx="1"/>
           </p:nvPr>
-        </p:nvPicPr>
-        <p:blipFill>
-          <a:blip r:embed="rId2"/>
-          <a:stretch>
-            <a:fillRect/>
-          </a:stretch>
-        </p:blipFill>
-        <p:spPr>
-          <a:xfrm>
-            <a:off x="2058988" y="2288381"/>
-            <a:ext cx="4902200" cy="3429000"/>
-          </a:xfrm>
-        </p:spPr>
-      </p:pic>
+        </p:nvSpPr>
+        <p:spPr/>
+        <p:txBody>
+          <a:bodyPr/>
+          <a:lstStyle/>
+          <a:p>
+            <a:r>
+              <a:rPr lang="en-US" dirty="0"/>
+              <a:t>Experiment iteratively with hyperparameter tuning</a:t>
+            </a:r>
+          </a:p>
+          <a:p>
+            <a:pPr lvl="1"/>
+            <a:r>
+              <a:rPr lang="en-US" b="1" dirty="0"/>
+              <a:t>Learning rate (</a:t>
+            </a:r>
+            <a:r>
+              <a:rPr lang="el-GR" b="1" dirty="0"/>
+              <a:t>α)</a:t>
+            </a:r>
+            <a:r>
+              <a:rPr lang="el-GR" dirty="0"/>
+              <a:t> – </a:t>
+            </a:r>
+            <a:r>
+              <a:rPr lang="en-US" dirty="0"/>
+              <a:t>controls how big a step the algorithm takes when updating weights.</a:t>
+            </a:r>
+          </a:p>
+          <a:p>
+            <a:pPr lvl="1"/>
+            <a:r>
+              <a:rPr lang="en-US" b="1" dirty="0"/>
+              <a:t>Number of epochs</a:t>
+            </a:r>
+            <a:r>
+              <a:rPr lang="en-US" dirty="0"/>
+              <a:t> – how many times the model sees the full training data during learning.</a:t>
+            </a:r>
+          </a:p>
+          <a:p>
+            <a:pPr lvl="1"/>
+            <a:r>
+              <a:rPr lang="en-US" b="1" dirty="0"/>
+              <a:t>Regularization strength (</a:t>
+            </a:r>
+            <a:r>
+              <a:rPr lang="el-GR" b="1" dirty="0"/>
+              <a:t>λ)</a:t>
+            </a:r>
+            <a:r>
+              <a:rPr lang="el-GR" dirty="0"/>
+              <a:t> – </a:t>
+            </a:r>
+            <a:r>
+              <a:rPr lang="en-US" dirty="0"/>
+              <a:t>controls how much the model is penalized for complexity to prevent overfitting.</a:t>
+            </a:r>
+          </a:p>
+          <a:p>
+            <a:pPr lvl="1"/>
+            <a:r>
+              <a:rPr lang="en-US" b="1" dirty="0"/>
+              <a:t>Feature selection</a:t>
+            </a:r>
+            <a:r>
+              <a:rPr lang="en-US" dirty="0"/>
+              <a:t> controls </a:t>
+            </a:r>
+            <a:r>
+              <a:rPr lang="en-US" i="1" dirty="0"/>
+              <a:t>what</a:t>
+            </a:r>
+            <a:r>
+              <a:rPr lang="en-US" dirty="0"/>
+              <a:t> a model learns from (which variables are included)</a:t>
+            </a:r>
+          </a:p>
+          <a:p>
+            <a:pPr lvl="1"/>
+            <a:r>
+              <a:rPr lang="en-US" b="1" dirty="0"/>
+              <a:t>Optimizer choice</a:t>
+            </a:r>
+            <a:r>
+              <a:rPr lang="en-US" dirty="0"/>
+              <a:t> – determines </a:t>
+            </a:r>
+            <a:r>
+              <a:rPr lang="en-US" b="1" dirty="0"/>
+              <a:t>how the model updates its parameters</a:t>
+            </a:r>
+            <a:r>
+              <a:rPr lang="en-US" dirty="0"/>
+              <a:t> during training.</a:t>
+            </a:r>
+          </a:p>
+          <a:p>
+            <a:endParaRPr lang="en-US" dirty="0"/>
+          </a:p>
+        </p:txBody>
+      </p:sp>
     </p:spTree>
     <p:extLst>
       <p:ext uri="{BB962C8B-B14F-4D97-AF65-F5344CB8AC3E}">
-        <p14:creationId xmlns:p14="http://schemas.microsoft.com/office/powerpoint/2010/main" val="2163000918"/>
+        <p14:creationId xmlns:p14="http://schemas.microsoft.com/office/powerpoint/2010/main" val="1072288593"/>
       </p:ext>
     </p:extLst>
   </p:cSld>
@@ -12870,7 +9356,7 @@
           <p:cNvPr id="2" name="Title 1">
             <a:extLst>
               <a:ext uri="{FF2B5EF4-FFF2-40B4-BE49-F238E27FC236}">
-                <a16:creationId xmlns:a16="http://schemas.microsoft.com/office/drawing/2014/main" id="{FCAAE469-5A56-1583-0AAB-0D290A24AE0D}"/>
+                <a16:creationId xmlns:a16="http://schemas.microsoft.com/office/drawing/2014/main" id="{3E1D10ED-E3F7-B105-583A-B3F91F202F9C}"/>
               </a:ext>
             </a:extLst>
           </p:cNvPr>
@@ -12888,44 +9374,43 @@
           <a:p>
             <a:r>
               <a:rPr lang="en-US" dirty="0"/>
-              <a:t>Just Right: An Optimal Model</a:t>
-            </a:r>
-          </a:p>
-        </p:txBody>
-      </p:sp>
-      <p:pic>
-        <p:nvPicPr>
-          <p:cNvPr id="5" name="Content Placeholder 4" descr="A blue line with black dots&#10;&#10;AI-generated content may be incorrect.">
+              <a:t>Testing</a:t>
+            </a:r>
+          </a:p>
+        </p:txBody>
+      </p:sp>
+      <p:sp>
+        <p:nvSpPr>
+          <p:cNvPr id="3" name="Content Placeholder 2">
             <a:extLst>
               <a:ext uri="{FF2B5EF4-FFF2-40B4-BE49-F238E27FC236}">
-                <a16:creationId xmlns:a16="http://schemas.microsoft.com/office/drawing/2014/main" id="{DE9C7599-7C6A-F0C3-6C19-2D8B5380149C}"/>
+                <a16:creationId xmlns:a16="http://schemas.microsoft.com/office/drawing/2014/main" id="{E8DEAD7E-B904-7D72-623B-40D610B85C81}"/>
               </a:ext>
             </a:extLst>
           </p:cNvPr>
-          <p:cNvPicPr>
-            <a:picLocks noGrp="1" noChangeAspect="1"/>
-          </p:cNvPicPr>
+          <p:cNvSpPr>
+            <a:spLocks noGrp="1"/>
+          </p:cNvSpPr>
           <p:nvPr>
             <p:ph idx="1"/>
           </p:nvPr>
-        </p:nvPicPr>
-        <p:blipFill>
-          <a:blip r:embed="rId2"/>
-          <a:stretch>
-            <a:fillRect/>
-          </a:stretch>
-        </p:blipFill>
-        <p:spPr>
-          <a:xfrm>
-            <a:off x="3036888" y="2421731"/>
-            <a:ext cx="4902200" cy="3429000"/>
-          </a:xfrm>
-        </p:spPr>
-      </p:pic>
+        </p:nvSpPr>
+        <p:spPr/>
+        <p:txBody>
+          <a:bodyPr/>
+          <a:lstStyle/>
+          <a:p>
+            <a:r>
+              <a:rPr lang="en-US" dirty="0"/>
+              <a:t>Evaluates the final model on unseen data (test set) to measure true performance and generalization.</a:t>
+            </a:r>
+          </a:p>
+        </p:txBody>
+      </p:sp>
     </p:spTree>
     <p:extLst>
       <p:ext uri="{BB962C8B-B14F-4D97-AF65-F5344CB8AC3E}">
-        <p14:creationId xmlns:p14="http://schemas.microsoft.com/office/powerpoint/2010/main" val="856283192"/>
+        <p14:creationId xmlns:p14="http://schemas.microsoft.com/office/powerpoint/2010/main" val="337633984"/>
       </p:ext>
     </p:extLst>
   </p:cSld>
@@ -12936,227 +9421,6 @@
 </file>
 
 <file path=ppt/slides/slide7.xml><?xml version="1.0" encoding="utf-8"?>
-<p:sld xmlns:a="http://schemas.openxmlformats.org/drawingml/2006/main" xmlns:r="http://schemas.openxmlformats.org/officeDocument/2006/relationships" xmlns:p="http://schemas.openxmlformats.org/presentationml/2006/main">
-  <p:cSld>
-    <p:spTree>
-      <p:nvGrpSpPr>
-        <p:cNvPr id="1" name=""/>
-        <p:cNvGrpSpPr/>
-        <p:nvPr/>
-      </p:nvGrpSpPr>
-      <p:grpSpPr>
-        <a:xfrm>
-          <a:off x="0" y="0"/>
-          <a:ext cx="0" cy="0"/>
-          <a:chOff x="0" y="0"/>
-          <a:chExt cx="0" cy="0"/>
-        </a:xfrm>
-      </p:grpSpPr>
-      <p:sp>
-        <p:nvSpPr>
-          <p:cNvPr id="2" name="Title 1">
-            <a:extLst>
-              <a:ext uri="{FF2B5EF4-FFF2-40B4-BE49-F238E27FC236}">
-                <a16:creationId xmlns:a16="http://schemas.microsoft.com/office/drawing/2014/main" id="{F3A1C779-32B6-856C-1013-4F253AA306E8}"/>
-              </a:ext>
-            </a:extLst>
-          </p:cNvPr>
-          <p:cNvSpPr>
-            <a:spLocks noGrp="1"/>
-          </p:cNvSpPr>
-          <p:nvPr>
-            <p:ph type="title"/>
-          </p:nvPr>
-        </p:nvSpPr>
-        <p:spPr/>
-        <p:txBody>
-          <a:bodyPr/>
-          <a:lstStyle/>
-          <a:p>
-            <a:r>
-              <a:rPr lang="en-US" dirty="0"/>
-              <a:t>Describing Error</a:t>
-            </a:r>
-          </a:p>
-        </p:txBody>
-      </p:sp>
-      <p:sp>
-        <p:nvSpPr>
-          <p:cNvPr id="3" name="Content Placeholder 2">
-            <a:extLst>
-              <a:ext uri="{FF2B5EF4-FFF2-40B4-BE49-F238E27FC236}">
-                <a16:creationId xmlns:a16="http://schemas.microsoft.com/office/drawing/2014/main" id="{DD784920-D31B-2E2A-A29D-F430F8D5EA59}"/>
-              </a:ext>
-            </a:extLst>
-          </p:cNvPr>
-          <p:cNvSpPr>
-            <a:spLocks noGrp="1"/>
-          </p:cNvSpPr>
-          <p:nvPr>
-            <p:ph idx="1"/>
-          </p:nvPr>
-        </p:nvSpPr>
-        <p:spPr/>
-        <p:txBody>
-          <a:bodyPr/>
-          <a:lstStyle/>
-          <a:p>
-            <a:r>
-              <a:rPr lang="en-US" dirty="0"/>
-              <a:t>Total error is how much observed values differ from predicted values</a:t>
-            </a:r>
-          </a:p>
-          <a:p>
-            <a:r>
-              <a:rPr lang="en-US" dirty="0"/>
-              <a:t>Total error comes in three flavors</a:t>
-            </a:r>
-          </a:p>
-          <a:p>
-            <a:pPr lvl="1"/>
-            <a:r>
-              <a:rPr lang="en-US" b="1" i="1" dirty="0"/>
-              <a:t>Bias: </a:t>
-            </a:r>
-            <a:r>
-              <a:rPr lang="en-US" dirty="0"/>
-              <a:t> How much of the difference between prediction and observed is due to </a:t>
-            </a:r>
-            <a:r>
-              <a:rPr lang="en-US" dirty="0" err="1"/>
-              <a:t>ssumptions</a:t>
-            </a:r>
-            <a:r>
-              <a:rPr lang="en-US" dirty="0"/>
-              <a:t> built into the model?</a:t>
-            </a:r>
-            <a:endParaRPr lang="en-US" b="1" i="1" dirty="0"/>
-          </a:p>
-          <a:p>
-            <a:pPr lvl="1"/>
-            <a:r>
-              <a:rPr lang="en-US" b="1" i="1" dirty="0"/>
-              <a:t>Variance: </a:t>
-            </a:r>
-            <a:r>
-              <a:rPr lang="en-US" dirty="0"/>
-              <a:t>How spread out from the model are the predictions?</a:t>
-            </a:r>
-          </a:p>
-          <a:p>
-            <a:pPr lvl="1"/>
-            <a:r>
-              <a:rPr lang="en-US" dirty="0" err="1"/>
-              <a:t>Irreduciable</a:t>
-            </a:r>
-            <a:r>
-              <a:rPr lang="en-US" dirty="0"/>
-              <a:t> Error: How much error is built into the situation being modeled</a:t>
-            </a:r>
-          </a:p>
-        </p:txBody>
-      </p:sp>
-    </p:spTree>
-    <p:extLst>
-      <p:ext uri="{BB962C8B-B14F-4D97-AF65-F5344CB8AC3E}">
-        <p14:creationId xmlns:p14="http://schemas.microsoft.com/office/powerpoint/2010/main" val="2916645414"/>
-      </p:ext>
-    </p:extLst>
-  </p:cSld>
-  <p:clrMapOvr>
-    <a:masterClrMapping/>
-  </p:clrMapOvr>
-</p:sld>
-</file>
-
-<file path=ppt/slides/slide8.xml><?xml version="1.0" encoding="utf-8"?>
-<p:sld xmlns:a="http://schemas.openxmlformats.org/drawingml/2006/main" xmlns:r="http://schemas.openxmlformats.org/officeDocument/2006/relationships" xmlns:p="http://schemas.openxmlformats.org/presentationml/2006/main">
-  <p:cSld>
-    <p:spTree>
-      <p:nvGrpSpPr>
-        <p:cNvPr id="1" name=""/>
-        <p:cNvGrpSpPr/>
-        <p:nvPr/>
-      </p:nvGrpSpPr>
-      <p:grpSpPr>
-        <a:xfrm>
-          <a:off x="0" y="0"/>
-          <a:ext cx="0" cy="0"/>
-          <a:chOff x="0" y="0"/>
-          <a:chExt cx="0" cy="0"/>
-        </a:xfrm>
-      </p:grpSpPr>
-      <p:sp>
-        <p:nvSpPr>
-          <p:cNvPr id="2" name="Title 1">
-            <a:extLst>
-              <a:ext uri="{FF2B5EF4-FFF2-40B4-BE49-F238E27FC236}">
-                <a16:creationId xmlns:a16="http://schemas.microsoft.com/office/drawing/2014/main" id="{8704F75D-B97F-0007-34E2-0D55B984F93C}"/>
-              </a:ext>
-            </a:extLst>
-          </p:cNvPr>
-          <p:cNvSpPr>
-            <a:spLocks noGrp="1"/>
-          </p:cNvSpPr>
-          <p:nvPr>
-            <p:ph type="title"/>
-          </p:nvPr>
-        </p:nvSpPr>
-        <p:spPr/>
-        <p:txBody>
-          <a:bodyPr/>
-          <a:lstStyle/>
-          <a:p>
-            <a:r>
-              <a:rPr lang="en-US" dirty="0"/>
-              <a:t>Bias and Variance are Bull’s Eyes</a:t>
-            </a:r>
-          </a:p>
-        </p:txBody>
-      </p:sp>
-      <p:pic>
-        <p:nvPicPr>
-          <p:cNvPr id="9" name="Content Placeholder 8" descr="A screenshot of a computer generated image&#10;&#10;AI-generated content may be incorrect.">
-            <a:extLst>
-              <a:ext uri="{FF2B5EF4-FFF2-40B4-BE49-F238E27FC236}">
-                <a16:creationId xmlns:a16="http://schemas.microsoft.com/office/drawing/2014/main" id="{57ABBAC5-8E2D-812E-D106-3CA0F9D4442F}"/>
-              </a:ext>
-            </a:extLst>
-          </p:cNvPr>
-          <p:cNvPicPr>
-            <a:picLocks noGrp="1" noChangeAspect="1"/>
-          </p:cNvPicPr>
-          <p:nvPr>
-            <p:ph idx="1"/>
-          </p:nvPr>
-        </p:nvPicPr>
-        <p:blipFill>
-          <a:blip r:embed="rId2"/>
-          <a:stretch>
-            <a:fillRect/>
-          </a:stretch>
-        </p:blipFill>
-        <p:spPr>
-          <a:xfrm>
-            <a:off x="1716227" y="2273300"/>
-            <a:ext cx="4139922" cy="3598863"/>
-          </a:xfrm>
-        </p:spPr>
-      </p:pic>
-    </p:spTree>
-    <p:extLst>
-      <p:ext uri="{BB962C8B-B14F-4D97-AF65-F5344CB8AC3E}">
-        <p14:creationId xmlns:p14="http://schemas.microsoft.com/office/powerpoint/2010/main" val="3362904684"/>
-      </p:ext>
-    </p:extLst>
-  </p:cSld>
-  <p:clrMapOvr>
-    <a:masterClrMapping/>
-  </p:clrMapOvr>
-</p:sld>
-</file>
-
-<file path=ppt/slides/slide9.xml><?xml version="1.0" encoding="utf-8"?>
 <p:sld xmlns:a="http://schemas.openxmlformats.org/drawingml/2006/main" xmlns:r="http://schemas.openxmlformats.org/officeDocument/2006/relationships" xmlns:p="http://schemas.openxmlformats.org/presentationml/2006/main">
   <p:cSld>
     <p:bg>
@@ -13210,10 +9474,10 @@
       </p:grpSpPr>
       <p:sp useBgFill="1">
         <p:nvSpPr>
-          <p:cNvPr id="9" name="Rectangle 8">
+          <p:cNvPr id="7" name="Rectangle 6">
             <a:extLst>
               <a:ext uri="{FF2B5EF4-FFF2-40B4-BE49-F238E27FC236}">
-                <a16:creationId xmlns:a16="http://schemas.microsoft.com/office/drawing/2014/main" id="{5CCD89DF-A084-43AD-9824-83BBBFC81EA5}"/>
+                <a16:creationId xmlns:a16="http://schemas.microsoft.com/office/drawing/2014/main" id="{C610D2AE-07EF-436A-9755-AA8DF4B933A4}"/>
               </a:ext>
               <a:ext uri="{C183D7F6-B498-43B3-948B-1728B52AA6E4}">
                 <adec:decorative xmlns:adec="http://schemas.microsoft.com/office/drawing/2017/decorative" val="1"/>
@@ -13239,6 +9503,9 @@
           <a:prstGeom prst="rect">
             <a:avLst/>
           </a:prstGeom>
+          <a:ln>
+            <a:noFill/>
+          </a:ln>
         </p:spPr>
         <p:style>
           <a:lnRef idx="2">
@@ -13267,10 +9534,10 @@
       </p:sp>
       <p:pic>
         <p:nvPicPr>
-          <p:cNvPr id="11" name="Picture 10">
+          <p:cNvPr id="8" name="Picture 7">
             <a:extLst>
               <a:ext uri="{FF2B5EF4-FFF2-40B4-BE49-F238E27FC236}">
-                <a16:creationId xmlns:a16="http://schemas.microsoft.com/office/drawing/2014/main" id="{842DB508-57AC-4491-A95B-0A00DE260814}"/>
+                <a16:creationId xmlns:a16="http://schemas.microsoft.com/office/drawing/2014/main" id="{6CACDD17-9043-46DF-882D-420365B79C18}"/>
               </a:ext>
               <a:ext uri="{C183D7F6-B498-43B3-948B-1728B52AA6E4}">
                 <adec:decorative xmlns:adec="http://schemas.microsoft.com/office/drawing/2017/decorative" val="1"/>
@@ -13289,7 +9556,7 @@
           </p:nvPr>
         </p:nvPicPr>
         <p:blipFill>
-          <a:blip r:embed="rId2">
+          <a:blip r:embed="rId3">
             <a:alphaModFix amt="10000"/>
             <a:extLst>
               <a:ext uri="{28A0092B-C50C-407E-A947-70E740481C1C}">
@@ -13313,10 +9580,10 @@
       </p:pic>
       <p:sp>
         <p:nvSpPr>
-          <p:cNvPr id="13" name="Rectangle 12">
+          <p:cNvPr id="10" name="Rectangle 9">
             <a:extLst>
               <a:ext uri="{FF2B5EF4-FFF2-40B4-BE49-F238E27FC236}">
-                <a16:creationId xmlns:a16="http://schemas.microsoft.com/office/drawing/2014/main" id="{11767E27-DCFE-4AA0-B1A2-E019108D7A3E}"/>
+                <a16:creationId xmlns:a16="http://schemas.microsoft.com/office/drawing/2014/main" id="{CF2D8AD5-434A-4C0E-9F5B-C1AFD645F364}"/>
               </a:ext>
               <a:ext uri="{C183D7F6-B498-43B3-948B-1728B52AA6E4}">
                 <adec:decorative xmlns:adec="http://schemas.microsoft.com/office/drawing/2017/decorative" val="1"/>
@@ -13336,17 +9603,16 @@
         </p:nvSpPr>
         <p:spPr bwMode="grayWhite">
           <a:xfrm>
-            <a:off x="0" y="609600"/>
-            <a:ext cx="10437812" cy="1368198"/>
+            <a:off x="2" y="609600"/>
+            <a:ext cx="4959094" cy="1368198"/>
           </a:xfrm>
           <a:prstGeom prst="rect">
             <a:avLst/>
           </a:prstGeom>
           <a:solidFill>
             <a:schemeClr val="bg1">
-              <a:lumMod val="95000"/>
-              <a:lumOff val="5000"/>
-              <a:alpha val="90000"/>
+              <a:lumMod val="85000"/>
+              <a:lumOff val="15000"/>
             </a:schemeClr>
           </a:solidFill>
           <a:ln>
@@ -13382,7 +9648,7 @@
           <p:cNvPr id="2" name="Title 1">
             <a:extLst>
               <a:ext uri="{FF2B5EF4-FFF2-40B4-BE49-F238E27FC236}">
-                <a16:creationId xmlns:a16="http://schemas.microsoft.com/office/drawing/2014/main" id="{1D7168DE-A578-7E28-A46B-898B52053DC2}"/>
+                <a16:creationId xmlns:a16="http://schemas.microsoft.com/office/drawing/2014/main" id="{6D8D89ED-2424-13DD-0674-4CAA270B65CB}"/>
               </a:ext>
             </a:extLst>
           </p:cNvPr>
@@ -13396,7 +9662,7 @@
         <p:spPr>
           <a:xfrm>
             <a:off x="680321" y="753228"/>
-            <a:ext cx="9613861" cy="1080938"/>
+            <a:ext cx="4136123" cy="1080938"/>
           </a:xfrm>
         </p:spPr>
         <p:txBody>
@@ -13406,146 +9672,18 @@
           <a:lstStyle/>
           <a:p>
             <a:r>
-              <a:rPr lang="en-US" dirty="0"/>
-              <a:t>Bias vs. Variance</a:t>
-            </a:r>
-          </a:p>
-        </p:txBody>
-      </p:sp>
-      <p:sp>
-        <p:nvSpPr>
-          <p:cNvPr id="15" name="Rectangle 14">
+              <a:rPr lang="en-US" sz="2400"/>
+              <a:t>Training-Validation-Test Split</a:t>
+            </a:r>
+          </a:p>
+        </p:txBody>
+      </p:sp>
+      <p:pic>
+        <p:nvPicPr>
+          <p:cNvPr id="11" name="Picture 10">
             <a:extLst>
               <a:ext uri="{FF2B5EF4-FFF2-40B4-BE49-F238E27FC236}">
-                <a16:creationId xmlns:a16="http://schemas.microsoft.com/office/drawing/2014/main" id="{1C61BEF9-DC90-4AC9-8E25-ED5509D7A1DC}"/>
-              </a:ext>
-              <a:ext uri="{C183D7F6-B498-43B3-948B-1728B52AA6E4}">
-                <adec:decorative xmlns:adec="http://schemas.microsoft.com/office/drawing/2017/decorative" val="1"/>
-              </a:ext>
-            </a:extLst>
-          </p:cNvPr>
-          <p:cNvSpPr>
-            <a:spLocks noGrp="1" noRot="1" noChangeAspect="1" noMove="1" noResize="1" noEditPoints="1" noAdjustHandles="1" noChangeArrowheads="1" noChangeShapeType="1" noTextEdit="1"/>
-          </p:cNvSpPr>
-          <p:nvPr>
-            <p:extLst>
-              <p:ext uri="{386F3935-93C4-4BCD-93E2-E3B085C9AB24}">
-                <p16:designElem xmlns:p16="http://schemas.microsoft.com/office/powerpoint/2015/main" val="1"/>
-              </p:ext>
-            </p:extLst>
-          </p:nvPr>
-        </p:nvSpPr>
-        <p:spPr>
-          <a:xfrm>
-            <a:off x="10585827" y="609600"/>
-            <a:ext cx="1602997" cy="1368198"/>
-          </a:xfrm>
-          <a:prstGeom prst="rect">
-            <a:avLst/>
-          </a:prstGeom>
-          <a:solidFill>
-            <a:schemeClr val="accent1"/>
-          </a:solidFill>
-          <a:ln>
-            <a:noFill/>
-          </a:ln>
-        </p:spPr>
-        <p:style>
-          <a:lnRef idx="2">
-            <a:schemeClr val="accent1">
-              <a:shade val="50000"/>
-            </a:schemeClr>
-          </a:lnRef>
-          <a:fillRef idx="1">
-            <a:schemeClr val="accent1"/>
-          </a:fillRef>
-          <a:effectRef idx="0">
-            <a:schemeClr val="accent1"/>
-          </a:effectRef>
-          <a:fontRef idx="minor">
-            <a:schemeClr val="lt1"/>
-          </a:fontRef>
-        </p:style>
-        <p:txBody>
-          <a:bodyPr/>
-          <a:lstStyle/>
-          <a:p>
-            <a:endParaRPr lang="en-US"/>
-          </a:p>
-        </p:txBody>
-      </p:sp>
-      <p:sp>
-        <p:nvSpPr>
-          <p:cNvPr id="17" name="Rectangle 16">
-            <a:extLst>
-              <a:ext uri="{FF2B5EF4-FFF2-40B4-BE49-F238E27FC236}">
-                <a16:creationId xmlns:a16="http://schemas.microsoft.com/office/drawing/2014/main" id="{D64306F4-D304-4F4E-9B08-A8036AF82123}"/>
-              </a:ext>
-              <a:ext uri="{C183D7F6-B498-43B3-948B-1728B52AA6E4}">
-                <adec:decorative xmlns:adec="http://schemas.microsoft.com/office/drawing/2017/decorative" val="1"/>
-              </a:ext>
-            </a:extLst>
-          </p:cNvPr>
-          <p:cNvSpPr>
-            <a:spLocks noGrp="1" noRot="1" noChangeAspect="1" noMove="1" noResize="1" noEditPoints="1" noAdjustHandles="1" noChangeArrowheads="1" noChangeShapeType="1" noTextEdit="1"/>
-          </p:cNvSpPr>
-          <p:nvPr>
-            <p:extLst>
-              <p:ext uri="{386F3935-93C4-4BCD-93E2-E3B085C9AB24}">
-                <p16:designElem xmlns:p16="http://schemas.microsoft.com/office/powerpoint/2015/main" val="1"/>
-              </p:ext>
-            </p:extLst>
-          </p:nvPr>
-        </p:nvSpPr>
-        <p:spPr bwMode="grayWhite">
-          <a:xfrm>
-            <a:off x="0" y="2116667"/>
-            <a:ext cx="10439400" cy="3793206"/>
-          </a:xfrm>
-          <a:prstGeom prst="rect">
-            <a:avLst/>
-          </a:prstGeom>
-          <a:solidFill>
-            <a:schemeClr val="bg1">
-              <a:lumMod val="95000"/>
-              <a:lumOff val="5000"/>
-              <a:alpha val="85000"/>
-            </a:schemeClr>
-          </a:solidFill>
-          <a:ln>
-            <a:noFill/>
-          </a:ln>
-        </p:spPr>
-        <p:style>
-          <a:lnRef idx="2">
-            <a:schemeClr val="accent1">
-              <a:shade val="50000"/>
-            </a:schemeClr>
-          </a:lnRef>
-          <a:fillRef idx="1">
-            <a:schemeClr val="accent1"/>
-          </a:fillRef>
-          <a:effectRef idx="0">
-            <a:schemeClr val="accent1"/>
-          </a:effectRef>
-          <a:fontRef idx="minor">
-            <a:schemeClr val="lt1"/>
-          </a:fontRef>
-        </p:style>
-        <p:txBody>
-          <a:bodyPr/>
-          <a:lstStyle/>
-          <a:p>
-            <a:endParaRPr lang="en-US"/>
-          </a:p>
-        </p:txBody>
-      </p:sp>
-      <p:pic>
-        <p:nvPicPr>
-          <p:cNvPr id="19" name="Picture 18">
-            <a:extLst>
-              <a:ext uri="{FF2B5EF4-FFF2-40B4-BE49-F238E27FC236}">
-                <a16:creationId xmlns:a16="http://schemas.microsoft.com/office/drawing/2014/main" id="{8FACC571-ABDB-4C1F-8A8B-53E362E11388}"/>
+                <a16:creationId xmlns:a16="http://schemas.microsoft.com/office/drawing/2014/main" id="{E92B246D-47CC-40F8-8DE7-B65D409E945E}"/>
               </a:ext>
               <a:ext uri="{C183D7F6-B498-43B3-948B-1728B52AA6E4}">
                 <adec:decorative xmlns:adec="http://schemas.microsoft.com/office/drawing/2017/decorative" val="1"/>
@@ -13564,7 +9702,7 @@
           </p:nvPr>
         </p:nvPicPr>
         <p:blipFill>
-          <a:blip r:embed="rId3">
+          <a:blip r:embed="rId4">
             <a:extLst>
               <a:ext uri="{28A0092B-C50C-407E-A947-70E740481C1C}">
                 <a14:useLocalDpi xmlns:a14="http://schemas.microsoft.com/office/drawing/2010/main" val="0"/>
@@ -13577,94 +9715,190 @@
         </p:blipFill>
         <p:spPr>
           <a:xfrm>
-            <a:off x="1" y="1970240"/>
-            <a:ext cx="10437812" cy="321164"/>
+            <a:off x="2" y="1970241"/>
+            <a:ext cx="4956048" cy="199787"/>
           </a:xfrm>
           <a:prstGeom prst="rect">
             <a:avLst/>
           </a:prstGeom>
         </p:spPr>
       </p:pic>
+      <p:sp>
+        <p:nvSpPr>
+          <p:cNvPr id="13" name="Content Placeholder 8">
+            <a:extLst>
+              <a:ext uri="{FF2B5EF4-FFF2-40B4-BE49-F238E27FC236}">
+                <a16:creationId xmlns:a16="http://schemas.microsoft.com/office/drawing/2014/main" id="{E998C8F1-20AD-9F6C-91EE-1AF27960CA0E}"/>
+              </a:ext>
+            </a:extLst>
+          </p:cNvPr>
+          <p:cNvSpPr>
+            <a:spLocks noGrp="1"/>
+          </p:cNvSpPr>
+          <p:nvPr>
+            <p:ph idx="1"/>
+          </p:nvPr>
+        </p:nvSpPr>
+        <p:spPr>
+          <a:xfrm>
+            <a:off x="680321" y="2336873"/>
+            <a:ext cx="4136123" cy="3599316"/>
+          </a:xfrm>
+        </p:spPr>
+        <p:txBody>
+          <a:bodyPr>
+            <a:normAutofit/>
+          </a:bodyPr>
+          <a:lstStyle/>
+          <a:p>
+            <a:r>
+              <a:rPr lang="en-US" sz="1800" dirty="0"/>
+              <a:t>Training Data: Used to fit a model</a:t>
+            </a:r>
+          </a:p>
+          <a:p>
+            <a:r>
+              <a:rPr lang="en-US" sz="1800" b="1" dirty="0"/>
+              <a:t>Validation Data: U</a:t>
+            </a:r>
+            <a:r>
+              <a:rPr lang="en-US" sz="1800" dirty="0"/>
+              <a:t>sed to evaluate model performance, adjust parameters or model settings, and conduct feature selection</a:t>
+            </a:r>
+          </a:p>
+          <a:p>
+            <a:r>
+              <a:rPr lang="en-US" sz="1800" b="1" dirty="0"/>
+              <a:t>Test Data:</a:t>
+            </a:r>
+            <a:r>
+              <a:rPr lang="en-US" sz="1800" dirty="0"/>
+              <a:t> Used to evaluate final model performance and compare different models.</a:t>
+            </a:r>
+          </a:p>
+        </p:txBody>
+      </p:sp>
       <p:pic>
         <p:nvPicPr>
-          <p:cNvPr id="21" name="Picture 20">
+          <p:cNvPr id="15" name="Picture 14" descr="A diagram of a training model&#10;&#10;AI-generated content may be incorrect.">
             <a:extLst>
               <a:ext uri="{FF2B5EF4-FFF2-40B4-BE49-F238E27FC236}">
-                <a16:creationId xmlns:a16="http://schemas.microsoft.com/office/drawing/2014/main" id="{F486E5BD-1557-41D9-A119-D5F62647ABB1}"/>
-              </a:ext>
-              <a:ext uri="{C183D7F6-B498-43B3-948B-1728B52AA6E4}">
-                <adec:decorative xmlns:adec="http://schemas.microsoft.com/office/drawing/2017/decorative" val="1"/>
+                <a16:creationId xmlns:a16="http://schemas.microsoft.com/office/drawing/2014/main" id="{5CEE803F-252C-23B8-951E-8FEC1AC0CBFB}"/>
               </a:ext>
             </a:extLst>
           </p:cNvPr>
           <p:cNvPicPr>
-            <a:picLocks noGrp="1" noRot="1" noChangeAspect="1" noMove="1" noResize="1" noEditPoints="1" noAdjustHandles="1" noChangeArrowheads="1" noChangeShapeType="1" noCrop="1"/>
+            <a:picLocks noChangeAspect="1"/>
           </p:cNvPicPr>
-          <p:nvPr>
-            <p:extLst>
-              <p:ext uri="{386F3935-93C4-4BCD-93E2-E3B085C9AB24}">
-                <p16:designElem xmlns:p16="http://schemas.microsoft.com/office/powerpoint/2015/main" val="1"/>
-              </p:ext>
-            </p:extLst>
-          </p:nvPr>
+          <p:nvPr/>
         </p:nvPicPr>
         <p:blipFill>
-          <a:blip r:embed="rId4" cstate="print">
-            <a:extLst>
-              <a:ext uri="{28A0092B-C50C-407E-A947-70E740481C1C}">
-                <a14:useLocalDpi xmlns:a14="http://schemas.microsoft.com/office/drawing/2010/main" val="0"/>
-              </a:ext>
-            </a:extLst>
-          </a:blip>
+          <a:blip r:embed="rId5"/>
           <a:stretch>
             <a:fillRect/>
           </a:stretch>
         </p:blipFill>
         <p:spPr>
           <a:xfrm>
-            <a:off x="10585826" y="1971234"/>
-            <a:ext cx="1602997" cy="144270"/>
+            <a:off x="5251434" y="825499"/>
+            <a:ext cx="6502400" cy="5207000"/>
           </a:xfrm>
           <a:prstGeom prst="rect">
             <a:avLst/>
           </a:prstGeom>
         </p:spPr>
       </p:pic>
-      <p:graphicFrame>
-        <p:nvGraphicFramePr>
-          <p:cNvPr id="7" name="Content Placeholder 2">
+    </p:spTree>
+    <p:extLst>
+      <p:ext uri="{BB962C8B-B14F-4D97-AF65-F5344CB8AC3E}">
+        <p14:creationId xmlns:p14="http://schemas.microsoft.com/office/powerpoint/2010/main" val="4128248544"/>
+      </p:ext>
+    </p:extLst>
+  </p:cSld>
+  <p:clrMapOvr>
+    <a:masterClrMapping/>
+  </p:clrMapOvr>
+</p:sld>
+</file>
+
+<file path=ppt/slides/slide8.xml><?xml version="1.0" encoding="utf-8"?>
+<p:sld xmlns:a="http://schemas.openxmlformats.org/drawingml/2006/main" xmlns:r="http://schemas.openxmlformats.org/officeDocument/2006/relationships" xmlns:p="http://schemas.openxmlformats.org/presentationml/2006/main">
+  <p:cSld>
+    <p:spTree>
+      <p:nvGrpSpPr>
+        <p:cNvPr id="1" name=""/>
+        <p:cNvGrpSpPr/>
+        <p:nvPr/>
+      </p:nvGrpSpPr>
+      <p:grpSpPr>
+        <a:xfrm>
+          <a:off x="0" y="0"/>
+          <a:ext cx="0" cy="0"/>
+          <a:chOff x="0" y="0"/>
+          <a:chExt cx="0" cy="0"/>
+        </a:xfrm>
+      </p:grpSpPr>
+      <p:sp>
+        <p:nvSpPr>
+          <p:cNvPr id="2" name="Title 1">
             <a:extLst>
               <a:ext uri="{FF2B5EF4-FFF2-40B4-BE49-F238E27FC236}">
-                <a16:creationId xmlns:a16="http://schemas.microsoft.com/office/drawing/2014/main" id="{4F2472BC-B1FC-1064-82F9-51FAC9DA0791}"/>
+                <a16:creationId xmlns:a16="http://schemas.microsoft.com/office/drawing/2014/main" id="{C15EE579-883C-C0A7-4FE7-3FA543296940}"/>
               </a:ext>
             </a:extLst>
           </p:cNvPr>
-          <p:cNvGraphicFramePr>
-            <a:graphicFrameLocks noGrp="1"/>
-          </p:cNvGraphicFramePr>
+          <p:cNvSpPr>
+            <a:spLocks noGrp="1"/>
+          </p:cNvSpPr>
+          <p:nvPr>
+            <p:ph type="title"/>
+          </p:nvPr>
+        </p:nvSpPr>
+        <p:spPr/>
+        <p:txBody>
+          <a:bodyPr/>
+          <a:lstStyle/>
+          <a:p>
+            <a:r>
+              <a:rPr lang="en-US" dirty="0"/>
+              <a:t>Splits</a:t>
+            </a:r>
+          </a:p>
+        </p:txBody>
+      </p:sp>
+      <p:pic>
+        <p:nvPicPr>
+          <p:cNvPr id="5" name="Content Placeholder 4" descr="A close-up of a pie chart&#10;&#10;AI-generated content may be incorrect.">
+            <a:extLst>
+              <a:ext uri="{FF2B5EF4-FFF2-40B4-BE49-F238E27FC236}">
+                <a16:creationId xmlns:a16="http://schemas.microsoft.com/office/drawing/2014/main" id="{80CDF919-1C1C-84AD-E391-68992BCC496B}"/>
+              </a:ext>
+            </a:extLst>
+          </p:cNvPr>
+          <p:cNvPicPr>
+            <a:picLocks noGrp="1" noChangeAspect="1"/>
+          </p:cNvPicPr>
           <p:nvPr>
             <p:ph idx="1"/>
-            <p:extLst>
-              <p:ext uri="{D42A27DB-BD31-4B8C-83A1-F6EECF244321}">
-                <p14:modId xmlns:p14="http://schemas.microsoft.com/office/powerpoint/2010/main" val="3884853227"/>
-              </p:ext>
-            </p:extLst>
-          </p:nvPr>
-        </p:nvGraphicFramePr>
-        <p:xfrm>
-          <a:off x="681038" y="2427478"/>
-          <a:ext cx="9433453" cy="3160661"/>
-        </p:xfrm>
-        <a:graphic>
-          <a:graphicData uri="http://schemas.openxmlformats.org/drawingml/2006/diagram">
-            <dgm:relIds xmlns:dgm="http://schemas.openxmlformats.org/drawingml/2006/diagram" xmlns:r="http://schemas.openxmlformats.org/officeDocument/2006/relationships" r:dm="rId5" r:lo="rId6" r:qs="rId7" r:cs="rId8"/>
-          </a:graphicData>
-        </a:graphic>
-      </p:graphicFrame>
+          </p:nvPr>
+        </p:nvPicPr>
+        <p:blipFill>
+          <a:blip r:embed="rId2"/>
+          <a:stretch>
+            <a:fillRect/>
+          </a:stretch>
+        </p:blipFill>
+        <p:spPr>
+          <a:xfrm>
+            <a:off x="2814638" y="2701131"/>
+            <a:ext cx="5346700" cy="2870200"/>
+          </a:xfrm>
+        </p:spPr>
+      </p:pic>
     </p:spTree>
     <p:extLst>
       <p:ext uri="{BB962C8B-B14F-4D97-AF65-F5344CB8AC3E}">
-        <p14:creationId xmlns:p14="http://schemas.microsoft.com/office/powerpoint/2010/main" val="3359920238"/>
+        <p14:creationId xmlns:p14="http://schemas.microsoft.com/office/powerpoint/2010/main" val="2698508918"/>
       </p:ext>
     </p:extLst>
   </p:cSld>
